--- a/Docker Intro.pptx
+++ b/Docker Intro.pptx
@@ -5,10 +5,10 @@
     <p:sldMasterId id="2147483648" r:id="rId1"/>
   </p:sldMasterIdLst>
   <p:notesMasterIdLst>
-    <p:notesMasterId r:id="rId15"/>
+    <p:notesMasterId r:id="rId21"/>
   </p:notesMasterIdLst>
   <p:handoutMasterIdLst>
-    <p:handoutMasterId r:id="rId16"/>
+    <p:handoutMasterId r:id="rId22"/>
   </p:handoutMasterIdLst>
   <p:sldIdLst>
     <p:sldId id="256" r:id="rId2"/>
@@ -19,11 +19,17 @@
     <p:sldId id="264" r:id="rId7"/>
     <p:sldId id="266" r:id="rId8"/>
     <p:sldId id="267" r:id="rId9"/>
-    <p:sldId id="269" r:id="rId10"/>
-    <p:sldId id="270" r:id="rId11"/>
-    <p:sldId id="259" r:id="rId12"/>
-    <p:sldId id="268" r:id="rId13"/>
-    <p:sldId id="258" r:id="rId14"/>
+    <p:sldId id="271" r:id="rId10"/>
+    <p:sldId id="272" r:id="rId11"/>
+    <p:sldId id="273" r:id="rId12"/>
+    <p:sldId id="274" r:id="rId13"/>
+    <p:sldId id="275" r:id="rId14"/>
+    <p:sldId id="276" r:id="rId15"/>
+    <p:sldId id="269" r:id="rId16"/>
+    <p:sldId id="270" r:id="rId17"/>
+    <p:sldId id="259" r:id="rId18"/>
+    <p:sldId id="268" r:id="rId19"/>
+    <p:sldId id="258" r:id="rId20"/>
   </p:sldIdLst>
   <p:sldSz cx="12192000" cy="6858000"/>
   <p:notesSz cx="6858000" cy="9144000"/>
@@ -4040,7 +4046,15 @@
           <a:p>
             <a:r>
               <a:rPr kumimoji="1" lang="en-US" altLang="zh-CN" dirty="0" smtClean="0"/>
-              <a:t>Storage Driver</a:t>
+              <a:t>For</a:t>
+            </a:r>
+            <a:r>
+              <a:rPr kumimoji="1" lang="zh-CN" altLang="en-US" dirty="0" smtClean="0"/>
+              <a:t> </a:t>
+            </a:r>
+            <a:r>
+              <a:rPr kumimoji="1" lang="en-US" altLang="zh-CN" dirty="0" smtClean="0"/>
+              <a:t>Windows</a:t>
             </a:r>
             <a:endParaRPr kumimoji="1" lang="zh-CN" altLang="en-US" dirty="0"/>
           </a:p>
@@ -4061,14 +4075,177 @@
           <a:bodyPr/>
           <a:lstStyle/>
           <a:p>
-            <a:endParaRPr kumimoji="1" lang="zh-CN" altLang="en-US"/>
+            <a:r>
+              <a:rPr kumimoji="1" lang="zh-CN" altLang="en-US" dirty="0" smtClean="0"/>
+              <a:t>官方推荐</a:t>
+            </a:r>
+            <a:r>
+              <a:rPr kumimoji="1" lang="en-US" altLang="zh-CN" dirty="0" smtClean="0">
+                <a:hlinkClick r:id="rId2"/>
+              </a:rPr>
+              <a:t>Docker for Windows</a:t>
+            </a:r>
+            <a:endParaRPr kumimoji="1" lang="en-US" altLang="zh-CN" dirty="0" smtClean="0"/>
+          </a:p>
+          <a:p>
+            <a:pPr lvl="1"/>
+            <a:r>
+              <a:rPr kumimoji="1" lang="zh-CN" altLang="en-US" dirty="0" smtClean="0"/>
+              <a:t>实际上是在</a:t>
+            </a:r>
+            <a:r>
+              <a:rPr kumimoji="1" lang="en-US" altLang="zh-CN" dirty="0" smtClean="0"/>
+              <a:t>Hyper-V</a:t>
+            </a:r>
+            <a:r>
+              <a:rPr kumimoji="1" lang="zh-CN" altLang="en-US" dirty="0" smtClean="0"/>
+              <a:t>中运行了一个轻量级的</a:t>
+            </a:r>
+            <a:r>
+              <a:rPr kumimoji="1" lang="en-US" altLang="zh-CN" dirty="0" smtClean="0"/>
+              <a:t>Linux</a:t>
+            </a:r>
+            <a:r>
+              <a:rPr kumimoji="1" lang="zh-CN" altLang="en-US" dirty="0" smtClean="0"/>
+              <a:t>环境</a:t>
+            </a:r>
+            <a:endParaRPr kumimoji="1" lang="en-US" altLang="zh-CN" dirty="0" smtClean="0"/>
+          </a:p>
+          <a:p>
+            <a:pPr lvl="1"/>
+            <a:r>
+              <a:rPr kumimoji="1" lang="zh-CN" altLang="en-US" dirty="0" smtClean="0"/>
+              <a:t>安装前确保系统支持</a:t>
+            </a:r>
+            <a:r>
+              <a:rPr lang="en-US" altLang="zh-CN" dirty="0" smtClean="0"/>
+              <a:t>Hyper-V</a:t>
+            </a:r>
+            <a:r>
+              <a:rPr lang="zh-CN" altLang="en-US" dirty="0" smtClean="0"/>
+              <a:t>且已开启服务</a:t>
+            </a:r>
+            <a:endParaRPr lang="en-US" altLang="zh-CN" dirty="0" smtClean="0"/>
+          </a:p>
+          <a:p>
+            <a:pPr lvl="1"/>
+            <a:r>
+              <a:rPr kumimoji="1" lang="zh-CN" altLang="en-US" dirty="0" smtClean="0"/>
+              <a:t>官方支持</a:t>
+            </a:r>
+            <a:r>
+              <a:rPr lang="en-US" altLang="zh-CN" dirty="0"/>
+              <a:t>64bit Windows 10 </a:t>
+            </a:r>
+            <a:r>
+              <a:rPr lang="en-US" altLang="zh-CN" dirty="0" smtClean="0"/>
+              <a:t>Pro</a:t>
+            </a:r>
+            <a:r>
+              <a:rPr lang="zh-CN" altLang="en-US" dirty="0" smtClean="0"/>
+              <a:t>、</a:t>
+            </a:r>
+            <a:r>
+              <a:rPr lang="en-US" altLang="zh-CN" dirty="0" smtClean="0"/>
+              <a:t>Enterprise</a:t>
+            </a:r>
+            <a:r>
+              <a:rPr lang="zh-CN" altLang="en-US" dirty="0" smtClean="0"/>
+              <a:t>、</a:t>
+            </a:r>
+            <a:r>
+              <a:rPr lang="en-US" altLang="zh-CN" dirty="0" smtClean="0"/>
+              <a:t>Education</a:t>
+            </a:r>
+            <a:endParaRPr kumimoji="1" lang="en-US" altLang="zh-CN" dirty="0" smtClean="0"/>
+          </a:p>
+          <a:p>
+            <a:r>
+              <a:rPr kumimoji="1" lang="zh-CN" altLang="en-US" dirty="0" smtClean="0"/>
+              <a:t>旧系统可以使用</a:t>
+            </a:r>
+            <a:r>
+              <a:rPr kumimoji="1" lang="en-US" altLang="zh-CN" dirty="0" smtClean="0">
+                <a:hlinkClick r:id="rId3"/>
+              </a:rPr>
+              <a:t>Docker</a:t>
+            </a:r>
+            <a:r>
+              <a:rPr kumimoji="1" lang="zh-CN" altLang="en-US" dirty="0" smtClean="0">
+                <a:hlinkClick r:id="rId3"/>
+              </a:rPr>
+              <a:t> </a:t>
+            </a:r>
+            <a:r>
+              <a:rPr kumimoji="1" lang="en-US" altLang="zh-CN" dirty="0" smtClean="0">
+                <a:hlinkClick r:id="rId3"/>
+              </a:rPr>
+              <a:t>Toolbox</a:t>
+            </a:r>
+            <a:endParaRPr kumimoji="1" lang="en-US" altLang="zh-CN" dirty="0" smtClean="0"/>
+          </a:p>
+          <a:p>
+            <a:pPr lvl="1"/>
+            <a:r>
+              <a:rPr kumimoji="1" lang="zh-CN" altLang="en-US" dirty="0" smtClean="0"/>
+              <a:t>使用</a:t>
+            </a:r>
+            <a:r>
+              <a:rPr kumimoji="1" lang="en-US" altLang="zh-CN" dirty="0" err="1" smtClean="0"/>
+              <a:t>VirtualBox</a:t>
+            </a:r>
+            <a:endParaRPr kumimoji="1" lang="en-US" altLang="zh-CN" dirty="0" smtClean="0"/>
+          </a:p>
+          <a:p>
+            <a:pPr marL="228600" lvl="1">
+              <a:spcBef>
+                <a:spcPts val="1000"/>
+              </a:spcBef>
+            </a:pPr>
+            <a:r>
+              <a:rPr kumimoji="1" lang="zh-CN" altLang="en-US" dirty="0" smtClean="0"/>
+              <a:t>如果</a:t>
+            </a:r>
+            <a:r>
+              <a:rPr kumimoji="1" lang="en-US" altLang="zh-CN" dirty="0"/>
+              <a:t>Windows</a:t>
+            </a:r>
+            <a:r>
+              <a:rPr kumimoji="1" lang="zh-CN" altLang="en-US" dirty="0"/>
+              <a:t>本身运行在虚拟</a:t>
+            </a:r>
+            <a:r>
+              <a:rPr kumimoji="1" lang="zh-CN" altLang="en-US" dirty="0" smtClean="0"/>
+              <a:t>机中</a:t>
+            </a:r>
+            <a:endParaRPr kumimoji="1" lang="en-US" altLang="zh-CN" dirty="0" smtClean="0"/>
+          </a:p>
+          <a:p>
+            <a:pPr marL="685800" lvl="2">
+              <a:spcBef>
+                <a:spcPts val="1000"/>
+              </a:spcBef>
+            </a:pPr>
+            <a:r>
+              <a:rPr kumimoji="1" lang="zh-CN" altLang="en-US" dirty="0" smtClean="0"/>
+              <a:t>需要启用</a:t>
+            </a:r>
+            <a:r>
+              <a:rPr lang="en-US" altLang="zh-CN" dirty="0"/>
+              <a:t>Nested </a:t>
+            </a:r>
+            <a:r>
+              <a:rPr lang="en-US" altLang="zh-CN" dirty="0" smtClean="0"/>
+              <a:t>Virtualization</a:t>
+            </a:r>
+            <a:endParaRPr lang="en-US" altLang="zh-CN" dirty="0"/>
           </a:p>
         </p:txBody>
       </p:sp>
     </p:spTree>
     <p:extLst>
       <p:ext uri="{BB962C8B-B14F-4D97-AF65-F5344CB8AC3E}">
-        <p14:creationId xmlns:p14="http://schemas.microsoft.com/office/powerpoint/2010/main" val="641855112"/>
+        <p14:creationId xmlns:p14="http://schemas.microsoft.com/office/powerpoint/2010/main" val="406753412"/>
       </p:ext>
     </p:extLst>
   </p:cSld>
@@ -4119,7 +4296,7 @@
           <a:p>
             <a:r>
               <a:rPr kumimoji="1" lang="en-US" altLang="zh-CN" dirty="0" smtClean="0"/>
-              <a:t>Docker CE</a:t>
+              <a:t>For Mac</a:t>
             </a:r>
             <a:endParaRPr kumimoji="1" lang="zh-CN" altLang="en-US" dirty="0"/>
           </a:p>
@@ -4141,39 +4318,213 @@
           <a:lstStyle/>
           <a:p>
             <a:r>
-              <a:rPr kumimoji="1" lang="en-US" altLang="zh-CN" dirty="0" smtClean="0"/>
-              <a:t>2017</a:t>
-            </a:r>
-            <a:r>
               <a:rPr kumimoji="1" lang="zh-CN" altLang="en-US" dirty="0" smtClean="0"/>
-              <a:t>年</a:t>
-            </a:r>
-            <a:r>
-              <a:rPr kumimoji="1" lang="en-US" altLang="zh-CN" dirty="0" smtClean="0"/>
-              <a:t>2</a:t>
-            </a:r>
-            <a:r>
-              <a:rPr kumimoji="1" lang="zh-CN" altLang="en-US" dirty="0" smtClean="0"/>
-              <a:t>月，</a:t>
-            </a:r>
-            <a:r>
-              <a:rPr kumimoji="1" lang="en-US" altLang="zh-CN" dirty="0" smtClean="0"/>
-              <a:t>Docker</a:t>
-            </a:r>
-            <a:r>
-              <a:rPr kumimoji="1" lang="zh-CN" altLang="en-US" dirty="0" smtClean="0"/>
-              <a:t>发布了企业版（</a:t>
+              <a:t>官方推荐</a:t>
             </a:r>
             <a:r>
               <a:rPr kumimoji="1" lang="en-US" altLang="zh-CN" dirty="0" smtClean="0">
                 <a:hlinkClick r:id="rId2"/>
               </a:rPr>
-              <a:t>ANNOUNCING DOCKER ENTERPRISE EDITION</a:t>
+              <a:t>Docker</a:t>
+            </a:r>
+            <a:r>
+              <a:rPr kumimoji="1" lang="zh-CN" altLang="en-US" dirty="0" smtClean="0">
+                <a:hlinkClick r:id="rId2"/>
+              </a:rPr>
+              <a:t> </a:t>
+            </a:r>
+            <a:r>
+              <a:rPr kumimoji="1" lang="en-US" altLang="zh-CN" dirty="0" smtClean="0">
+                <a:hlinkClick r:id="rId2"/>
+              </a:rPr>
+              <a:t>for</a:t>
+            </a:r>
+            <a:r>
+              <a:rPr kumimoji="1" lang="zh-CN" altLang="en-US" dirty="0" smtClean="0">
+                <a:hlinkClick r:id="rId2"/>
+              </a:rPr>
+              <a:t> </a:t>
+            </a:r>
+            <a:r>
+              <a:rPr kumimoji="1" lang="en-US" altLang="zh-CN" dirty="0" smtClean="0">
+                <a:hlinkClick r:id="rId2"/>
+              </a:rPr>
+              <a:t>Mac</a:t>
+            </a:r>
+            <a:endParaRPr kumimoji="1" lang="en-US" altLang="zh-CN" dirty="0" smtClean="0"/>
+          </a:p>
+          <a:p>
+            <a:pPr lvl="1"/>
+            <a:r>
+              <a:rPr kumimoji="1" lang="en-US" altLang="zh-CN" dirty="0" smtClean="0"/>
+              <a:t>2010</a:t>
+            </a:r>
+            <a:r>
+              <a:rPr kumimoji="1" lang="zh-CN" altLang="en-US" dirty="0" smtClean="0"/>
+              <a:t>年以后的机型（</a:t>
+            </a:r>
+            <a:r>
+              <a:rPr kumimoji="1" lang="en-US" altLang="zh-CN" dirty="0" smtClean="0"/>
+              <a:t>CPU</a:t>
+            </a:r>
+            <a:r>
+              <a:rPr kumimoji="1" lang="zh-CN" altLang="en-US" dirty="0" smtClean="0"/>
+              <a:t>需要支持</a:t>
+            </a:r>
+            <a:r>
+              <a:rPr kumimoji="1" lang="en-US" altLang="zh-CN" dirty="0" smtClean="0"/>
+              <a:t>MMU</a:t>
+            </a:r>
+            <a:r>
+              <a:rPr kumimoji="1" lang="zh-CN" altLang="en-US" dirty="0" smtClean="0"/>
+              <a:t>，</a:t>
+            </a:r>
+            <a:r>
+              <a:rPr kumimoji="1" lang="en-US" altLang="zh-CN" dirty="0" smtClean="0"/>
+              <a:t>EPT</a:t>
             </a:r>
             <a:r>
               <a:rPr kumimoji="1" lang="zh-CN" altLang="en-US" dirty="0" smtClean="0"/>
               <a:t>）</a:t>
             </a:r>
+            <a:endParaRPr kumimoji="1" lang="en-US" altLang="zh-CN" dirty="0" smtClean="0"/>
+          </a:p>
+          <a:p>
+            <a:pPr lvl="1"/>
+            <a:r>
+              <a:rPr kumimoji="1" lang="en-US" altLang="zh-CN" dirty="0" smtClean="0"/>
+              <a:t>OS</a:t>
+            </a:r>
+            <a:r>
+              <a:rPr kumimoji="1" lang="zh-CN" altLang="en-US" dirty="0" smtClean="0"/>
+              <a:t> </a:t>
+            </a:r>
+            <a:r>
+              <a:rPr kumimoji="1" lang="en-US" altLang="zh-CN" dirty="0" smtClean="0"/>
+              <a:t>X</a:t>
+            </a:r>
+            <a:r>
+              <a:rPr kumimoji="1" lang="zh-CN" altLang="en-US" dirty="0" smtClean="0"/>
+              <a:t> </a:t>
+            </a:r>
+            <a:r>
+              <a:rPr kumimoji="1" lang="en-US" altLang="zh-CN" dirty="0" smtClean="0"/>
+              <a:t>10.11</a:t>
+            </a:r>
+            <a:r>
+              <a:rPr kumimoji="1" lang="zh-CN" altLang="en-US" dirty="0" smtClean="0"/>
+              <a:t>以上</a:t>
+            </a:r>
+            <a:endParaRPr kumimoji="1" lang="en-US" altLang="zh-CN" dirty="0" smtClean="0"/>
+          </a:p>
+          <a:p>
+            <a:pPr lvl="1"/>
+            <a:r>
+              <a:rPr kumimoji="1" lang="zh-CN" altLang="en-US" dirty="0" smtClean="0"/>
+              <a:t>在</a:t>
+            </a:r>
+            <a:r>
+              <a:rPr kumimoji="1" lang="en-US" altLang="zh-CN" dirty="0" smtClean="0">
+                <a:hlinkClick r:id="rId3"/>
+              </a:rPr>
+              <a:t>HyperKit</a:t>
+            </a:r>
+            <a:r>
+              <a:rPr kumimoji="1" lang="zh-CN" altLang="en-US" dirty="0" smtClean="0"/>
+              <a:t>（依赖</a:t>
+            </a:r>
+            <a:r>
+              <a:rPr kumimoji="1" lang="en-US" altLang="zh-CN" dirty="0" smtClean="0"/>
+              <a:t>10.10+</a:t>
+            </a:r>
+            <a:r>
+              <a:rPr kumimoji="1" lang="zh-CN" altLang="en-US" dirty="0" smtClean="0"/>
+              <a:t>的</a:t>
+            </a:r>
+            <a:r>
+              <a:rPr kumimoji="1" lang="en-US" altLang="zh-CN" dirty="0" smtClean="0">
+                <a:hlinkClick r:id="rId4"/>
+              </a:rPr>
+              <a:t>Hypervisor</a:t>
+            </a:r>
+            <a:r>
+              <a:rPr kumimoji="1" lang="zh-CN" altLang="en-US" dirty="0" smtClean="0"/>
+              <a:t>）中运行了一个轻量级</a:t>
+            </a:r>
+            <a:r>
+              <a:rPr kumimoji="1" lang="en-US" altLang="zh-CN" dirty="0" smtClean="0"/>
+              <a:t>Linux</a:t>
+            </a:r>
+          </a:p>
+          <a:p>
+            <a:pPr lvl="1"/>
+            <a:r>
+              <a:rPr kumimoji="1" lang="zh-CN" altLang="en-US" dirty="0" smtClean="0"/>
+              <a:t>与</a:t>
+            </a:r>
+            <a:r>
+              <a:rPr kumimoji="1" lang="en-US" altLang="zh-CN" dirty="0" err="1" smtClean="0"/>
+              <a:t>VirtualBox</a:t>
+            </a:r>
+            <a:r>
+              <a:rPr kumimoji="1" lang="en-US" altLang="zh-CN" dirty="0" smtClean="0"/>
+              <a:t>&lt;=4.3.30</a:t>
+            </a:r>
+            <a:r>
+              <a:rPr kumimoji="1" lang="zh-CN" altLang="en-US" dirty="0" smtClean="0"/>
+              <a:t>冲突</a:t>
+            </a:r>
+            <a:endParaRPr kumimoji="1" lang="en-US" altLang="zh-CN" dirty="0" smtClean="0"/>
+          </a:p>
+          <a:p>
+            <a:r>
+              <a:rPr kumimoji="1" lang="zh-CN" altLang="en-US" dirty="0" smtClean="0"/>
+              <a:t>旧机型可以使用</a:t>
+            </a:r>
+            <a:r>
+              <a:rPr kumimoji="1" lang="en-US" altLang="zh-CN" dirty="0" smtClean="0">
+                <a:hlinkClick r:id="rId5"/>
+              </a:rPr>
+              <a:t>Docker</a:t>
+            </a:r>
+            <a:r>
+              <a:rPr kumimoji="1" lang="zh-CN" altLang="en-US" dirty="0" smtClean="0">
+                <a:hlinkClick r:id="rId5"/>
+              </a:rPr>
+              <a:t> </a:t>
+            </a:r>
+            <a:r>
+              <a:rPr kumimoji="1" lang="en-US" altLang="zh-CN" dirty="0" smtClean="0">
+                <a:hlinkClick r:id="rId5"/>
+              </a:rPr>
+              <a:t>Toolbox</a:t>
+            </a:r>
+            <a:endParaRPr kumimoji="1" lang="en-US" altLang="zh-CN" dirty="0" smtClean="0"/>
+          </a:p>
+          <a:p>
+            <a:pPr lvl="1"/>
+            <a:r>
+              <a:rPr kumimoji="1" lang="zh-CN" altLang="en-US" dirty="0" smtClean="0"/>
+              <a:t>在</a:t>
+            </a:r>
+            <a:r>
+              <a:rPr kumimoji="1" lang="en-US" altLang="zh-CN" dirty="0" err="1" smtClean="0"/>
+              <a:t>VirtualBox</a:t>
+            </a:r>
+            <a:r>
+              <a:rPr kumimoji="1" lang="zh-CN" altLang="en-US" dirty="0" smtClean="0"/>
+              <a:t>中运行</a:t>
+            </a:r>
+            <a:r>
+              <a:rPr kumimoji="1" lang="en-US" altLang="zh-CN" dirty="0" smtClean="0"/>
+              <a:t>Linux</a:t>
+            </a:r>
+          </a:p>
+          <a:p>
+            <a:pPr lvl="1"/>
+            <a:endParaRPr kumimoji="1" lang="en-US" altLang="zh-CN" dirty="0" smtClean="0"/>
+          </a:p>
+          <a:p>
             <a:endParaRPr kumimoji="1" lang="zh-CN" altLang="en-US" dirty="0"/>
           </a:p>
         </p:txBody>
@@ -4181,7 +4532,7 @@
     </p:spTree>
     <p:extLst>
       <p:ext uri="{BB962C8B-B14F-4D97-AF65-F5344CB8AC3E}">
-        <p14:creationId xmlns:p14="http://schemas.microsoft.com/office/powerpoint/2010/main" val="448356913"/>
+        <p14:creationId xmlns:p14="http://schemas.microsoft.com/office/powerpoint/2010/main" val="1471436989"/>
       </p:ext>
     </p:extLst>
   </p:cSld>
@@ -4231,6 +4582,675 @@
           <a:lstStyle/>
           <a:p>
             <a:r>
+              <a:rPr kumimoji="1" lang="en-US" altLang="zh-CN" dirty="0" smtClean="0"/>
+              <a:t>For Linux</a:t>
+            </a:r>
+            <a:endParaRPr kumimoji="1" lang="zh-CN" altLang="en-US" dirty="0"/>
+          </a:p>
+        </p:txBody>
+      </p:sp>
+      <p:sp>
+        <p:nvSpPr>
+          <p:cNvPr id="3" name="内容占位符 2"/>
+          <p:cNvSpPr>
+            <a:spLocks noGrp="1"/>
+          </p:cNvSpPr>
+          <p:nvPr>
+            <p:ph idx="1"/>
+          </p:nvPr>
+        </p:nvSpPr>
+        <p:spPr/>
+        <p:txBody>
+          <a:bodyPr/>
+          <a:lstStyle/>
+          <a:p>
+            <a:r>
+              <a:rPr kumimoji="1" lang="zh-CN" altLang="en-US" dirty="0" smtClean="0"/>
+              <a:t>跟着官方安装说明搞：</a:t>
+            </a:r>
+            <a:endParaRPr kumimoji="1" lang="en-US" altLang="zh-CN" dirty="0" smtClean="0"/>
+          </a:p>
+          <a:p>
+            <a:pPr lvl="1"/>
+            <a:r>
+              <a:rPr kumimoji="1" lang="en-US" altLang="zh-CN" dirty="0" smtClean="0">
+                <a:hlinkClick r:id="rId2"/>
+              </a:rPr>
+              <a:t>CentOS</a:t>
+            </a:r>
+            <a:endParaRPr kumimoji="1" lang="en-US" altLang="zh-CN" dirty="0" smtClean="0"/>
+          </a:p>
+          <a:p>
+            <a:pPr lvl="1"/>
+            <a:r>
+              <a:rPr kumimoji="1" lang="en-US" altLang="zh-CN" dirty="0" smtClean="0">
+                <a:hlinkClick r:id="rId3"/>
+              </a:rPr>
+              <a:t>Ubuntu</a:t>
+            </a:r>
+            <a:endParaRPr kumimoji="1" lang="en-US" altLang="zh-CN" dirty="0" smtClean="0"/>
+          </a:p>
+          <a:p>
+            <a:r>
+              <a:rPr kumimoji="1" lang="zh-CN" altLang="en-US" dirty="0" smtClean="0"/>
+              <a:t>使用安装脚本</a:t>
+            </a:r>
+            <a:endParaRPr kumimoji="1" lang="en-US" altLang="zh-CN" dirty="0" smtClean="0"/>
+          </a:p>
+          <a:p>
+            <a:pPr lvl="1"/>
+            <a:r>
+              <a:rPr lang="en-US" altLang="zh-CN" dirty="0"/>
+              <a:t>curl -</a:t>
+            </a:r>
+            <a:r>
+              <a:rPr lang="en-US" altLang="zh-CN" dirty="0" err="1"/>
+              <a:t>sSL</a:t>
+            </a:r>
+            <a:r>
+              <a:rPr lang="en-US" altLang="zh-CN" dirty="0"/>
+              <a:t> https://</a:t>
+            </a:r>
+            <a:r>
+              <a:rPr lang="en-US" altLang="zh-CN" dirty="0" err="1"/>
+              <a:t>get.docker.com</a:t>
+            </a:r>
+            <a:r>
+              <a:rPr lang="en-US" altLang="zh-CN" dirty="0"/>
+              <a:t>/ | </a:t>
+            </a:r>
+            <a:r>
+              <a:rPr lang="en-US" altLang="zh-CN" dirty="0" err="1"/>
+              <a:t>sh</a:t>
+            </a:r>
+            <a:r>
+              <a:rPr lang="en-US" altLang="zh-CN" dirty="0"/>
+              <a:t> </a:t>
+            </a:r>
+            <a:endParaRPr lang="en-US" altLang="zh-CN" dirty="0" smtClean="0"/>
+          </a:p>
+          <a:p>
+            <a:pPr lvl="1"/>
+            <a:r>
+              <a:rPr lang="en-US" altLang="zh-CN" dirty="0" smtClean="0"/>
+              <a:t>curl </a:t>
+            </a:r>
+            <a:r>
+              <a:rPr lang="en-US" altLang="zh-CN" dirty="0"/>
+              <a:t>-</a:t>
+            </a:r>
+            <a:r>
+              <a:rPr lang="en-US" altLang="zh-CN" dirty="0" err="1"/>
+              <a:t>sSL</a:t>
+            </a:r>
+            <a:r>
+              <a:rPr lang="en-US" altLang="zh-CN" dirty="0"/>
+              <a:t> https://</a:t>
+            </a:r>
+            <a:r>
+              <a:rPr lang="en-US" altLang="zh-CN" dirty="0" err="1"/>
+              <a:t>get.daocloud.io</a:t>
+            </a:r>
+            <a:r>
+              <a:rPr lang="en-US" altLang="zh-CN" dirty="0"/>
+              <a:t>/</a:t>
+            </a:r>
+            <a:r>
+              <a:rPr lang="en-US" altLang="zh-CN" dirty="0" err="1"/>
+              <a:t>docker</a:t>
+            </a:r>
+            <a:r>
+              <a:rPr lang="en-US" altLang="zh-CN" dirty="0"/>
+              <a:t> | </a:t>
+            </a:r>
+            <a:r>
+              <a:rPr lang="en-US" altLang="zh-CN" dirty="0" err="1" smtClean="0"/>
+              <a:t>sh</a:t>
+            </a:r>
+            <a:r>
+              <a:rPr lang="en-US" altLang="zh-CN" dirty="0"/>
+              <a:t/>
+            </a:r>
+            <a:br>
+              <a:rPr lang="en-US" altLang="zh-CN" dirty="0"/>
+            </a:br>
+            <a:endParaRPr kumimoji="1" lang="en-US" altLang="zh-CN" dirty="0" smtClean="0"/>
+          </a:p>
+          <a:p>
+            <a:pPr lvl="1"/>
+            <a:endParaRPr kumimoji="1" lang="en-US" altLang="zh-CN" dirty="0" smtClean="0"/>
+          </a:p>
+          <a:p>
+            <a:endParaRPr kumimoji="1" lang="zh-CN" altLang="en-US" dirty="0"/>
+          </a:p>
+        </p:txBody>
+      </p:sp>
+    </p:spTree>
+    <p:extLst>
+      <p:ext uri="{BB962C8B-B14F-4D97-AF65-F5344CB8AC3E}">
+        <p14:creationId xmlns:p14="http://schemas.microsoft.com/office/powerpoint/2010/main" val="593329890"/>
+      </p:ext>
+    </p:extLst>
+  </p:cSld>
+  <p:clrMapOvr>
+    <a:masterClrMapping/>
+  </p:clrMapOvr>
+  <p:timing>
+    <p:tnLst>
+      <p:par>
+        <p:cTn id="1" dur="indefinite" restart="never" nodeType="tmRoot"/>
+      </p:par>
+    </p:tnLst>
+  </p:timing>
+</p:sld>
+</file>
+
+<file path=ppt/slides/slide13.xml><?xml version="1.0" encoding="utf-8"?>
+<p:sld xmlns:a="http://schemas.openxmlformats.org/drawingml/2006/main" xmlns:r="http://schemas.openxmlformats.org/officeDocument/2006/relationships" xmlns:p="http://schemas.openxmlformats.org/presentationml/2006/main">
+  <p:cSld>
+    <p:spTree>
+      <p:nvGrpSpPr>
+        <p:cNvPr id="1" name=""/>
+        <p:cNvGrpSpPr/>
+        <p:nvPr/>
+      </p:nvGrpSpPr>
+      <p:grpSpPr>
+        <a:xfrm>
+          <a:off x="0" y="0"/>
+          <a:ext cx="0" cy="0"/>
+          <a:chOff x="0" y="0"/>
+          <a:chExt cx="0" cy="0"/>
+        </a:xfrm>
+      </p:grpSpPr>
+      <p:sp>
+        <p:nvSpPr>
+          <p:cNvPr id="2" name="标题 1"/>
+          <p:cNvSpPr>
+            <a:spLocks noGrp="1"/>
+          </p:cNvSpPr>
+          <p:nvPr>
+            <p:ph type="title"/>
+          </p:nvPr>
+        </p:nvSpPr>
+        <p:spPr/>
+        <p:txBody>
+          <a:bodyPr/>
+          <a:lstStyle/>
+          <a:p>
+            <a:r>
+              <a:rPr kumimoji="1" lang="zh-CN" altLang="en-US" dirty="0" smtClean="0"/>
+              <a:t>设置</a:t>
+            </a:r>
+            <a:r>
+              <a:rPr kumimoji="1" lang="en-US" altLang="zh-CN" dirty="0" smtClean="0"/>
+              <a:t>Docker</a:t>
+            </a:r>
+            <a:r>
+              <a:rPr kumimoji="1" lang="zh-CN" altLang="en-US" dirty="0" smtClean="0"/>
+              <a:t> </a:t>
+            </a:r>
+            <a:r>
+              <a:rPr kumimoji="1" lang="en-US" altLang="zh-CN" dirty="0" smtClean="0"/>
+              <a:t>Hub</a:t>
+            </a:r>
+            <a:r>
+              <a:rPr kumimoji="1" lang="zh-CN" altLang="en-US" dirty="0" smtClean="0"/>
+              <a:t>镜像</a:t>
+            </a:r>
+            <a:endParaRPr kumimoji="1" lang="zh-CN" altLang="en-US" dirty="0"/>
+          </a:p>
+        </p:txBody>
+      </p:sp>
+      <p:sp>
+        <p:nvSpPr>
+          <p:cNvPr id="3" name="内容占位符 2"/>
+          <p:cNvSpPr>
+            <a:spLocks noGrp="1"/>
+          </p:cNvSpPr>
+          <p:nvPr>
+            <p:ph idx="1"/>
+          </p:nvPr>
+        </p:nvSpPr>
+        <p:spPr/>
+        <p:txBody>
+          <a:bodyPr/>
+          <a:lstStyle/>
+          <a:p>
+            <a:endParaRPr kumimoji="1" lang="zh-CN" altLang="en-US"/>
+          </a:p>
+        </p:txBody>
+      </p:sp>
+    </p:spTree>
+    <p:extLst>
+      <p:ext uri="{BB962C8B-B14F-4D97-AF65-F5344CB8AC3E}">
+        <p14:creationId xmlns:p14="http://schemas.microsoft.com/office/powerpoint/2010/main" val="1165919470"/>
+      </p:ext>
+    </p:extLst>
+  </p:cSld>
+  <p:clrMapOvr>
+    <a:masterClrMapping/>
+  </p:clrMapOvr>
+  <p:timing>
+    <p:tnLst>
+      <p:par>
+        <p:cTn id="1" dur="indefinite" restart="never" nodeType="tmRoot"/>
+      </p:par>
+    </p:tnLst>
+  </p:timing>
+</p:sld>
+</file>
+
+<file path=ppt/slides/slide14.xml><?xml version="1.0" encoding="utf-8"?>
+<p:sld xmlns:a="http://schemas.openxmlformats.org/drawingml/2006/main" xmlns:r="http://schemas.openxmlformats.org/officeDocument/2006/relationships" xmlns:p="http://schemas.openxmlformats.org/presentationml/2006/main">
+  <p:cSld>
+    <p:spTree>
+      <p:nvGrpSpPr>
+        <p:cNvPr id="1" name=""/>
+        <p:cNvGrpSpPr/>
+        <p:nvPr/>
+      </p:nvGrpSpPr>
+      <p:grpSpPr>
+        <a:xfrm>
+          <a:off x="0" y="0"/>
+          <a:ext cx="0" cy="0"/>
+          <a:chOff x="0" y="0"/>
+          <a:chExt cx="0" cy="0"/>
+        </a:xfrm>
+      </p:grpSpPr>
+      <p:sp>
+        <p:nvSpPr>
+          <p:cNvPr id="2" name="标题 1"/>
+          <p:cNvSpPr>
+            <a:spLocks noGrp="1"/>
+          </p:cNvSpPr>
+          <p:nvPr>
+            <p:ph type="title"/>
+          </p:nvPr>
+        </p:nvSpPr>
+        <p:spPr/>
+        <p:txBody>
+          <a:bodyPr/>
+          <a:lstStyle/>
+          <a:p>
+            <a:r>
+              <a:rPr kumimoji="1" lang="en-US" altLang="zh-CN" dirty="0" smtClean="0"/>
+              <a:t>All</a:t>
+            </a:r>
+            <a:r>
+              <a:rPr kumimoji="1" lang="zh-CN" altLang="en-US" dirty="0" smtClean="0"/>
+              <a:t> </a:t>
+            </a:r>
+            <a:r>
+              <a:rPr kumimoji="1" lang="en-US" altLang="zh-CN" dirty="0" smtClean="0"/>
+              <a:t>in</a:t>
+            </a:r>
+            <a:r>
+              <a:rPr kumimoji="1" lang="zh-CN" altLang="en-US" dirty="0" smtClean="0"/>
+              <a:t> </a:t>
+            </a:r>
+            <a:r>
+              <a:rPr kumimoji="1" lang="en-US" altLang="zh-CN" dirty="0" smtClean="0"/>
+              <a:t>One</a:t>
+            </a:r>
+            <a:r>
+              <a:rPr kumimoji="1" lang="zh-CN" altLang="en-US" dirty="0" smtClean="0"/>
+              <a:t> 脚本</a:t>
+            </a:r>
+            <a:endParaRPr kumimoji="1" lang="zh-CN" altLang="en-US" dirty="0"/>
+          </a:p>
+        </p:txBody>
+      </p:sp>
+      <p:sp>
+        <p:nvSpPr>
+          <p:cNvPr id="3" name="内容占位符 2"/>
+          <p:cNvSpPr>
+            <a:spLocks noGrp="1"/>
+          </p:cNvSpPr>
+          <p:nvPr>
+            <p:ph idx="1"/>
+          </p:nvPr>
+        </p:nvSpPr>
+        <p:spPr/>
+        <p:txBody>
+          <a:bodyPr/>
+          <a:lstStyle/>
+          <a:p>
+            <a:endParaRPr kumimoji="1" lang="zh-CN" altLang="en-US" dirty="0"/>
+          </a:p>
+        </p:txBody>
+      </p:sp>
+    </p:spTree>
+    <p:extLst>
+      <p:ext uri="{BB962C8B-B14F-4D97-AF65-F5344CB8AC3E}">
+        <p14:creationId xmlns:p14="http://schemas.microsoft.com/office/powerpoint/2010/main" val="1967737062"/>
+      </p:ext>
+    </p:extLst>
+  </p:cSld>
+  <p:clrMapOvr>
+    <a:masterClrMapping/>
+  </p:clrMapOvr>
+  <p:timing>
+    <p:tnLst>
+      <p:par>
+        <p:cTn id="1" dur="indefinite" restart="never" nodeType="tmRoot"/>
+      </p:par>
+    </p:tnLst>
+  </p:timing>
+</p:sld>
+</file>
+
+<file path=ppt/slides/slide15.xml><?xml version="1.0" encoding="utf-8"?>
+<p:sld xmlns:a="http://schemas.openxmlformats.org/drawingml/2006/main" xmlns:r="http://schemas.openxmlformats.org/officeDocument/2006/relationships" xmlns:p="http://schemas.openxmlformats.org/presentationml/2006/main">
+  <p:cSld>
+    <p:spTree>
+      <p:nvGrpSpPr>
+        <p:cNvPr id="1" name=""/>
+        <p:cNvGrpSpPr/>
+        <p:nvPr/>
+      </p:nvGrpSpPr>
+      <p:grpSpPr>
+        <a:xfrm>
+          <a:off x="0" y="0"/>
+          <a:ext cx="0" cy="0"/>
+          <a:chOff x="0" y="0"/>
+          <a:chExt cx="0" cy="0"/>
+        </a:xfrm>
+      </p:grpSpPr>
+      <p:sp>
+        <p:nvSpPr>
+          <p:cNvPr id="2" name="标题 1"/>
+          <p:cNvSpPr>
+            <a:spLocks noGrp="1"/>
+          </p:cNvSpPr>
+          <p:nvPr>
+            <p:ph type="title"/>
+          </p:nvPr>
+        </p:nvSpPr>
+        <p:spPr/>
+        <p:txBody>
+          <a:bodyPr/>
+          <a:lstStyle/>
+          <a:p>
+            <a:r>
+              <a:rPr kumimoji="1" lang="zh-CN" altLang="en-US" dirty="0" smtClean="0"/>
+              <a:t>过去 </a:t>
+            </a:r>
+            <a:r>
+              <a:rPr kumimoji="1" lang="en-US" altLang="zh-CN" dirty="0" smtClean="0"/>
+              <a:t>vs</a:t>
+            </a:r>
+            <a:r>
+              <a:rPr kumimoji="1" lang="zh-CN" altLang="en-US" dirty="0" smtClean="0"/>
+              <a:t> 未来</a:t>
+            </a:r>
+            <a:endParaRPr kumimoji="1" lang="zh-CN" altLang="en-US" dirty="0"/>
+          </a:p>
+        </p:txBody>
+      </p:sp>
+      <p:sp>
+        <p:nvSpPr>
+          <p:cNvPr id="3" name="文本占位符 2"/>
+          <p:cNvSpPr>
+            <a:spLocks noGrp="1"/>
+          </p:cNvSpPr>
+          <p:nvPr>
+            <p:ph type="body" idx="1"/>
+          </p:nvPr>
+        </p:nvSpPr>
+        <p:spPr/>
+        <p:txBody>
+          <a:bodyPr/>
+          <a:lstStyle/>
+          <a:p>
+            <a:endParaRPr kumimoji="1" lang="zh-CN" altLang="en-US"/>
+          </a:p>
+        </p:txBody>
+      </p:sp>
+    </p:spTree>
+    <p:extLst>
+      <p:ext uri="{BB962C8B-B14F-4D97-AF65-F5344CB8AC3E}">
+        <p14:creationId xmlns:p14="http://schemas.microsoft.com/office/powerpoint/2010/main" val="834681882"/>
+      </p:ext>
+    </p:extLst>
+  </p:cSld>
+  <p:clrMapOvr>
+    <a:masterClrMapping/>
+  </p:clrMapOvr>
+  <p:timing>
+    <p:tnLst>
+      <p:par>
+        <p:cTn id="1" dur="indefinite" restart="never" nodeType="tmRoot"/>
+      </p:par>
+    </p:tnLst>
+  </p:timing>
+</p:sld>
+</file>
+
+<file path=ppt/slides/slide16.xml><?xml version="1.0" encoding="utf-8"?>
+<p:sld xmlns:a="http://schemas.openxmlformats.org/drawingml/2006/main" xmlns:r="http://schemas.openxmlformats.org/officeDocument/2006/relationships" xmlns:p="http://schemas.openxmlformats.org/presentationml/2006/main">
+  <p:cSld>
+    <p:spTree>
+      <p:nvGrpSpPr>
+        <p:cNvPr id="1" name=""/>
+        <p:cNvGrpSpPr/>
+        <p:nvPr/>
+      </p:nvGrpSpPr>
+      <p:grpSpPr>
+        <a:xfrm>
+          <a:off x="0" y="0"/>
+          <a:ext cx="0" cy="0"/>
+          <a:chOff x="0" y="0"/>
+          <a:chExt cx="0" cy="0"/>
+        </a:xfrm>
+      </p:grpSpPr>
+      <p:sp>
+        <p:nvSpPr>
+          <p:cNvPr id="2" name="标题 1"/>
+          <p:cNvSpPr>
+            <a:spLocks noGrp="1"/>
+          </p:cNvSpPr>
+          <p:nvPr>
+            <p:ph type="title"/>
+          </p:nvPr>
+        </p:nvSpPr>
+        <p:spPr/>
+        <p:txBody>
+          <a:bodyPr/>
+          <a:lstStyle/>
+          <a:p>
+            <a:r>
+              <a:rPr kumimoji="1" lang="en-US" altLang="zh-CN" dirty="0" smtClean="0"/>
+              <a:t>Storage Driver</a:t>
+            </a:r>
+            <a:endParaRPr kumimoji="1" lang="zh-CN" altLang="en-US" dirty="0"/>
+          </a:p>
+        </p:txBody>
+      </p:sp>
+      <p:sp>
+        <p:nvSpPr>
+          <p:cNvPr id="3" name="内容占位符 2"/>
+          <p:cNvSpPr>
+            <a:spLocks noGrp="1"/>
+          </p:cNvSpPr>
+          <p:nvPr>
+            <p:ph idx="1"/>
+          </p:nvPr>
+        </p:nvSpPr>
+        <p:spPr/>
+        <p:txBody>
+          <a:bodyPr/>
+          <a:lstStyle/>
+          <a:p>
+            <a:endParaRPr kumimoji="1" lang="zh-CN" altLang="en-US"/>
+          </a:p>
+        </p:txBody>
+      </p:sp>
+    </p:spTree>
+    <p:extLst>
+      <p:ext uri="{BB962C8B-B14F-4D97-AF65-F5344CB8AC3E}">
+        <p14:creationId xmlns:p14="http://schemas.microsoft.com/office/powerpoint/2010/main" val="641855112"/>
+      </p:ext>
+    </p:extLst>
+  </p:cSld>
+  <p:clrMapOvr>
+    <a:masterClrMapping/>
+  </p:clrMapOvr>
+  <p:timing>
+    <p:tnLst>
+      <p:par>
+        <p:cTn id="1" dur="indefinite" restart="never" nodeType="tmRoot"/>
+      </p:par>
+    </p:tnLst>
+  </p:timing>
+</p:sld>
+</file>
+
+<file path=ppt/slides/slide17.xml><?xml version="1.0" encoding="utf-8"?>
+<p:sld xmlns:a="http://schemas.openxmlformats.org/drawingml/2006/main" xmlns:r="http://schemas.openxmlformats.org/officeDocument/2006/relationships" xmlns:p="http://schemas.openxmlformats.org/presentationml/2006/main">
+  <p:cSld>
+    <p:spTree>
+      <p:nvGrpSpPr>
+        <p:cNvPr id="1" name=""/>
+        <p:cNvGrpSpPr/>
+        <p:nvPr/>
+      </p:nvGrpSpPr>
+      <p:grpSpPr>
+        <a:xfrm>
+          <a:off x="0" y="0"/>
+          <a:ext cx="0" cy="0"/>
+          <a:chOff x="0" y="0"/>
+          <a:chExt cx="0" cy="0"/>
+        </a:xfrm>
+      </p:grpSpPr>
+      <p:sp>
+        <p:nvSpPr>
+          <p:cNvPr id="2" name="标题 1"/>
+          <p:cNvSpPr>
+            <a:spLocks noGrp="1"/>
+          </p:cNvSpPr>
+          <p:nvPr>
+            <p:ph type="title"/>
+          </p:nvPr>
+        </p:nvSpPr>
+        <p:spPr/>
+        <p:txBody>
+          <a:bodyPr/>
+          <a:lstStyle/>
+          <a:p>
+            <a:r>
+              <a:rPr kumimoji="1" lang="en-US" altLang="zh-CN" dirty="0" smtClean="0"/>
+              <a:t>Docker CE</a:t>
+            </a:r>
+            <a:endParaRPr kumimoji="1" lang="zh-CN" altLang="en-US" dirty="0"/>
+          </a:p>
+        </p:txBody>
+      </p:sp>
+      <p:sp>
+        <p:nvSpPr>
+          <p:cNvPr id="3" name="内容占位符 2"/>
+          <p:cNvSpPr>
+            <a:spLocks noGrp="1"/>
+          </p:cNvSpPr>
+          <p:nvPr>
+            <p:ph idx="1"/>
+          </p:nvPr>
+        </p:nvSpPr>
+        <p:spPr/>
+        <p:txBody>
+          <a:bodyPr/>
+          <a:lstStyle/>
+          <a:p>
+            <a:r>
+              <a:rPr kumimoji="1" lang="en-US" altLang="zh-CN" dirty="0" smtClean="0"/>
+              <a:t>2017</a:t>
+            </a:r>
+            <a:r>
+              <a:rPr kumimoji="1" lang="zh-CN" altLang="en-US" dirty="0" smtClean="0"/>
+              <a:t>年</a:t>
+            </a:r>
+            <a:r>
+              <a:rPr kumimoji="1" lang="en-US" altLang="zh-CN" dirty="0" smtClean="0"/>
+              <a:t>2</a:t>
+            </a:r>
+            <a:r>
+              <a:rPr kumimoji="1" lang="zh-CN" altLang="en-US" dirty="0" smtClean="0"/>
+              <a:t>月，</a:t>
+            </a:r>
+            <a:r>
+              <a:rPr kumimoji="1" lang="en-US" altLang="zh-CN" dirty="0" smtClean="0"/>
+              <a:t>Docker</a:t>
+            </a:r>
+            <a:r>
+              <a:rPr kumimoji="1" lang="zh-CN" altLang="en-US" dirty="0" smtClean="0"/>
+              <a:t>发布了企业版（</a:t>
+            </a:r>
+            <a:r>
+              <a:rPr kumimoji="1" lang="en-US" altLang="zh-CN" dirty="0" smtClean="0">
+                <a:hlinkClick r:id="rId2"/>
+              </a:rPr>
+              <a:t>ANNOUNCING DOCKER ENTERPRISE EDITION</a:t>
+            </a:r>
+            <a:r>
+              <a:rPr kumimoji="1" lang="zh-CN" altLang="en-US" dirty="0" smtClean="0"/>
+              <a:t>）</a:t>
+            </a:r>
+            <a:endParaRPr kumimoji="1" lang="zh-CN" altLang="en-US" dirty="0"/>
+          </a:p>
+        </p:txBody>
+      </p:sp>
+    </p:spTree>
+    <p:extLst>
+      <p:ext uri="{BB962C8B-B14F-4D97-AF65-F5344CB8AC3E}">
+        <p14:creationId xmlns:p14="http://schemas.microsoft.com/office/powerpoint/2010/main" val="448356913"/>
+      </p:ext>
+    </p:extLst>
+  </p:cSld>
+  <p:clrMapOvr>
+    <a:masterClrMapping/>
+  </p:clrMapOvr>
+  <p:timing>
+    <p:tnLst>
+      <p:par>
+        <p:cTn id="1" dur="indefinite" restart="never" nodeType="tmRoot"/>
+      </p:par>
+    </p:tnLst>
+  </p:timing>
+</p:sld>
+</file>
+
+<file path=ppt/slides/slide18.xml><?xml version="1.0" encoding="utf-8"?>
+<p:sld xmlns:a="http://schemas.openxmlformats.org/drawingml/2006/main" xmlns:r="http://schemas.openxmlformats.org/officeDocument/2006/relationships" xmlns:p="http://schemas.openxmlformats.org/presentationml/2006/main">
+  <p:cSld>
+    <p:spTree>
+      <p:nvGrpSpPr>
+        <p:cNvPr id="1" name=""/>
+        <p:cNvGrpSpPr/>
+        <p:nvPr/>
+      </p:nvGrpSpPr>
+      <p:grpSpPr>
+        <a:xfrm>
+          <a:off x="0" y="0"/>
+          <a:ext cx="0" cy="0"/>
+          <a:chOff x="0" y="0"/>
+          <a:chExt cx="0" cy="0"/>
+        </a:xfrm>
+      </p:grpSpPr>
+      <p:sp>
+        <p:nvSpPr>
+          <p:cNvPr id="2" name="标题 1"/>
+          <p:cNvSpPr>
+            <a:spLocks noGrp="1"/>
+          </p:cNvSpPr>
+          <p:nvPr>
+            <p:ph type="title"/>
+          </p:nvPr>
+        </p:nvSpPr>
+        <p:spPr/>
+        <p:txBody>
+          <a:bodyPr/>
+          <a:lstStyle/>
+          <a:p>
+            <a:r>
               <a:rPr kumimoji="1" lang="zh-CN" altLang="en-US" dirty="0" smtClean="0"/>
               <a:t>在生产环境使用</a:t>
             </a:r>
@@ -4281,7 +5301,7 @@
 </p:sld>
 </file>
 
-<file path=ppt/slides/slide13.xml><?xml version="1.0" encoding="utf-8"?>
+<file path=ppt/slides/slide19.xml><?xml version="1.0" encoding="utf-8"?>
 <p:sld xmlns:a="http://schemas.openxmlformats.org/drawingml/2006/main" xmlns:r="http://schemas.openxmlformats.org/officeDocument/2006/relationships" xmlns:p="http://schemas.openxmlformats.org/presentationml/2006/main">
   <p:cSld>
     <p:spTree>
@@ -4877,13 +5897,54 @@
       </p:sp>
       <p:sp>
         <p:nvSpPr>
-          <p:cNvPr id="9" name="矩形 8"/>
+          <p:cNvPr id="15" name="矩形 14"/>
           <p:cNvSpPr/>
           <p:nvPr/>
         </p:nvSpPr>
         <p:spPr>
           <a:xfrm>
-            <a:off x="6153663" y="3425812"/>
+            <a:off x="838200" y="2594450"/>
+            <a:ext cx="3499022" cy="3015520"/>
+          </a:xfrm>
+          <a:prstGeom prst="rect">
+            <a:avLst/>
+          </a:prstGeom>
+        </p:spPr>
+        <p:style>
+          <a:lnRef idx="1">
+            <a:schemeClr val="accent5"/>
+          </a:lnRef>
+          <a:fillRef idx="2">
+            <a:schemeClr val="accent5"/>
+          </a:fillRef>
+          <a:effectRef idx="1">
+            <a:schemeClr val="accent5"/>
+          </a:effectRef>
+          <a:fontRef idx="minor">
+            <a:schemeClr val="dk1"/>
+          </a:fontRef>
+        </p:style>
+        <p:txBody>
+          <a:bodyPr rtlCol="0" anchor="t"/>
+          <a:lstStyle/>
+          <a:p>
+            <a:r>
+              <a:rPr kumimoji="1" lang="en-US" altLang="zh-CN" dirty="0" smtClean="0"/>
+              <a:t>Namespace</a:t>
+            </a:r>
+            <a:endParaRPr kumimoji="1" lang="zh-CN" altLang="en-US" dirty="0"/>
+          </a:p>
+        </p:txBody>
+      </p:sp>
+      <p:sp>
+        <p:nvSpPr>
+          <p:cNvPr id="16" name="矩形 15"/>
+          <p:cNvSpPr/>
+          <p:nvPr/>
+        </p:nvSpPr>
+        <p:spPr>
+          <a:xfrm>
+            <a:off x="838199" y="3412372"/>
             <a:ext cx="1025610" cy="1496349"/>
           </a:xfrm>
           <a:prstGeom prst="rect">
@@ -4918,13 +5979,13 @@
       </p:sp>
       <p:sp>
         <p:nvSpPr>
-          <p:cNvPr id="11" name="矩形 10"/>
+          <p:cNvPr id="17" name="矩形 16"/>
           <p:cNvSpPr/>
           <p:nvPr/>
         </p:nvSpPr>
         <p:spPr>
           <a:xfrm>
-            <a:off x="7179271" y="3425811"/>
+            <a:off x="1863808" y="3412372"/>
             <a:ext cx="1025610" cy="1496349"/>
           </a:xfrm>
           <a:prstGeom prst="rect">
@@ -4959,13 +6020,13 @@
       </p:sp>
       <p:sp>
         <p:nvSpPr>
-          <p:cNvPr id="12" name="矩形 11"/>
+          <p:cNvPr id="19" name="矩形 18"/>
           <p:cNvSpPr/>
           <p:nvPr/>
         </p:nvSpPr>
         <p:spPr>
           <a:xfrm>
-            <a:off x="5128053" y="3417983"/>
+            <a:off x="5128053" y="3412372"/>
             <a:ext cx="1025610" cy="1496349"/>
           </a:xfrm>
           <a:prstGeom prst="rect">
@@ -4992,7 +6053,7 @@
           <a:p>
             <a:r>
               <a:rPr kumimoji="1" lang="en-US" altLang="zh-CN" dirty="0" smtClean="0"/>
-              <a:t>Services</a:t>
+              <a:t>Libs</a:t>
             </a:r>
             <a:endParaRPr kumimoji="1" lang="zh-CN" altLang="en-US" dirty="0"/>
           </a:p>
@@ -5000,54 +6061,13 @@
       </p:sp>
       <p:sp>
         <p:nvSpPr>
-          <p:cNvPr id="15" name="矩形 14"/>
+          <p:cNvPr id="20" name="矩形 19"/>
           <p:cNvSpPr/>
           <p:nvPr/>
         </p:nvSpPr>
         <p:spPr>
           <a:xfrm>
-            <a:off x="838200" y="2594450"/>
-            <a:ext cx="3499022" cy="3015520"/>
-          </a:xfrm>
-          <a:prstGeom prst="rect">
-            <a:avLst/>
-          </a:prstGeom>
-        </p:spPr>
-        <p:style>
-          <a:lnRef idx="1">
-            <a:schemeClr val="accent5"/>
-          </a:lnRef>
-          <a:fillRef idx="2">
-            <a:schemeClr val="accent5"/>
-          </a:fillRef>
-          <a:effectRef idx="1">
-            <a:schemeClr val="accent5"/>
-          </a:effectRef>
-          <a:fontRef idx="minor">
-            <a:schemeClr val="dk1"/>
-          </a:fontRef>
-        </p:style>
-        <p:txBody>
-          <a:bodyPr rtlCol="0" anchor="t"/>
-          <a:lstStyle/>
-          <a:p>
-            <a:r>
-              <a:rPr kumimoji="1" lang="en-US" altLang="zh-CN" dirty="0" smtClean="0"/>
-              <a:t>Namespace</a:t>
-            </a:r>
-            <a:endParaRPr kumimoji="1" lang="zh-CN" altLang="en-US" dirty="0"/>
-          </a:p>
-        </p:txBody>
-      </p:sp>
-      <p:sp>
-        <p:nvSpPr>
-          <p:cNvPr id="16" name="矩形 15"/>
-          <p:cNvSpPr/>
-          <p:nvPr/>
-        </p:nvSpPr>
-        <p:spPr>
-          <a:xfrm>
-            <a:off x="1863805" y="3413731"/>
+            <a:off x="6153663" y="3412372"/>
             <a:ext cx="1025610" cy="1496349"/>
           </a:xfrm>
           <a:prstGeom prst="rect">
@@ -5074,89 +6094,7 @@
           <a:p>
             <a:r>
               <a:rPr kumimoji="1" lang="en-US" altLang="zh-CN" dirty="0" smtClean="0"/>
-              <a:t>Libs</a:t>
-            </a:r>
-            <a:endParaRPr kumimoji="1" lang="zh-CN" altLang="en-US" dirty="0"/>
-          </a:p>
-        </p:txBody>
-      </p:sp>
-      <p:sp>
-        <p:nvSpPr>
-          <p:cNvPr id="17" name="矩形 16"/>
-          <p:cNvSpPr/>
-          <p:nvPr/>
-        </p:nvSpPr>
-        <p:spPr>
-          <a:xfrm>
-            <a:off x="2889412" y="3410154"/>
-            <a:ext cx="1025610" cy="1496349"/>
-          </a:xfrm>
-          <a:prstGeom prst="rect">
-            <a:avLst/>
-          </a:prstGeom>
-        </p:spPr>
-        <p:style>
-          <a:lnRef idx="2">
-            <a:schemeClr val="accent6"/>
-          </a:lnRef>
-          <a:fillRef idx="1">
-            <a:schemeClr val="lt1"/>
-          </a:fillRef>
-          <a:effectRef idx="0">
-            <a:schemeClr val="accent6"/>
-          </a:effectRef>
-          <a:fontRef idx="minor">
-            <a:schemeClr val="dk1"/>
-          </a:fontRef>
-        </p:style>
-        <p:txBody>
-          <a:bodyPr rtlCol="0" anchor="t"/>
-          <a:lstStyle/>
-          <a:p>
-            <a:r>
-              <a:rPr kumimoji="1" lang="en-US" altLang="zh-CN" dirty="0" smtClean="0"/>
               <a:t>Apps</a:t>
-            </a:r>
-            <a:endParaRPr kumimoji="1" lang="zh-CN" altLang="en-US" dirty="0"/>
-          </a:p>
-        </p:txBody>
-      </p:sp>
-      <p:sp>
-        <p:nvSpPr>
-          <p:cNvPr id="18" name="矩形 17"/>
-          <p:cNvSpPr/>
-          <p:nvPr/>
-        </p:nvSpPr>
-        <p:spPr>
-          <a:xfrm>
-            <a:off x="838197" y="3410154"/>
-            <a:ext cx="1025610" cy="1496349"/>
-          </a:xfrm>
-          <a:prstGeom prst="rect">
-            <a:avLst/>
-          </a:prstGeom>
-        </p:spPr>
-        <p:style>
-          <a:lnRef idx="2">
-            <a:schemeClr val="accent6"/>
-          </a:lnRef>
-          <a:fillRef idx="1">
-            <a:schemeClr val="lt1"/>
-          </a:fillRef>
-          <a:effectRef idx="0">
-            <a:schemeClr val="accent6"/>
-          </a:effectRef>
-          <a:fontRef idx="minor">
-            <a:schemeClr val="dk1"/>
-          </a:fontRef>
-        </p:style>
-        <p:txBody>
-          <a:bodyPr rtlCol="0" anchor="t"/>
-          <a:lstStyle/>
-          <a:p>
-            <a:r>
-              <a:rPr kumimoji="1" lang="en-US" altLang="zh-CN" dirty="0" smtClean="0"/>
-              <a:t>Services</a:t>
             </a:r>
             <a:endParaRPr kumimoji="1" lang="zh-CN" altLang="en-US" dirty="0"/>
           </a:p>
@@ -5388,7 +6326,7 @@
           </p:cNvPicPr>
           <p:nvPr/>
         </p:nvPicPr>
-        <p:blipFill>
+        <p:blipFill rotWithShape="1">
           <a:blip r:embed="rId3">
             <a:extLst>
               <a:ext uri="{28A0092B-C50C-407E-A947-70E740481C1C}">
@@ -5396,14 +6334,13 @@
               </a:ext>
             </a:extLst>
           </a:blip>
-          <a:stretch>
-            <a:fillRect/>
-          </a:stretch>
+          <a:srcRect b="6372"/>
+          <a:stretch/>
         </p:blipFill>
         <p:spPr>
           <a:xfrm>
             <a:off x="838200" y="1690688"/>
-            <a:ext cx="3784600" cy="3644900"/>
+            <a:ext cx="3784600" cy="3412653"/>
           </a:xfrm>
           <a:prstGeom prst="rect">
             <a:avLst/>
@@ -5522,7 +6459,7 @@
         </p:blipFill>
         <p:spPr>
           <a:xfrm>
-            <a:off x="787400" y="1690688"/>
+            <a:off x="830056" y="1690688"/>
             <a:ext cx="4724400" cy="2832100"/>
           </a:xfrm>
           <a:prstGeom prst="rect">
@@ -5598,7 +6535,7 @@
           </p:cNvPicPr>
           <p:nvPr/>
         </p:nvPicPr>
-        <p:blipFill>
+        <p:blipFill rotWithShape="1">
           <a:blip r:embed="rId6">
             <a:extLst>
               <a:ext uri="{28A0092B-C50C-407E-A947-70E740481C1C}">
@@ -5606,14 +6543,13 @@
               </a:ext>
             </a:extLst>
           </a:blip>
-          <a:stretch>
-            <a:fillRect/>
-          </a:stretch>
+          <a:srcRect l="1157" b="10875"/>
+          <a:stretch/>
         </p:blipFill>
         <p:spPr>
           <a:xfrm>
-            <a:off x="749871" y="1690688"/>
-            <a:ext cx="4686300" cy="2997200"/>
+            <a:off x="838200" y="1690688"/>
+            <a:ext cx="4632068" cy="2671248"/>
           </a:xfrm>
           <a:prstGeom prst="rect">
             <a:avLst/>
@@ -6256,16 +7192,20 @@
           <a:lstStyle/>
           <a:p>
             <a:r>
+              <a:rPr kumimoji="1" lang="en-US" altLang="zh-CN" dirty="0" smtClean="0"/>
+              <a:t>Docker </a:t>
+            </a:r>
+            <a:r>
               <a:rPr kumimoji="1" lang="zh-CN" altLang="en-US" dirty="0" smtClean="0"/>
-              <a:t>过去 </a:t>
+              <a:t>只能运行在</a:t>
             </a:r>
             <a:r>
               <a:rPr kumimoji="1" lang="en-US" altLang="zh-CN" dirty="0" smtClean="0"/>
-              <a:t>vs</a:t>
+              <a:t>Linux</a:t>
             </a:r>
             <a:r>
               <a:rPr kumimoji="1" lang="zh-CN" altLang="en-US" dirty="0" smtClean="0"/>
-              <a:t> 未来</a:t>
+              <a:t>中</a:t>
             </a:r>
             <a:endParaRPr kumimoji="1" lang="zh-CN" altLang="en-US" dirty="0"/>
           </a:p>
@@ -6273,12 +7213,12 @@
       </p:sp>
       <p:sp>
         <p:nvSpPr>
-          <p:cNvPr id="3" name="文本占位符 2"/>
-          <p:cNvSpPr>
-            <a:spLocks noGrp="1"/>
-          </p:cNvSpPr>
-          <p:nvPr>
-            <p:ph type="body" idx="1"/>
+          <p:cNvPr id="3" name="内容占位符 2"/>
+          <p:cNvSpPr>
+            <a:spLocks noGrp="1"/>
+          </p:cNvSpPr>
+          <p:nvPr>
+            <p:ph idx="1"/>
           </p:nvPr>
         </p:nvSpPr>
         <p:spPr/>
@@ -6286,14 +7226,56 @@
           <a:bodyPr/>
           <a:lstStyle/>
           <a:p>
-            <a:endParaRPr kumimoji="1" lang="zh-CN" altLang="en-US"/>
+            <a:r>
+              <a:rPr kumimoji="1" lang="zh-CN" altLang="en-US" dirty="0" smtClean="0"/>
+              <a:t>使用虚拟机</a:t>
+            </a:r>
+            <a:endParaRPr kumimoji="1" lang="en-US" altLang="zh-CN" dirty="0" smtClean="0"/>
+          </a:p>
+          <a:p>
+            <a:pPr lvl="1"/>
+            <a:r>
+              <a:rPr kumimoji="1" lang="zh-CN" altLang="en-US" dirty="0" smtClean="0"/>
+              <a:t>在非</a:t>
+            </a:r>
+            <a:r>
+              <a:rPr kumimoji="1" lang="en-US" altLang="zh-CN" dirty="0" smtClean="0"/>
+              <a:t>Linux</a:t>
+            </a:r>
+            <a:r>
+              <a:rPr kumimoji="1" lang="zh-CN" altLang="en-US" dirty="0" smtClean="0"/>
+              <a:t>平台上，使用虚拟机安装</a:t>
+            </a:r>
+            <a:r>
+              <a:rPr kumimoji="1" lang="en-US" altLang="zh-CN" dirty="0" smtClean="0"/>
+              <a:t>Docker</a:t>
+            </a:r>
+          </a:p>
+          <a:p>
+            <a:r>
+              <a:rPr kumimoji="1" lang="zh-CN" altLang="en-US" dirty="0" smtClean="0"/>
+              <a:t>使用较新的内核</a:t>
+            </a:r>
+            <a:endParaRPr kumimoji="1" lang="en-US" altLang="zh-CN" dirty="0" smtClean="0"/>
+          </a:p>
+          <a:p>
+            <a:pPr lvl="1"/>
+            <a:r>
+              <a:rPr kumimoji="1" lang="en-US" altLang="zh-CN" dirty="0" smtClean="0"/>
+              <a:t>Docker</a:t>
+            </a:r>
+            <a:r>
+              <a:rPr kumimoji="1" lang="zh-CN" altLang="en-US" dirty="0" smtClean="0"/>
+              <a:t>公司的策略比较激进，通常对新内核的支持更</a:t>
+            </a:r>
+            <a:endParaRPr kumimoji="1" lang="en-US" altLang="zh-CN" dirty="0" smtClean="0"/>
           </a:p>
         </p:txBody>
       </p:sp>
     </p:spTree>
     <p:extLst>
       <p:ext uri="{BB962C8B-B14F-4D97-AF65-F5344CB8AC3E}">
-        <p14:creationId xmlns:p14="http://schemas.microsoft.com/office/powerpoint/2010/main" val="834681882"/>
+        <p14:creationId xmlns:p14="http://schemas.microsoft.com/office/powerpoint/2010/main" val="895564063"/>
       </p:ext>
     </p:extLst>
   </p:cSld>

--- a/Docker Intro.pptx
+++ b/Docker Intro.pptx
@@ -5,10 +5,10 @@
     <p:sldMasterId id="2147483648" r:id="rId1"/>
   </p:sldMasterIdLst>
   <p:notesMasterIdLst>
-    <p:notesMasterId r:id="rId21"/>
+    <p:notesMasterId r:id="rId27"/>
   </p:notesMasterIdLst>
   <p:handoutMasterIdLst>
-    <p:handoutMasterId r:id="rId22"/>
+    <p:handoutMasterId r:id="rId28"/>
   </p:handoutMasterIdLst>
   <p:sldIdLst>
     <p:sldId id="256" r:id="rId2"/>
@@ -24,12 +24,18 @@
     <p:sldId id="273" r:id="rId12"/>
     <p:sldId id="274" r:id="rId13"/>
     <p:sldId id="275" r:id="rId14"/>
-    <p:sldId id="276" r:id="rId15"/>
-    <p:sldId id="269" r:id="rId16"/>
-    <p:sldId id="270" r:id="rId17"/>
-    <p:sldId id="259" r:id="rId18"/>
-    <p:sldId id="268" r:id="rId19"/>
-    <p:sldId id="258" r:id="rId20"/>
+    <p:sldId id="277" r:id="rId15"/>
+    <p:sldId id="276" r:id="rId16"/>
+    <p:sldId id="269" r:id="rId17"/>
+    <p:sldId id="278" r:id="rId18"/>
+    <p:sldId id="270" r:id="rId19"/>
+    <p:sldId id="279" r:id="rId20"/>
+    <p:sldId id="281" r:id="rId21"/>
+    <p:sldId id="280" r:id="rId22"/>
+    <p:sldId id="268" r:id="rId23"/>
+    <p:sldId id="282" r:id="rId24"/>
+    <p:sldId id="283" r:id="rId25"/>
+    <p:sldId id="258" r:id="rId26"/>
   </p:sldIdLst>
   <p:sldSz cx="12192000" cy="6858000"/>
   <p:notesSz cx="6858000" cy="9144000"/>
@@ -221,7 +227,7 @@
           <a:p>
             <a:fld id="{4F0C3AF2-31FB-AD43-8543-5F319C11995C}" type="datetimeFigureOut">
               <a:rPr kumimoji="1" lang="zh-CN" altLang="en-US" smtClean="0"/>
-              <a:t>2017/4/21</a:t>
+              <a:t>2017/4/22</a:t>
             </a:fld>
             <a:endParaRPr kumimoji="1" lang="zh-CN" altLang="en-US"/>
           </a:p>
@@ -386,7 +392,7 @@
           <a:p>
             <a:fld id="{91D6BF62-FED0-3840-9491-FB3A0766EED9}" type="datetimeFigureOut">
               <a:rPr kumimoji="1" lang="zh-CN" altLang="en-US" smtClean="0"/>
-              <a:t>2017/4/21</a:t>
+              <a:t>2017/4/22</a:t>
             </a:fld>
             <a:endParaRPr kumimoji="1" lang="zh-CN" altLang="en-US"/>
           </a:p>
@@ -880,7 +886,7 @@
           <a:p>
             <a:fld id="{498147BD-55AA-6042-BFA7-9C9B0B147754}" type="datetimeFigureOut">
               <a:rPr kumimoji="1" lang="zh-CN" altLang="en-US" smtClean="0"/>
-              <a:t>2017/4/21</a:t>
+              <a:t>2017/4/22</a:t>
             </a:fld>
             <a:endParaRPr kumimoji="1" lang="zh-CN" altLang="en-US"/>
           </a:p>
@@ -1089,7 +1095,7 @@
           <a:p>
             <a:fld id="{498147BD-55AA-6042-BFA7-9C9B0B147754}" type="datetimeFigureOut">
               <a:rPr kumimoji="1" lang="zh-CN" altLang="en-US" smtClean="0"/>
-              <a:t>2017/4/21</a:t>
+              <a:t>2017/4/22</a:t>
             </a:fld>
             <a:endParaRPr kumimoji="1" lang="zh-CN" altLang="en-US"/>
           </a:p>
@@ -1296,7 +1302,7 @@
           <a:p>
             <a:fld id="{498147BD-55AA-6042-BFA7-9C9B0B147754}" type="datetimeFigureOut">
               <a:rPr kumimoji="1" lang="zh-CN" altLang="en-US" smtClean="0"/>
-              <a:t>2017/4/21</a:t>
+              <a:t>2017/4/22</a:t>
             </a:fld>
             <a:endParaRPr kumimoji="1" lang="zh-CN" altLang="en-US"/>
           </a:p>
@@ -1498,7 +1504,7 @@
           <a:p>
             <a:fld id="{498147BD-55AA-6042-BFA7-9C9B0B147754}" type="datetimeFigureOut">
               <a:rPr kumimoji="1" lang="zh-CN" altLang="en-US" smtClean="0"/>
-              <a:t>2017/4/21</a:t>
+              <a:t>2017/4/22</a:t>
             </a:fld>
             <a:endParaRPr kumimoji="1" lang="zh-CN" altLang="en-US"/>
           </a:p>
@@ -1778,7 +1784,7 @@
           <a:p>
             <a:fld id="{498147BD-55AA-6042-BFA7-9C9B0B147754}" type="datetimeFigureOut">
               <a:rPr kumimoji="1" lang="zh-CN" altLang="en-US" smtClean="0"/>
-              <a:t>2017/4/21</a:t>
+              <a:t>2017/4/22</a:t>
             </a:fld>
             <a:endParaRPr kumimoji="1" lang="zh-CN" altLang="en-US"/>
           </a:p>
@@ -2042,7 +2048,7 @@
           <a:p>
             <a:fld id="{498147BD-55AA-6042-BFA7-9C9B0B147754}" type="datetimeFigureOut">
               <a:rPr kumimoji="1" lang="zh-CN" altLang="en-US" smtClean="0"/>
-              <a:t>2017/4/21</a:t>
+              <a:t>2017/4/22</a:t>
             </a:fld>
             <a:endParaRPr kumimoji="1" lang="zh-CN" altLang="en-US"/>
           </a:p>
@@ -2436,7 +2442,7 @@
           <a:p>
             <a:fld id="{498147BD-55AA-6042-BFA7-9C9B0B147754}" type="datetimeFigureOut">
               <a:rPr kumimoji="1" lang="zh-CN" altLang="en-US" smtClean="0"/>
-              <a:t>2017/4/21</a:t>
+              <a:t>2017/4/22</a:t>
             </a:fld>
             <a:endParaRPr kumimoji="1" lang="zh-CN" altLang="en-US"/>
           </a:p>
@@ -2586,7 +2592,7 @@
           <a:p>
             <a:fld id="{498147BD-55AA-6042-BFA7-9C9B0B147754}" type="datetimeFigureOut">
               <a:rPr kumimoji="1" lang="zh-CN" altLang="en-US" smtClean="0"/>
-              <a:t>2017/4/21</a:t>
+              <a:t>2017/4/22</a:t>
             </a:fld>
             <a:endParaRPr kumimoji="1" lang="zh-CN" altLang="en-US"/>
           </a:p>
@@ -2705,7 +2711,7 @@
           <a:p>
             <a:fld id="{498147BD-55AA-6042-BFA7-9C9B0B147754}" type="datetimeFigureOut">
               <a:rPr kumimoji="1" lang="zh-CN" altLang="en-US" smtClean="0"/>
-              <a:t>2017/4/21</a:t>
+              <a:t>2017/4/22</a:t>
             </a:fld>
             <a:endParaRPr kumimoji="1" lang="zh-CN" altLang="en-US"/>
           </a:p>
@@ -3009,7 +3015,7 @@
           <a:p>
             <a:fld id="{498147BD-55AA-6042-BFA7-9C9B0B147754}" type="datetimeFigureOut">
               <a:rPr kumimoji="1" lang="zh-CN" altLang="en-US" smtClean="0"/>
-              <a:t>2017/4/21</a:t>
+              <a:t>2017/4/22</a:t>
             </a:fld>
             <a:endParaRPr kumimoji="1" lang="zh-CN" altLang="en-US"/>
           </a:p>
@@ -3289,7 +3295,7 @@
           <a:p>
             <a:fld id="{498147BD-55AA-6042-BFA7-9C9B0B147754}" type="datetimeFigureOut">
               <a:rPr kumimoji="1" lang="zh-CN" altLang="en-US" smtClean="0"/>
-              <a:t>2017/4/21</a:t>
+              <a:t>2017/4/22</a:t>
             </a:fld>
             <a:endParaRPr kumimoji="1" lang="zh-CN" altLang="en-US"/>
           </a:p>
@@ -4088,76 +4094,83 @@
             <a:endParaRPr kumimoji="1" lang="en-US" altLang="zh-CN" dirty="0" smtClean="0"/>
           </a:p>
           <a:p>
-            <a:pPr lvl="1"/>
-            <a:r>
-              <a:rPr kumimoji="1" lang="zh-CN" altLang="en-US" dirty="0" smtClean="0"/>
+            <a:pPr marL="685800" lvl="2">
+              <a:spcBef>
+                <a:spcPts val="1000"/>
+              </a:spcBef>
+            </a:pPr>
+            <a:r>
+              <a:rPr kumimoji="1" lang="zh-CN" altLang="en-US" dirty="0"/>
               <a:t>实际上是在</a:t>
             </a:r>
             <a:r>
-              <a:rPr kumimoji="1" lang="en-US" altLang="zh-CN" dirty="0" smtClean="0"/>
+              <a:rPr kumimoji="1" lang="en-US" altLang="zh-CN" dirty="0"/>
               <a:t>Hyper-V</a:t>
             </a:r>
             <a:r>
-              <a:rPr kumimoji="1" lang="zh-CN" altLang="en-US" dirty="0" smtClean="0"/>
+              <a:rPr kumimoji="1" lang="zh-CN" altLang="en-US" dirty="0"/>
               <a:t>中运行了一个轻量级的</a:t>
             </a:r>
             <a:r>
-              <a:rPr kumimoji="1" lang="en-US" altLang="zh-CN" dirty="0" smtClean="0"/>
+              <a:rPr kumimoji="1" lang="en-US" altLang="zh-CN" dirty="0"/>
               <a:t>Linux</a:t>
             </a:r>
             <a:r>
-              <a:rPr kumimoji="1" lang="zh-CN" altLang="en-US" dirty="0" smtClean="0"/>
+              <a:rPr kumimoji="1" lang="zh-CN" altLang="en-US" dirty="0"/>
               <a:t>环境</a:t>
             </a:r>
-            <a:endParaRPr kumimoji="1" lang="en-US" altLang="zh-CN" dirty="0" smtClean="0"/>
-          </a:p>
-          <a:p>
-            <a:pPr lvl="1"/>
-            <a:r>
-              <a:rPr kumimoji="1" lang="zh-CN" altLang="en-US" dirty="0" smtClean="0"/>
+            <a:endParaRPr kumimoji="1" lang="en-US" altLang="zh-CN" dirty="0"/>
+          </a:p>
+          <a:p>
+            <a:pPr marL="685800" lvl="2">
+              <a:spcBef>
+                <a:spcPts val="1000"/>
+              </a:spcBef>
+            </a:pPr>
+            <a:r>
+              <a:rPr kumimoji="1" lang="zh-CN" altLang="en-US" dirty="0"/>
               <a:t>安装前确保系统支持</a:t>
             </a:r>
             <a:r>
-              <a:rPr lang="en-US" altLang="zh-CN" dirty="0" smtClean="0"/>
+              <a:rPr kumimoji="1" lang="en-US" altLang="zh-CN" dirty="0"/>
               <a:t>Hyper-V</a:t>
             </a:r>
             <a:r>
-              <a:rPr lang="zh-CN" altLang="en-US" dirty="0" smtClean="0"/>
+              <a:rPr kumimoji="1" lang="zh-CN" altLang="en-US" dirty="0"/>
               <a:t>且已开启服务</a:t>
             </a:r>
-            <a:endParaRPr lang="en-US" altLang="zh-CN" dirty="0" smtClean="0"/>
-          </a:p>
-          <a:p>
-            <a:pPr lvl="1"/>
-            <a:r>
-              <a:rPr kumimoji="1" lang="zh-CN" altLang="en-US" dirty="0" smtClean="0"/>
+            <a:endParaRPr kumimoji="1" lang="en-US" altLang="zh-CN" dirty="0"/>
+          </a:p>
+          <a:p>
+            <a:pPr marL="685800" lvl="2">
+              <a:spcBef>
+                <a:spcPts val="1000"/>
+              </a:spcBef>
+            </a:pPr>
+            <a:r>
+              <a:rPr kumimoji="1" lang="zh-CN" altLang="en-US" dirty="0"/>
               <a:t>官方支持</a:t>
             </a:r>
             <a:r>
-              <a:rPr lang="en-US" altLang="zh-CN" dirty="0"/>
-              <a:t>64bit Windows 10 </a:t>
-            </a:r>
-            <a:r>
-              <a:rPr lang="en-US" altLang="zh-CN" dirty="0" smtClean="0"/>
-              <a:t>Pro</a:t>
-            </a:r>
-            <a:r>
-              <a:rPr lang="zh-CN" altLang="en-US" dirty="0" smtClean="0"/>
+              <a:rPr kumimoji="1" lang="en-US" altLang="zh-CN" dirty="0"/>
+              <a:t>64bit Windows 10 Pro</a:t>
+            </a:r>
+            <a:r>
+              <a:rPr kumimoji="1" lang="zh-CN" altLang="en-US" dirty="0"/>
               <a:t>、</a:t>
             </a:r>
             <a:r>
-              <a:rPr lang="en-US" altLang="zh-CN" dirty="0" smtClean="0"/>
+              <a:rPr kumimoji="1" lang="en-US" altLang="zh-CN" dirty="0"/>
               <a:t>Enterprise</a:t>
             </a:r>
             <a:r>
-              <a:rPr lang="zh-CN" altLang="en-US" dirty="0" smtClean="0"/>
+              <a:rPr kumimoji="1" lang="zh-CN" altLang="en-US" dirty="0"/>
               <a:t>、</a:t>
             </a:r>
             <a:r>
-              <a:rPr lang="en-US" altLang="zh-CN" dirty="0" smtClean="0"/>
+              <a:rPr kumimoji="1" lang="en-US" altLang="zh-CN" dirty="0"/>
               <a:t>Education</a:t>
             </a:r>
-            <a:endParaRPr kumimoji="1" lang="en-US" altLang="zh-CN" dirty="0" smtClean="0"/>
           </a:p>
           <a:p>
             <a:r>
@@ -4185,16 +4198,20 @@
             <a:endParaRPr kumimoji="1" lang="en-US" altLang="zh-CN" dirty="0" smtClean="0"/>
           </a:p>
           <a:p>
-            <a:pPr lvl="1"/>
-            <a:r>
-              <a:rPr kumimoji="1" lang="zh-CN" altLang="en-US" dirty="0" smtClean="0"/>
+            <a:pPr marL="685800" lvl="2">
+              <a:spcBef>
+                <a:spcPts val="1000"/>
+              </a:spcBef>
+            </a:pPr>
+            <a:r>
+              <a:rPr kumimoji="1" lang="zh-CN" altLang="en-US" dirty="0"/>
               <a:t>使用</a:t>
             </a:r>
             <a:r>
-              <a:rPr kumimoji="1" lang="en-US" altLang="zh-CN" dirty="0" err="1" smtClean="0"/>
+              <a:rPr kumimoji="1" lang="en-US" altLang="zh-CN" dirty="0" err="1"/>
               <a:t>VirtualBox</a:t>
             </a:r>
-            <a:endParaRPr kumimoji="1" lang="en-US" altLang="zh-CN" dirty="0" smtClean="0"/>
+            <a:endParaRPr kumimoji="1" lang="en-US" altLang="zh-CN" dirty="0"/>
           </a:p>
           <a:p>
             <a:pPr marL="228600" lvl="1">
@@ -4356,125 +4373,125 @@
           <a:p>
             <a:pPr lvl="1"/>
             <a:r>
-              <a:rPr kumimoji="1" lang="en-US" altLang="zh-CN" dirty="0" smtClean="0"/>
+              <a:rPr kumimoji="1" lang="en-US" altLang="zh-CN" sz="2000" dirty="0"/>
               <a:t>2010</a:t>
             </a:r>
             <a:r>
-              <a:rPr kumimoji="1" lang="zh-CN" altLang="en-US" dirty="0" smtClean="0"/>
+              <a:rPr kumimoji="1" lang="zh-CN" altLang="en-US" sz="2000" dirty="0"/>
               <a:t>年以后的机型（</a:t>
             </a:r>
             <a:r>
-              <a:rPr kumimoji="1" lang="en-US" altLang="zh-CN" dirty="0" smtClean="0"/>
+              <a:rPr kumimoji="1" lang="en-US" altLang="zh-CN" sz="2000" dirty="0"/>
               <a:t>CPU</a:t>
             </a:r>
             <a:r>
-              <a:rPr kumimoji="1" lang="zh-CN" altLang="en-US" dirty="0" smtClean="0"/>
+              <a:rPr kumimoji="1" lang="zh-CN" altLang="en-US" sz="2000" dirty="0"/>
               <a:t>需要支持</a:t>
             </a:r>
             <a:r>
-              <a:rPr kumimoji="1" lang="en-US" altLang="zh-CN" dirty="0" smtClean="0"/>
+              <a:rPr kumimoji="1" lang="en-US" altLang="zh-CN" sz="2000" dirty="0"/>
               <a:t>MMU</a:t>
             </a:r>
             <a:r>
-              <a:rPr kumimoji="1" lang="zh-CN" altLang="en-US" dirty="0" smtClean="0"/>
+              <a:rPr kumimoji="1" lang="zh-CN" altLang="en-US" sz="2000" dirty="0"/>
               <a:t>，</a:t>
             </a:r>
             <a:r>
-              <a:rPr kumimoji="1" lang="en-US" altLang="zh-CN" dirty="0" smtClean="0"/>
+              <a:rPr kumimoji="1" lang="en-US" altLang="zh-CN" sz="2000" dirty="0"/>
               <a:t>EPT</a:t>
             </a:r>
             <a:r>
-              <a:rPr kumimoji="1" lang="zh-CN" altLang="en-US" dirty="0" smtClean="0"/>
+              <a:rPr kumimoji="1" lang="zh-CN" altLang="en-US" sz="2000" dirty="0"/>
               <a:t>）</a:t>
             </a:r>
-            <a:endParaRPr kumimoji="1" lang="en-US" altLang="zh-CN" dirty="0" smtClean="0"/>
+            <a:endParaRPr kumimoji="1" lang="en-US" altLang="zh-CN" sz="2000" dirty="0"/>
           </a:p>
           <a:p>
             <a:pPr lvl="1"/>
             <a:r>
-              <a:rPr kumimoji="1" lang="en-US" altLang="zh-CN" dirty="0" smtClean="0"/>
+              <a:rPr kumimoji="1" lang="en-US" altLang="zh-CN" sz="2000" dirty="0"/>
               <a:t>OS</a:t>
             </a:r>
             <a:r>
-              <a:rPr kumimoji="1" lang="zh-CN" altLang="en-US" dirty="0" smtClean="0"/>
+              <a:rPr kumimoji="1" lang="zh-CN" altLang="en-US" sz="2000" dirty="0"/>
               <a:t> </a:t>
             </a:r>
             <a:r>
-              <a:rPr kumimoji="1" lang="en-US" altLang="zh-CN" dirty="0" smtClean="0"/>
+              <a:rPr kumimoji="1" lang="en-US" altLang="zh-CN" sz="2000" dirty="0"/>
               <a:t>X</a:t>
             </a:r>
             <a:r>
-              <a:rPr kumimoji="1" lang="zh-CN" altLang="en-US" dirty="0" smtClean="0"/>
+              <a:rPr kumimoji="1" lang="zh-CN" altLang="en-US" sz="2000" dirty="0"/>
               <a:t> </a:t>
             </a:r>
             <a:r>
-              <a:rPr kumimoji="1" lang="en-US" altLang="zh-CN" dirty="0" smtClean="0"/>
+              <a:rPr kumimoji="1" lang="en-US" altLang="zh-CN" sz="2000" dirty="0"/>
               <a:t>10.11</a:t>
             </a:r>
             <a:r>
-              <a:rPr kumimoji="1" lang="zh-CN" altLang="en-US" dirty="0" smtClean="0"/>
+              <a:rPr kumimoji="1" lang="zh-CN" altLang="en-US" sz="2000" dirty="0"/>
               <a:t>以上</a:t>
             </a:r>
-            <a:endParaRPr kumimoji="1" lang="en-US" altLang="zh-CN" dirty="0" smtClean="0"/>
+            <a:endParaRPr kumimoji="1" lang="en-US" altLang="zh-CN" sz="2000" dirty="0"/>
           </a:p>
           <a:p>
             <a:pPr lvl="1"/>
             <a:r>
-              <a:rPr kumimoji="1" lang="zh-CN" altLang="en-US" dirty="0" smtClean="0"/>
+              <a:rPr kumimoji="1" lang="zh-CN" altLang="en-US" sz="2000" dirty="0"/>
               <a:t>在</a:t>
             </a:r>
             <a:r>
-              <a:rPr kumimoji="1" lang="en-US" altLang="zh-CN" dirty="0" smtClean="0">
+              <a:rPr kumimoji="1" lang="en-US" altLang="zh-CN" sz="2000" dirty="0">
                 <a:hlinkClick r:id="rId3"/>
               </a:rPr>
               <a:t>HyperKit</a:t>
             </a:r>
             <a:r>
-              <a:rPr kumimoji="1" lang="zh-CN" altLang="en-US" dirty="0" smtClean="0"/>
+              <a:rPr kumimoji="1" lang="zh-CN" altLang="en-US" sz="2000" dirty="0"/>
               <a:t>（依赖</a:t>
             </a:r>
             <a:r>
-              <a:rPr kumimoji="1" lang="en-US" altLang="zh-CN" dirty="0" smtClean="0"/>
+              <a:rPr kumimoji="1" lang="en-US" altLang="zh-CN" sz="2000" dirty="0"/>
               <a:t>10.10+</a:t>
             </a:r>
             <a:r>
-              <a:rPr kumimoji="1" lang="zh-CN" altLang="en-US" dirty="0" smtClean="0"/>
+              <a:rPr kumimoji="1" lang="zh-CN" altLang="en-US" sz="2000" dirty="0"/>
               <a:t>的</a:t>
             </a:r>
             <a:r>
-              <a:rPr kumimoji="1" lang="en-US" altLang="zh-CN" dirty="0" smtClean="0">
+              <a:rPr kumimoji="1" lang="en-US" altLang="zh-CN" sz="2000" dirty="0">
                 <a:hlinkClick r:id="rId4"/>
               </a:rPr>
               <a:t>Hypervisor</a:t>
             </a:r>
             <a:r>
-              <a:rPr kumimoji="1" lang="zh-CN" altLang="en-US" dirty="0" smtClean="0"/>
+              <a:rPr kumimoji="1" lang="zh-CN" altLang="en-US" sz="2000" dirty="0"/>
               <a:t>）中运行了一个轻量级</a:t>
             </a:r>
             <a:r>
-              <a:rPr kumimoji="1" lang="en-US" altLang="zh-CN" dirty="0" smtClean="0"/>
+              <a:rPr kumimoji="1" lang="en-US" altLang="zh-CN" sz="2000" dirty="0"/>
               <a:t>Linux</a:t>
             </a:r>
           </a:p>
           <a:p>
             <a:pPr lvl="1"/>
             <a:r>
-              <a:rPr kumimoji="1" lang="zh-CN" altLang="en-US" dirty="0" smtClean="0"/>
+              <a:rPr kumimoji="1" lang="zh-CN" altLang="en-US" sz="2000" dirty="0"/>
               <a:t>与</a:t>
             </a:r>
             <a:r>
-              <a:rPr kumimoji="1" lang="en-US" altLang="zh-CN" dirty="0" err="1" smtClean="0"/>
+              <a:rPr kumimoji="1" lang="en-US" altLang="zh-CN" sz="2000" dirty="0" err="1"/>
               <a:t>VirtualBox</a:t>
             </a:r>
             <a:r>
-              <a:rPr kumimoji="1" lang="en-US" altLang="zh-CN" dirty="0" smtClean="0"/>
+              <a:rPr kumimoji="1" lang="en-US" altLang="zh-CN" sz="2000" dirty="0"/>
               <a:t>&lt;=4.3.30</a:t>
             </a:r>
             <a:r>
-              <a:rPr kumimoji="1" lang="zh-CN" altLang="en-US" dirty="0" smtClean="0"/>
+              <a:rPr kumimoji="1" lang="zh-CN" altLang="en-US" sz="2000" dirty="0"/>
               <a:t>冲突</a:t>
             </a:r>
-            <a:endParaRPr kumimoji="1" lang="en-US" altLang="zh-CN" dirty="0" smtClean="0"/>
+            <a:endParaRPr kumimoji="1" lang="en-US" altLang="zh-CN" sz="2000" dirty="0"/>
           </a:p>
           <a:p>
             <a:r>
@@ -4504,19 +4521,19 @@
           <a:p>
             <a:pPr lvl="1"/>
             <a:r>
-              <a:rPr kumimoji="1" lang="zh-CN" altLang="en-US" dirty="0" smtClean="0"/>
+              <a:rPr kumimoji="1" lang="zh-CN" altLang="en-US" sz="2000" dirty="0"/>
               <a:t>在</a:t>
             </a:r>
             <a:r>
-              <a:rPr kumimoji="1" lang="en-US" altLang="zh-CN" dirty="0" err="1" smtClean="0"/>
+              <a:rPr kumimoji="1" lang="en-US" altLang="zh-CN" sz="2000" dirty="0" err="1"/>
               <a:t>VirtualBox</a:t>
             </a:r>
             <a:r>
-              <a:rPr kumimoji="1" lang="zh-CN" altLang="en-US" dirty="0" smtClean="0"/>
+              <a:rPr kumimoji="1" lang="zh-CN" altLang="en-US" sz="2000" dirty="0"/>
               <a:t>中运行</a:t>
             </a:r>
             <a:r>
-              <a:rPr kumimoji="1" lang="en-US" altLang="zh-CN" dirty="0" smtClean="0"/>
+              <a:rPr kumimoji="1" lang="en-US" altLang="zh-CN" sz="2000" dirty="0"/>
               <a:t>Linux</a:t>
             </a:r>
           </a:p>
@@ -4613,22 +4630,22 @@
           <a:p>
             <a:pPr lvl="1"/>
             <a:r>
-              <a:rPr kumimoji="1" lang="en-US" altLang="zh-CN" dirty="0" smtClean="0">
+              <a:rPr kumimoji="1" lang="en-US" altLang="zh-CN" sz="2000" dirty="0">
                 <a:hlinkClick r:id="rId2"/>
               </a:rPr>
               <a:t>CentOS</a:t>
             </a:r>
-            <a:endParaRPr kumimoji="1" lang="en-US" altLang="zh-CN" dirty="0" smtClean="0"/>
+            <a:endParaRPr kumimoji="1" lang="en-US" altLang="zh-CN" sz="2000" dirty="0"/>
           </a:p>
           <a:p>
             <a:pPr lvl="1"/>
             <a:r>
-              <a:rPr kumimoji="1" lang="en-US" altLang="zh-CN" dirty="0" smtClean="0">
+              <a:rPr kumimoji="1" lang="en-US" altLang="zh-CN" sz="2000" dirty="0">
                 <a:hlinkClick r:id="rId3"/>
               </a:rPr>
               <a:t>Ubuntu</a:t>
             </a:r>
-            <a:endParaRPr kumimoji="1" lang="en-US" altLang="zh-CN" dirty="0" smtClean="0"/>
+            <a:endParaRPr kumimoji="1" lang="en-US" altLang="zh-CN" sz="2000" dirty="0"/>
           </a:p>
           <a:p>
             <a:r>
@@ -4640,81 +4657,140 @@
           <a:p>
             <a:pPr lvl="1"/>
             <a:r>
-              <a:rPr lang="en-US" altLang="zh-CN" dirty="0"/>
+              <a:rPr kumimoji="1" lang="zh-CN" altLang="en-US" sz="2000" dirty="0"/>
+              <a:t>官方：</a:t>
+            </a:r>
+            <a:r>
+              <a:rPr kumimoji="1" lang="en-US" altLang="zh-CN" sz="2000" dirty="0"/>
               <a:t>curl -</a:t>
             </a:r>
             <a:r>
-              <a:rPr lang="en-US" altLang="zh-CN" dirty="0" err="1"/>
+              <a:rPr kumimoji="1" lang="en-US" altLang="zh-CN" sz="2000" dirty="0" err="1"/>
               <a:t>sSL</a:t>
             </a:r>
             <a:r>
-              <a:rPr lang="en-US" altLang="zh-CN" dirty="0"/>
+              <a:rPr kumimoji="1" lang="en-US" altLang="zh-CN" sz="2000" dirty="0"/>
               <a:t> https://</a:t>
             </a:r>
             <a:r>
-              <a:rPr lang="en-US" altLang="zh-CN" dirty="0" err="1"/>
+              <a:rPr kumimoji="1" lang="en-US" altLang="zh-CN" sz="2000" dirty="0" err="1"/>
               <a:t>get.docker.com</a:t>
             </a:r>
             <a:r>
-              <a:rPr lang="en-US" altLang="zh-CN" dirty="0"/>
+              <a:rPr kumimoji="1" lang="en-US" altLang="zh-CN" sz="2000" dirty="0"/>
               <a:t>/ | </a:t>
             </a:r>
             <a:r>
-              <a:rPr lang="en-US" altLang="zh-CN" dirty="0" err="1"/>
+              <a:rPr kumimoji="1" lang="en-US" altLang="zh-CN" sz="2000" dirty="0" err="1"/>
               <a:t>sh</a:t>
             </a:r>
             <a:r>
-              <a:rPr lang="en-US" altLang="zh-CN" dirty="0"/>
+              <a:rPr kumimoji="1" lang="en-US" altLang="zh-CN" sz="2000" dirty="0"/>
               <a:t> </a:t>
             </a:r>
-            <a:endParaRPr lang="en-US" altLang="zh-CN" dirty="0" smtClean="0"/>
           </a:p>
           <a:p>
             <a:pPr lvl="1"/>
             <a:r>
-              <a:rPr lang="en-US" altLang="zh-CN" dirty="0" smtClean="0"/>
-              <a:t>curl </a:t>
-            </a:r>
-            <a:r>
-              <a:rPr lang="en-US" altLang="zh-CN" dirty="0"/>
+              <a:rPr kumimoji="1" lang="en-US" altLang="zh-CN" sz="2000" dirty="0" err="1"/>
+              <a:t>DaoCloud</a:t>
+            </a:r>
+            <a:r>
+              <a:rPr kumimoji="1" lang="zh-CN" altLang="en-US" sz="2000" dirty="0"/>
+              <a:t>：</a:t>
+            </a:r>
+            <a:r>
+              <a:rPr kumimoji="1" lang="en-US" altLang="zh-CN" sz="2000" dirty="0"/>
+              <a:t>curl -</a:t>
+            </a:r>
+            <a:r>
+              <a:rPr kumimoji="1" lang="en-US" altLang="zh-CN" sz="2000" dirty="0" err="1"/>
+              <a:t>sSL</a:t>
+            </a:r>
+            <a:r>
+              <a:rPr kumimoji="1" lang="en-US" altLang="zh-CN" sz="2000" dirty="0"/>
+              <a:t> https://</a:t>
+            </a:r>
+            <a:r>
+              <a:rPr kumimoji="1" lang="en-US" altLang="zh-CN" sz="2000" dirty="0" err="1"/>
+              <a:t>get.daocloud.io</a:t>
+            </a:r>
+            <a:r>
+              <a:rPr kumimoji="1" lang="en-US" altLang="zh-CN" sz="2000" dirty="0"/>
+              <a:t>/</a:t>
+            </a:r>
+            <a:r>
+              <a:rPr kumimoji="1" lang="en-US" altLang="zh-CN" sz="2000" dirty="0" err="1"/>
+              <a:t>docker</a:t>
+            </a:r>
+            <a:r>
+              <a:rPr kumimoji="1" lang="en-US" altLang="zh-CN" sz="2000" dirty="0"/>
+              <a:t> | </a:t>
+            </a:r>
+            <a:r>
+              <a:rPr kumimoji="1" lang="en-US" altLang="zh-CN" sz="2000" dirty="0" err="1"/>
+              <a:t>sh</a:t>
+            </a:r>
+            <a:endParaRPr kumimoji="1" lang="en-US" altLang="zh-CN" sz="2000" dirty="0"/>
+          </a:p>
+          <a:p>
+            <a:pPr lvl="1"/>
+            <a:r>
+              <a:rPr kumimoji="1" lang="zh-CN" altLang="en-US" sz="2000" dirty="0"/>
+              <a:t>阿里云：</a:t>
+            </a:r>
+            <a:r>
+              <a:rPr kumimoji="1" lang="en-US" altLang="zh-CN" sz="2000" dirty="0"/>
+              <a:t> curl -</a:t>
+            </a:r>
+            <a:r>
+              <a:rPr kumimoji="1" lang="en-US" altLang="zh-CN" sz="2000" dirty="0" err="1"/>
+              <a:t>sSL</a:t>
+            </a:r>
+            <a:r>
+              <a:rPr kumimoji="1" lang="en-US" altLang="zh-CN" sz="2000" dirty="0"/>
+              <a:t> http://</a:t>
+            </a:r>
+            <a:r>
+              <a:rPr kumimoji="1" lang="en-US" altLang="zh-CN" sz="2000" dirty="0" err="1"/>
+              <a:t>acs</a:t>
+            </a:r>
+            <a:r>
+              <a:rPr kumimoji="1" lang="en-US" altLang="zh-CN" sz="2000" dirty="0"/>
+              <a:t>-public-</a:t>
+            </a:r>
+            <a:r>
+              <a:rPr kumimoji="1" lang="en-US" altLang="zh-CN" sz="2000" dirty="0" err="1"/>
+              <a:t>mirror.oss</a:t>
+            </a:r>
+            <a:r>
+              <a:rPr kumimoji="1" lang="en-US" altLang="zh-CN" sz="2000" dirty="0"/>
               <a:t>-</a:t>
             </a:r>
             <a:r>
-              <a:rPr lang="en-US" altLang="zh-CN" dirty="0" err="1"/>
-              <a:t>sSL</a:t>
-            </a:r>
-            <a:r>
-              <a:rPr lang="en-US" altLang="zh-CN" dirty="0"/>
-              <a:t> https://</a:t>
-            </a:r>
-            <a:r>
-              <a:rPr lang="en-US" altLang="zh-CN" dirty="0" err="1"/>
-              <a:t>get.daocloud.io</a:t>
-            </a:r>
-            <a:r>
-              <a:rPr lang="en-US" altLang="zh-CN" dirty="0"/>
+              <a:rPr kumimoji="1" lang="en-US" altLang="zh-CN" sz="2000" dirty="0" err="1"/>
+              <a:t>cn-hangzhou.aliyuncs.com</a:t>
+            </a:r>
+            <a:r>
+              <a:rPr kumimoji="1" lang="en-US" altLang="zh-CN" sz="2000" dirty="0"/>
               <a:t>/</a:t>
             </a:r>
             <a:r>
-              <a:rPr lang="en-US" altLang="zh-CN" dirty="0" err="1"/>
+              <a:rPr kumimoji="1" lang="en-US" altLang="zh-CN" sz="2000" dirty="0" err="1"/>
               <a:t>docker</a:t>
             </a:r>
             <a:r>
-              <a:rPr lang="en-US" altLang="zh-CN" dirty="0"/>
-              <a:t> | </a:t>
-            </a:r>
-            <a:r>
-              <a:rPr lang="en-US" altLang="zh-CN" dirty="0" err="1" smtClean="0"/>
+              <a:rPr kumimoji="1" lang="en-US" altLang="zh-CN" sz="2000" dirty="0"/>
+              <a:t>-engine/internet | </a:t>
+            </a:r>
+            <a:r>
+              <a:rPr kumimoji="1" lang="en-US" altLang="zh-CN" sz="2000" dirty="0" err="1"/>
               <a:t>sh</a:t>
             </a:r>
             <a:r>
-              <a:rPr lang="en-US" altLang="zh-CN" dirty="0"/>
-              <a:t/>
-            </a:r>
-            <a:br>
-              <a:rPr lang="en-US" altLang="zh-CN" dirty="0"/>
-            </a:br>
-            <a:endParaRPr kumimoji="1" lang="en-US" altLang="zh-CN" dirty="0" smtClean="0"/>
+              <a:rPr kumimoji="1" lang="en-US" altLang="zh-CN" sz="2000" dirty="0"/>
+              <a:t> - </a:t>
+            </a:r>
           </a:p>
           <a:p>
             <a:pPr lvl="1"/>
@@ -4803,7 +4879,7 @@
       </p:sp>
       <p:sp>
         <p:nvSpPr>
-          <p:cNvPr id="3" name="内容占位符 2"/>
+          <p:cNvPr id="7" name="内容占位符 6"/>
           <p:cNvSpPr>
             <a:spLocks noGrp="1"/>
           </p:cNvSpPr>
@@ -4813,10 +4889,313 @@
         </p:nvSpPr>
         <p:spPr/>
         <p:txBody>
-          <a:bodyPr/>
-          <a:lstStyle/>
-          <a:p>
-            <a:endParaRPr kumimoji="1" lang="zh-CN" altLang="en-US"/>
+          <a:bodyPr>
+            <a:normAutofit/>
+          </a:bodyPr>
+          <a:lstStyle/>
+          <a:p>
+            <a:r>
+              <a:rPr kumimoji="1" lang="zh-CN" altLang="en-US" dirty="0" smtClean="0"/>
+              <a:t>手动设置：使</a:t>
+            </a:r>
+            <a:r>
+              <a:rPr kumimoji="1" lang="en-US" altLang="zh-CN" dirty="0" err="1" smtClean="0"/>
+              <a:t>daemon.json</a:t>
+            </a:r>
+            <a:r>
+              <a:rPr kumimoji="1" lang="zh-CN" altLang="en-US" dirty="0" smtClean="0"/>
+              <a:t>包含配置</a:t>
+            </a:r>
+            <a:r>
+              <a:rPr lang="en-US" altLang="zh-CN" dirty="0" smtClean="0"/>
+              <a:t>{"</a:t>
+            </a:r>
+            <a:r>
+              <a:rPr lang="en-US" altLang="zh-CN" dirty="0"/>
+              <a:t>registry-mirrors": </a:t>
+            </a:r>
+            <a:r>
+              <a:rPr lang="en-US" altLang="zh-CN" dirty="0" smtClean="0"/>
+              <a:t>[</a:t>
+            </a:r>
+            <a:r>
+              <a:rPr lang="en-US" altLang="zh-CN" dirty="0"/>
+              <a:t>"</a:t>
+            </a:r>
+            <a:r>
+              <a:rPr lang="zh-CN" altLang="en-US" dirty="0" smtClean="0"/>
+              <a:t>地址</a:t>
+            </a:r>
+            <a:r>
+              <a:rPr lang="en-US" altLang="zh-CN" dirty="0" smtClean="0"/>
+              <a:t>"]}</a:t>
+            </a:r>
+          </a:p>
+          <a:p>
+            <a:pPr lvl="1"/>
+            <a:r>
+              <a:rPr lang="zh-CN" altLang="en-US" dirty="0" smtClean="0"/>
+              <a:t>对于</a:t>
+            </a:r>
+            <a:r>
+              <a:rPr lang="en-US" altLang="zh-CN" dirty="0" smtClean="0"/>
+              <a:t>Docker</a:t>
+            </a:r>
+            <a:r>
+              <a:rPr lang="zh-CN" altLang="en-US" dirty="0" smtClean="0"/>
+              <a:t> </a:t>
+            </a:r>
+            <a:r>
+              <a:rPr lang="en-US" altLang="zh-CN" dirty="0" smtClean="0"/>
+              <a:t>for</a:t>
+            </a:r>
+            <a:r>
+              <a:rPr lang="zh-CN" altLang="en-US" dirty="0" smtClean="0"/>
+              <a:t> </a:t>
+            </a:r>
+            <a:r>
+              <a:rPr lang="en-US" altLang="zh-CN" dirty="0" smtClean="0"/>
+              <a:t>Mac</a:t>
+            </a:r>
+            <a:r>
+              <a:rPr lang="zh-CN" altLang="en-US" dirty="0" smtClean="0"/>
+              <a:t>或</a:t>
+            </a:r>
+            <a:r>
+              <a:rPr lang="en-US" altLang="zh-CN" dirty="0" smtClean="0"/>
+              <a:t>Docker</a:t>
+            </a:r>
+            <a:r>
+              <a:rPr lang="zh-CN" altLang="en-US" dirty="0" smtClean="0"/>
+              <a:t> </a:t>
+            </a:r>
+            <a:r>
+              <a:rPr lang="en-US" altLang="zh-CN" dirty="0" smtClean="0"/>
+              <a:t>for</a:t>
+            </a:r>
+            <a:r>
+              <a:rPr lang="zh-CN" altLang="en-US" dirty="0" smtClean="0"/>
+              <a:t> </a:t>
+            </a:r>
+            <a:r>
+              <a:rPr lang="en-US" altLang="zh-CN" dirty="0" smtClean="0"/>
+              <a:t>Windows</a:t>
+            </a:r>
+            <a:r>
+              <a:rPr lang="zh-CN" altLang="en-US" dirty="0" smtClean="0"/>
+              <a:t>，在设置</a:t>
+            </a:r>
+            <a:r>
+              <a:rPr lang="en-US" altLang="zh-CN" dirty="0" smtClean="0"/>
+              <a:t>-&gt;Daemon</a:t>
+            </a:r>
+            <a:r>
+              <a:rPr lang="zh-CN" altLang="en-US" dirty="0"/>
+              <a:t>高级</a:t>
+            </a:r>
+            <a:r>
+              <a:rPr lang="en-US" altLang="zh-CN" dirty="0"/>
+              <a:t>-&gt;</a:t>
+            </a:r>
+            <a:r>
+              <a:rPr lang="zh-CN" altLang="en-US" dirty="0" smtClean="0"/>
+              <a:t>中修改</a:t>
+            </a:r>
+            <a:endParaRPr lang="en-US" altLang="zh-CN" dirty="0" smtClean="0"/>
+          </a:p>
+          <a:p>
+            <a:pPr lvl="1"/>
+            <a:r>
+              <a:rPr lang="zh-CN" altLang="en-US" dirty="0" smtClean="0"/>
+              <a:t>对于</a:t>
+            </a:r>
+            <a:r>
+              <a:rPr lang="en-US" altLang="zh-CN" dirty="0" smtClean="0"/>
+              <a:t>Linux,</a:t>
+            </a:r>
+            <a:r>
+              <a:rPr lang="zh-CN" altLang="en-US" dirty="0" smtClean="0"/>
+              <a:t> 修改</a:t>
+            </a:r>
+            <a:r>
+              <a:rPr lang="en-US" altLang="zh-CN" dirty="0" smtClean="0"/>
+              <a:t> </a:t>
+            </a:r>
+            <a:r>
+              <a:rPr kumimoji="1" lang="en-US" altLang="zh-CN" dirty="0" smtClean="0"/>
+              <a:t>/</a:t>
+            </a:r>
+            <a:r>
+              <a:rPr kumimoji="1" lang="en-US" altLang="zh-CN" dirty="0" err="1" smtClean="0"/>
+              <a:t>etc</a:t>
+            </a:r>
+            <a:r>
+              <a:rPr kumimoji="1" lang="en-US" altLang="zh-CN" dirty="0" smtClean="0"/>
+              <a:t>/</a:t>
+            </a:r>
+            <a:r>
+              <a:rPr kumimoji="1" lang="en-US" altLang="zh-CN" dirty="0" err="1" smtClean="0"/>
+              <a:t>docker</a:t>
+            </a:r>
+            <a:r>
+              <a:rPr kumimoji="1" lang="en-US" altLang="zh-CN" dirty="0" smtClean="0"/>
+              <a:t>/</a:t>
+            </a:r>
+            <a:r>
+              <a:rPr kumimoji="1" lang="en-US" altLang="zh-CN" dirty="0" err="1" smtClean="0"/>
+              <a:t>daemon.json</a:t>
+            </a:r>
+            <a:r>
+              <a:rPr kumimoji="1" lang="en-US" altLang="zh-CN" dirty="0" smtClean="0"/>
+              <a:t> </a:t>
+            </a:r>
+            <a:r>
+              <a:rPr kumimoji="1" lang="zh-CN" altLang="en-US" dirty="0" smtClean="0"/>
+              <a:t>如果没有就新建一个</a:t>
+            </a:r>
+            <a:r>
+              <a:rPr kumimoji="1" lang="en-US" altLang="zh-CN" dirty="0" smtClean="0"/>
+              <a:t>.</a:t>
+            </a:r>
+          </a:p>
+          <a:p>
+            <a:pPr lvl="1"/>
+            <a:r>
+              <a:rPr kumimoji="1" lang="zh-CN" altLang="en-US" dirty="0" smtClean="0"/>
+              <a:t>需要</a:t>
+            </a:r>
+            <a:r>
+              <a:rPr kumimoji="1" lang="en-US" altLang="zh-CN" dirty="0" smtClean="0"/>
+              <a:t>1.12</a:t>
+            </a:r>
+            <a:r>
+              <a:rPr kumimoji="1" lang="zh-CN" altLang="en-US" dirty="0" smtClean="0"/>
+              <a:t>或更高版本</a:t>
+            </a:r>
+            <a:endParaRPr lang="en-US" altLang="zh-CN" dirty="0"/>
+          </a:p>
+          <a:p>
+            <a:r>
+              <a:rPr kumimoji="1" lang="zh-CN" altLang="en-US" dirty="0" smtClean="0"/>
+              <a:t>使用第三方脚本：</a:t>
+            </a:r>
+            <a:r>
+              <a:rPr lang="en-US" altLang="zh-CN" dirty="0">
+                <a:latin typeface="Source Code Pro" charset="0"/>
+                <a:ea typeface="Source Code Pro" charset="0"/>
+                <a:cs typeface="Source Code Pro" charset="0"/>
+              </a:rPr>
+              <a:t>curl -</a:t>
+            </a:r>
+            <a:r>
+              <a:rPr lang="en-US" altLang="zh-CN" dirty="0" err="1">
+                <a:latin typeface="Source Code Pro" charset="0"/>
+                <a:ea typeface="Source Code Pro" charset="0"/>
+                <a:cs typeface="Source Code Pro" charset="0"/>
+              </a:rPr>
+              <a:t>sSL</a:t>
+            </a:r>
+            <a:r>
+              <a:rPr lang="en-US" altLang="zh-CN" dirty="0">
+                <a:latin typeface="Source Code Pro" charset="0"/>
+                <a:ea typeface="Source Code Pro" charset="0"/>
+                <a:cs typeface="Source Code Pro" charset="0"/>
+              </a:rPr>
+              <a:t> https://</a:t>
+            </a:r>
+            <a:r>
+              <a:rPr lang="en-US" altLang="zh-CN" dirty="0" err="1">
+                <a:latin typeface="Source Code Pro" charset="0"/>
+                <a:ea typeface="Source Code Pro" charset="0"/>
+                <a:cs typeface="Source Code Pro" charset="0"/>
+              </a:rPr>
+              <a:t>get.daocloud.io</a:t>
+            </a:r>
+            <a:r>
+              <a:rPr lang="en-US" altLang="zh-CN" dirty="0">
+                <a:latin typeface="Source Code Pro" charset="0"/>
+                <a:ea typeface="Source Code Pro" charset="0"/>
+                <a:cs typeface="Source Code Pro" charset="0"/>
+              </a:rPr>
+              <a:t>/</a:t>
+            </a:r>
+            <a:r>
+              <a:rPr lang="en-US" altLang="zh-CN" dirty="0" err="1">
+                <a:latin typeface="Source Code Pro" charset="0"/>
+                <a:ea typeface="Source Code Pro" charset="0"/>
+                <a:cs typeface="Source Code Pro" charset="0"/>
+              </a:rPr>
+              <a:t>daotools</a:t>
+            </a:r>
+            <a:r>
+              <a:rPr lang="en-US" altLang="zh-CN" dirty="0">
+                <a:latin typeface="Source Code Pro" charset="0"/>
+                <a:ea typeface="Source Code Pro" charset="0"/>
+                <a:cs typeface="Source Code Pro" charset="0"/>
+              </a:rPr>
+              <a:t>/</a:t>
+            </a:r>
+            <a:r>
+              <a:rPr lang="en-US" altLang="zh-CN" dirty="0" err="1">
+                <a:latin typeface="Source Code Pro" charset="0"/>
+                <a:ea typeface="Source Code Pro" charset="0"/>
+                <a:cs typeface="Source Code Pro" charset="0"/>
+              </a:rPr>
+              <a:t>set_mirror.sh</a:t>
+            </a:r>
+            <a:r>
+              <a:rPr lang="en-US" altLang="zh-CN" dirty="0">
+                <a:latin typeface="Source Code Pro" charset="0"/>
+                <a:ea typeface="Source Code Pro" charset="0"/>
+                <a:cs typeface="Source Code Pro" charset="0"/>
+              </a:rPr>
+              <a:t> | </a:t>
+            </a:r>
+            <a:r>
+              <a:rPr lang="en-US" altLang="zh-CN" dirty="0" err="1">
+                <a:latin typeface="Source Code Pro" charset="0"/>
+                <a:ea typeface="Source Code Pro" charset="0"/>
+                <a:cs typeface="Source Code Pro" charset="0"/>
+              </a:rPr>
+              <a:t>sh</a:t>
+            </a:r>
+            <a:r>
+              <a:rPr lang="en-US" altLang="zh-CN" dirty="0">
+                <a:latin typeface="Source Code Pro" charset="0"/>
+                <a:ea typeface="Source Code Pro" charset="0"/>
+                <a:cs typeface="Source Code Pro" charset="0"/>
+              </a:rPr>
+              <a:t> -s </a:t>
+            </a:r>
+            <a:r>
+              <a:rPr lang="en-US" altLang="zh-CN" dirty="0" smtClean="0">
+                <a:latin typeface="Source Code Pro" charset="0"/>
+                <a:ea typeface="Source Code Pro" charset="0"/>
+                <a:cs typeface="Source Code Pro" charset="0"/>
+              </a:rPr>
+              <a:t>&lt;</a:t>
+            </a:r>
+            <a:r>
+              <a:rPr lang="zh-CN" altLang="en-US" dirty="0" smtClean="0">
+                <a:latin typeface="Source Code Pro" charset="0"/>
+                <a:ea typeface="Source Code Pro" charset="0"/>
+                <a:cs typeface="Source Code Pro" charset="0"/>
+              </a:rPr>
+              <a:t>镜像地址</a:t>
+            </a:r>
+            <a:r>
+              <a:rPr lang="en-US" altLang="zh-CN" dirty="0" smtClean="0">
+                <a:latin typeface="Source Code Pro" charset="0"/>
+                <a:ea typeface="Source Code Pro" charset="0"/>
+                <a:cs typeface="Source Code Pro" charset="0"/>
+              </a:rPr>
+              <a:t>&gt;</a:t>
+            </a:r>
+            <a:endParaRPr kumimoji="1" lang="en-US" altLang="zh-CN" dirty="0">
+              <a:latin typeface="Source Code Pro" charset="0"/>
+              <a:ea typeface="Source Code Pro" charset="0"/>
+              <a:cs typeface="Source Code Pro" charset="0"/>
+            </a:endParaRPr>
           </a:p>
         </p:txBody>
       </p:sp>
@@ -4873,48 +5252,89 @@
           <a:lstStyle/>
           <a:p>
             <a:r>
-              <a:rPr kumimoji="1" lang="en-US" altLang="zh-CN" dirty="0" smtClean="0"/>
-              <a:t>All</a:t>
-            </a:r>
-            <a:r>
               <a:rPr kumimoji="1" lang="zh-CN" altLang="en-US" dirty="0" smtClean="0"/>
-              <a:t> </a:t>
-            </a:r>
-            <a:r>
-              <a:rPr kumimoji="1" lang="en-US" altLang="zh-CN" dirty="0" smtClean="0"/>
-              <a:t>in</a:t>
+              <a:t>可用的镜像</a:t>
+            </a:r>
+            <a:endParaRPr kumimoji="1" lang="zh-CN" altLang="en-US" dirty="0"/>
+          </a:p>
+        </p:txBody>
+      </p:sp>
+      <p:sp>
+        <p:nvSpPr>
+          <p:cNvPr id="3" name="内容占位符 2"/>
+          <p:cNvSpPr>
+            <a:spLocks noGrp="1"/>
+          </p:cNvSpPr>
+          <p:nvPr>
+            <p:ph idx="1"/>
+          </p:nvPr>
+        </p:nvSpPr>
+        <p:spPr/>
+        <p:txBody>
+          <a:bodyPr/>
+          <a:lstStyle/>
+          <a:p>
+            <a:r>
+              <a:rPr kumimoji="1" lang="en-US" altLang="zh-CN" dirty="0" err="1" smtClean="0"/>
+              <a:t>DaoCloud</a:t>
             </a:r>
             <a:r>
               <a:rPr kumimoji="1" lang="zh-CN" altLang="en-US" dirty="0" smtClean="0"/>
-              <a:t> </a:t>
-            </a:r>
-            <a:r>
-              <a:rPr kumimoji="1" lang="en-US" altLang="zh-CN" dirty="0" smtClean="0"/>
-              <a:t>One</a:t>
-            </a:r>
+              <a:t>：</a:t>
+            </a:r>
+            <a:r>
+              <a:rPr lang="en-US" altLang="zh-CN" dirty="0">
+                <a:hlinkClick r:id="rId2"/>
+              </a:rPr>
+              <a:t>https://</a:t>
+            </a:r>
+            <a:r>
+              <a:rPr lang="en-US" altLang="zh-CN" dirty="0" smtClean="0">
+                <a:hlinkClick r:id="rId2"/>
+              </a:rPr>
+              <a:t>www.daocloud.io/mirror.html</a:t>
+            </a:r>
+            <a:endParaRPr lang="en-US" altLang="zh-CN" dirty="0" smtClean="0"/>
+          </a:p>
+          <a:p>
             <a:r>
               <a:rPr kumimoji="1" lang="zh-CN" altLang="en-US" dirty="0" smtClean="0"/>
-              <a:t> 脚本</a:t>
-            </a:r>
-            <a:endParaRPr kumimoji="1" lang="zh-CN" altLang="en-US" dirty="0"/>
-          </a:p>
-        </p:txBody>
-      </p:sp>
-      <p:sp>
-        <p:nvSpPr>
-          <p:cNvPr id="3" name="内容占位符 2"/>
-          <p:cNvSpPr>
-            <a:spLocks noGrp="1"/>
-          </p:cNvSpPr>
-          <p:nvPr>
-            <p:ph idx="1"/>
-          </p:nvPr>
-        </p:nvSpPr>
-        <p:spPr/>
-        <p:txBody>
-          <a:bodyPr/>
-          <a:lstStyle/>
-          <a:p>
+              <a:t>阿里云：去</a:t>
+            </a:r>
+            <a:r>
+              <a:rPr kumimoji="1" lang="en-US" altLang="zh-CN" dirty="0">
+                <a:hlinkClick r:id="rId3"/>
+              </a:rPr>
+              <a:t>https://cr.console.aliyun.com/#/</a:t>
+            </a:r>
+            <a:r>
+              <a:rPr kumimoji="1" lang="en-US" altLang="zh-CN" dirty="0" smtClean="0">
+                <a:hlinkClick r:id="rId3"/>
+              </a:rPr>
+              <a:t>accelerator</a:t>
+            </a:r>
+            <a:r>
+              <a:rPr kumimoji="1" lang="zh-CN" altLang="en-US" dirty="0" smtClean="0"/>
+              <a:t> 注册</a:t>
+            </a:r>
+            <a:endParaRPr kumimoji="1" lang="en-US" altLang="zh-CN" dirty="0" smtClean="0"/>
+          </a:p>
+          <a:p>
+            <a:endParaRPr kumimoji="1" lang="en-US" altLang="zh-CN" dirty="0" smtClean="0"/>
+          </a:p>
+          <a:p>
+            <a:r>
+              <a:rPr kumimoji="1" lang="zh-CN" altLang="en-US" dirty="0" smtClean="0"/>
+              <a:t>阿里云使用比较麻烦，建议直接用</a:t>
+            </a:r>
+            <a:r>
+              <a:rPr kumimoji="1" lang="en-US" altLang="zh-CN" dirty="0" err="1" smtClean="0"/>
+              <a:t>DaoCloud</a:t>
+            </a:r>
+            <a:r>
+              <a:rPr kumimoji="1" lang="zh-CN" altLang="en-US" dirty="0" smtClean="0"/>
+              <a:t>的镜像</a:t>
+            </a:r>
             <a:endParaRPr kumimoji="1" lang="zh-CN" altLang="en-US" dirty="0"/>
           </a:p>
         </p:txBody>
@@ -4922,20 +5342,13 @@
     </p:spTree>
     <p:extLst>
       <p:ext uri="{BB962C8B-B14F-4D97-AF65-F5344CB8AC3E}">
-        <p14:creationId xmlns:p14="http://schemas.microsoft.com/office/powerpoint/2010/main" val="1967737062"/>
+        <p14:creationId xmlns:p14="http://schemas.microsoft.com/office/powerpoint/2010/main" val="2015556089"/>
       </p:ext>
     </p:extLst>
   </p:cSld>
   <p:clrMapOvr>
     <a:masterClrMapping/>
   </p:clrMapOvr>
-  <p:timing>
-    <p:tnLst>
-      <p:par>
-        <p:cTn id="1" dur="indefinite" restart="never" nodeType="tmRoot"/>
-      </p:par>
-    </p:tnLst>
-  </p:timing>
 </p:sld>
 </file>
 
@@ -4972,16 +5385,28 @@
           <a:lstStyle/>
           <a:p>
             <a:r>
+              <a:rPr kumimoji="1" lang="en-US" altLang="zh-CN" dirty="0" smtClean="0"/>
+              <a:t>All</a:t>
+            </a:r>
+            <a:r>
               <a:rPr kumimoji="1" lang="zh-CN" altLang="en-US" dirty="0" smtClean="0"/>
-              <a:t>过去 </a:t>
+              <a:t> </a:t>
             </a:r>
             <a:r>
               <a:rPr kumimoji="1" lang="en-US" altLang="zh-CN" dirty="0" smtClean="0"/>
-              <a:t>vs</a:t>
+              <a:t>in</a:t>
             </a:r>
             <a:r>
               <a:rPr kumimoji="1" lang="zh-CN" altLang="en-US" dirty="0" smtClean="0"/>
-              <a:t> 未来</a:t>
+              <a:t> </a:t>
+            </a:r>
+            <a:r>
+              <a:rPr kumimoji="1" lang="en-US" altLang="zh-CN" dirty="0" smtClean="0"/>
+              <a:t>One</a:t>
+            </a:r>
+            <a:r>
+              <a:rPr kumimoji="1" lang="zh-CN" altLang="en-US" dirty="0" smtClean="0"/>
+              <a:t> 脚本</a:t>
             </a:r>
             <a:endParaRPr kumimoji="1" lang="zh-CN" altLang="en-US" dirty="0"/>
           </a:p>
@@ -4989,12 +5414,12 @@
       </p:sp>
       <p:sp>
         <p:nvSpPr>
-          <p:cNvPr id="3" name="文本占位符 2"/>
-          <p:cNvSpPr>
-            <a:spLocks noGrp="1"/>
-          </p:cNvSpPr>
-          <p:nvPr>
-            <p:ph type="body" idx="1"/>
+          <p:cNvPr id="3" name="内容占位符 2"/>
+          <p:cNvSpPr>
+            <a:spLocks noGrp="1"/>
+          </p:cNvSpPr>
+          <p:nvPr>
+            <p:ph idx="1"/>
           </p:nvPr>
         </p:nvSpPr>
         <p:spPr/>
@@ -5002,14 +5427,88 @@
           <a:bodyPr/>
           <a:lstStyle/>
           <a:p>
-            <a:endParaRPr kumimoji="1" lang="zh-CN" altLang="en-US"/>
+            <a:r>
+              <a:rPr kumimoji="1" lang="en-US" altLang="zh-CN" dirty="0" smtClean="0"/>
+              <a:t>Repo</a:t>
+            </a:r>
+            <a:r>
+              <a:rPr kumimoji="1" lang="zh-CN" altLang="en-US" dirty="0" smtClean="0"/>
+              <a:t>中附带了一个</a:t>
+            </a:r>
+            <a:r>
+              <a:rPr kumimoji="1" lang="en-US" altLang="zh-CN" dirty="0" smtClean="0"/>
+              <a:t>All</a:t>
+            </a:r>
+            <a:r>
+              <a:rPr kumimoji="1" lang="zh-CN" altLang="en-US" dirty="0" smtClean="0"/>
+              <a:t> </a:t>
+            </a:r>
+            <a:r>
+              <a:rPr kumimoji="1" lang="en-US" altLang="zh-CN" dirty="0" smtClean="0"/>
+              <a:t>in</a:t>
+            </a:r>
+            <a:r>
+              <a:rPr kumimoji="1" lang="zh-CN" altLang="en-US" dirty="0" smtClean="0"/>
+              <a:t>脚本，一键搞定从安装和修改镜像，</a:t>
+            </a:r>
+            <a:endParaRPr kumimoji="1" lang="en-US" altLang="zh-CN" dirty="0" smtClean="0"/>
+          </a:p>
+          <a:p>
+            <a:r>
+              <a:rPr kumimoji="1" lang="zh-CN" altLang="en-US" dirty="0" smtClean="0"/>
+              <a:t>可以自由选择 “模拟手动安装”，或使用各种第三方脚本</a:t>
+            </a:r>
+            <a:endParaRPr kumimoji="1" lang="en-US" altLang="zh-CN" dirty="0" smtClean="0"/>
+          </a:p>
+          <a:p>
+            <a:r>
+              <a:rPr kumimoji="1" lang="zh-CN" altLang="en-US" dirty="0" smtClean="0"/>
+              <a:t>支持</a:t>
+            </a:r>
+            <a:r>
+              <a:rPr kumimoji="1" lang="en-US" altLang="zh-CN" dirty="0" smtClean="0"/>
+              <a:t>CentOS</a:t>
+            </a:r>
+            <a:r>
+              <a:rPr kumimoji="1" lang="zh-CN" altLang="en-US" dirty="0" smtClean="0"/>
+              <a:t> </a:t>
+            </a:r>
+            <a:r>
+              <a:rPr kumimoji="1" lang="en-US" altLang="zh-CN" dirty="0" smtClean="0"/>
+              <a:t>7</a:t>
+            </a:r>
+            <a:r>
+              <a:rPr kumimoji="1" lang="zh-CN" altLang="en-US" dirty="0" smtClean="0"/>
+              <a:t>、</a:t>
+            </a:r>
+            <a:r>
+              <a:rPr kumimoji="1" lang="en-US" altLang="zh-CN" dirty="0" smtClean="0"/>
+              <a:t>Ubuntu</a:t>
+            </a:r>
+            <a:r>
+              <a:rPr kumimoji="1" lang="zh-CN" altLang="en-US" dirty="0" smtClean="0"/>
+              <a:t> </a:t>
+            </a:r>
+            <a:r>
+              <a:rPr kumimoji="1" lang="en-US" altLang="zh-CN" dirty="0" smtClean="0"/>
+              <a:t>16.04</a:t>
+            </a:r>
+            <a:r>
+              <a:rPr kumimoji="1" lang="zh-CN" altLang="en-US" dirty="0" smtClean="0"/>
+              <a:t> </a:t>
+            </a:r>
+            <a:r>
+              <a:rPr kumimoji="1" lang="en-US" altLang="zh-CN" dirty="0" smtClean="0"/>
+              <a:t>LTS</a:t>
+            </a:r>
+            <a:endParaRPr kumimoji="1" lang="zh-CN" altLang="en-US" dirty="0"/>
           </a:p>
         </p:txBody>
       </p:sp>
     </p:spTree>
     <p:extLst>
       <p:ext uri="{BB962C8B-B14F-4D97-AF65-F5344CB8AC3E}">
-        <p14:creationId xmlns:p14="http://schemas.microsoft.com/office/powerpoint/2010/main" val="834681882"/>
+        <p14:creationId xmlns:p14="http://schemas.microsoft.com/office/powerpoint/2010/main" val="1967737062"/>
       </p:ext>
     </p:extLst>
   </p:cSld>
@@ -5059,8 +5558,8 @@
           <a:lstStyle/>
           <a:p>
             <a:r>
-              <a:rPr kumimoji="1" lang="en-US" altLang="zh-CN" dirty="0" smtClean="0"/>
-              <a:t>Storage Driver</a:t>
+              <a:rPr kumimoji="1" lang="zh-CN" altLang="en-US" dirty="0" smtClean="0"/>
+              <a:t>黑历史</a:t>
             </a:r>
             <a:endParaRPr kumimoji="1" lang="zh-CN" altLang="en-US" dirty="0"/>
           </a:p>
@@ -5068,12 +5567,12 @@
       </p:sp>
       <p:sp>
         <p:nvSpPr>
-          <p:cNvPr id="3" name="内容占位符 2"/>
-          <p:cNvSpPr>
-            <a:spLocks noGrp="1"/>
-          </p:cNvSpPr>
-          <p:nvPr>
-            <p:ph idx="1"/>
+          <p:cNvPr id="3" name="文本占位符 2"/>
+          <p:cNvSpPr>
+            <a:spLocks noGrp="1"/>
+          </p:cNvSpPr>
+          <p:nvPr>
+            <p:ph type="body" idx="1"/>
           </p:nvPr>
         </p:nvSpPr>
         <p:spPr/>
@@ -5088,7 +5587,7 @@
     </p:spTree>
     <p:extLst>
       <p:ext uri="{BB962C8B-B14F-4D97-AF65-F5344CB8AC3E}">
-        <p14:creationId xmlns:p14="http://schemas.microsoft.com/office/powerpoint/2010/main" val="641855112"/>
+        <p14:creationId xmlns:p14="http://schemas.microsoft.com/office/powerpoint/2010/main" val="834681882"/>
       </p:ext>
     </p:extLst>
   </p:cSld>
@@ -5124,7 +5623,7 @@
       </p:grpSpPr>
       <p:sp>
         <p:nvSpPr>
-          <p:cNvPr id="2" name="标题 1"/>
+          <p:cNvPr id="4" name="标题 3"/>
           <p:cNvSpPr>
             <a:spLocks noGrp="1"/>
           </p:cNvSpPr>
@@ -5138,62 +5637,96 @@
           <a:lstStyle/>
           <a:p>
             <a:r>
+              <a:rPr kumimoji="1" lang="zh-CN" altLang="en-US" dirty="0" smtClean="0"/>
+              <a:t>内核支持</a:t>
+            </a:r>
+            <a:endParaRPr kumimoji="1" lang="zh-CN" altLang="en-US" dirty="0"/>
+          </a:p>
+        </p:txBody>
+      </p:sp>
+      <p:sp>
+        <p:nvSpPr>
+          <p:cNvPr id="5" name="内容占位符 4"/>
+          <p:cNvSpPr>
+            <a:spLocks noGrp="1"/>
+          </p:cNvSpPr>
+          <p:nvPr>
+            <p:ph idx="1"/>
+          </p:nvPr>
+        </p:nvSpPr>
+        <p:spPr/>
+        <p:txBody>
+          <a:bodyPr/>
+          <a:lstStyle/>
+          <a:p>
+            <a:r>
+              <a:rPr kumimoji="1" lang="zh-CN" altLang="en-US" dirty="0" smtClean="0"/>
+              <a:t>最低需要</a:t>
+            </a:r>
+            <a:r>
               <a:rPr kumimoji="1" lang="en-US" altLang="zh-CN" dirty="0" smtClean="0"/>
-              <a:t>Docker CE</a:t>
-            </a:r>
-            <a:endParaRPr kumimoji="1" lang="zh-CN" altLang="en-US" dirty="0"/>
-          </a:p>
-        </p:txBody>
-      </p:sp>
-      <p:sp>
-        <p:nvSpPr>
-          <p:cNvPr id="3" name="内容占位符 2"/>
-          <p:cNvSpPr>
-            <a:spLocks noGrp="1"/>
-          </p:cNvSpPr>
-          <p:nvPr>
-            <p:ph idx="1"/>
-          </p:nvPr>
-        </p:nvSpPr>
-        <p:spPr/>
-        <p:txBody>
-          <a:bodyPr/>
-          <a:lstStyle/>
-          <a:p>
+              <a:t>3.10</a:t>
+            </a:r>
+            <a:r>
+              <a:rPr kumimoji="1" lang="zh-CN" altLang="en-US" dirty="0" smtClean="0"/>
+              <a:t>，所以</a:t>
+            </a:r>
             <a:r>
               <a:rPr kumimoji="1" lang="en-US" altLang="zh-CN" dirty="0" smtClean="0"/>
-              <a:t>2017</a:t>
+              <a:t>RHEL</a:t>
             </a:r>
             <a:r>
               <a:rPr kumimoji="1" lang="zh-CN" altLang="en-US" dirty="0" smtClean="0"/>
-              <a:t>年</a:t>
+              <a:t>需要</a:t>
             </a:r>
             <a:r>
               <a:rPr kumimoji="1" lang="en-US" altLang="zh-CN" dirty="0" smtClean="0"/>
-              <a:t>2</a:t>
+              <a:t>7</a:t>
             </a:r>
             <a:r>
               <a:rPr kumimoji="1" lang="zh-CN" altLang="en-US" dirty="0" smtClean="0"/>
-              <a:t>月，</a:t>
+              <a:t>以上</a:t>
+            </a:r>
+            <a:endParaRPr kumimoji="1" lang="en-US" altLang="zh-CN" dirty="0"/>
+          </a:p>
+          <a:p>
+            <a:r>
+              <a:rPr kumimoji="1" lang="zh-CN" altLang="en-US" dirty="0" smtClean="0"/>
+              <a:t>但是</a:t>
+            </a:r>
+            <a:r>
+              <a:rPr kumimoji="1" lang="en-US" altLang="zh-CN" dirty="0" smtClean="0"/>
+              <a:t>RHEL</a:t>
+            </a:r>
+            <a:r>
+              <a:rPr kumimoji="1" lang="zh-CN" altLang="en-US" dirty="0" smtClean="0"/>
+              <a:t>系列做了</a:t>
+            </a:r>
+            <a:r>
+              <a:rPr kumimoji="1" lang="en-US" altLang="zh-CN" dirty="0" smtClean="0"/>
+              <a:t>backport</a:t>
+            </a:r>
+            <a:r>
+              <a:rPr kumimoji="1" lang="zh-CN" altLang="en-US" dirty="0" smtClean="0"/>
+              <a:t>，</a:t>
+            </a:r>
+            <a:r>
+              <a:rPr kumimoji="1" lang="en-US" altLang="zh-CN" dirty="0" smtClean="0"/>
+              <a:t>RHEL6</a:t>
+            </a:r>
+            <a:r>
+              <a:rPr kumimoji="1" lang="zh-CN" altLang="en-US" dirty="0" smtClean="0"/>
+              <a:t>也可以使用</a:t>
             </a:r>
             <a:r>
               <a:rPr kumimoji="1" lang="en-US" altLang="zh-CN" dirty="0" smtClean="0"/>
               <a:t>Docker</a:t>
             </a:r>
-            <a:r>
-              <a:rPr kumimoji="1" lang="zh-CN" altLang="en-US" dirty="0" smtClean="0"/>
-              <a:t>发布了企业版（</a:t>
-            </a:r>
-            <a:r>
-              <a:rPr kumimoji="1" lang="en-US" altLang="zh-CN" dirty="0" smtClean="0">
-                <a:hlinkClick r:id="rId2"/>
-              </a:rPr>
-              <a:t>ANNOUNCING DOCKER ENTERPRISE EDITION</a:t>
-            </a:r>
-            <a:r>
-              <a:rPr kumimoji="1" lang="zh-CN" altLang="en-US" dirty="0" smtClean="0"/>
-              <a:t>）</a:t>
-            </a:r>
+          </a:p>
+          <a:p>
+            <a:endParaRPr kumimoji="1" lang="en-US" altLang="zh-CN" dirty="0" smtClean="0"/>
+          </a:p>
+          <a:p>
             <a:endParaRPr kumimoji="1" lang="zh-CN" altLang="en-US" dirty="0"/>
           </a:p>
         </p:txBody>
@@ -5201,20 +5734,13 @@
     </p:spTree>
     <p:extLst>
       <p:ext uri="{BB962C8B-B14F-4D97-AF65-F5344CB8AC3E}">
-        <p14:creationId xmlns:p14="http://schemas.microsoft.com/office/powerpoint/2010/main" val="448356913"/>
+        <p14:creationId xmlns:p14="http://schemas.microsoft.com/office/powerpoint/2010/main" val="927064857"/>
       </p:ext>
     </p:extLst>
   </p:cSld>
   <p:clrMapOvr>
     <a:masterClrMapping/>
   </p:clrMapOvr>
-  <p:timing>
-    <p:tnLst>
-      <p:par>
-        <p:cTn id="1" dur="indefinite" restart="never" nodeType="tmRoot"/>
-      </p:par>
-    </p:tnLst>
-  </p:timing>
 </p:sld>
 </file>
 
@@ -5251,40 +5777,121 @@
           <a:lstStyle/>
           <a:p>
             <a:r>
+              <a:rPr kumimoji="1" lang="en-US" altLang="zh-CN" dirty="0" smtClean="0"/>
+              <a:t>Storage Driver</a:t>
+            </a:r>
+            <a:endParaRPr kumimoji="1" lang="zh-CN" altLang="en-US" dirty="0"/>
+          </a:p>
+        </p:txBody>
+      </p:sp>
+      <p:sp>
+        <p:nvSpPr>
+          <p:cNvPr id="3" name="内容占位符 2"/>
+          <p:cNvSpPr>
+            <a:spLocks noGrp="1"/>
+          </p:cNvSpPr>
+          <p:nvPr>
+            <p:ph idx="1"/>
+          </p:nvPr>
+        </p:nvSpPr>
+        <p:spPr/>
+        <p:txBody>
+          <a:bodyPr/>
+          <a:lstStyle/>
+          <a:p>
+            <a:r>
+              <a:rPr kumimoji="1" lang="en-US" altLang="zh-CN" dirty="0" smtClean="0"/>
+              <a:t>AUFS</a:t>
+            </a:r>
+            <a:r>
               <a:rPr kumimoji="1" lang="zh-CN" altLang="en-US" dirty="0" smtClean="0"/>
-              <a:t>在生产环境使用</a:t>
+              <a:t>不稳定，在</a:t>
             </a:r>
             <a:r>
               <a:rPr kumimoji="1" lang="en-US" altLang="zh-CN" dirty="0" smtClean="0"/>
-              <a:t>Docker</a:t>
-            </a:r>
+              <a:t>3.x</a:t>
+            </a:r>
+            <a:r>
+              <a:rPr kumimoji="1" lang="zh-CN" altLang="en-US" dirty="0" smtClean="0"/>
+              <a:t>内核中经常挂掉，且每个版本症状都不太一样。而</a:t>
+            </a:r>
+            <a:r>
+              <a:rPr kumimoji="1" lang="en-US" altLang="zh-CN" dirty="0" smtClean="0"/>
+              <a:t>4.x</a:t>
+            </a:r>
+            <a:r>
+              <a:rPr kumimoji="1" lang="zh-CN" altLang="en-US" dirty="0" smtClean="0"/>
+              <a:t>内核</a:t>
+            </a:r>
+            <a:r>
+              <a:rPr kumimoji="1" lang="zh-CN" altLang="en-US" dirty="0" smtClean="0"/>
+              <a:t>不再支持</a:t>
+            </a:r>
+            <a:r>
+              <a:rPr kumimoji="1" lang="en-US" altLang="zh-CN" dirty="0" smtClean="0"/>
+              <a:t>AUFS</a:t>
+            </a:r>
+            <a:r>
+              <a:rPr kumimoji="1" lang="zh-CN" altLang="en-US" dirty="0" smtClean="0"/>
+              <a:t>（大写的尴尬</a:t>
+            </a:r>
+            <a:endParaRPr kumimoji="1" lang="en-US" altLang="zh-CN" dirty="0" smtClean="0"/>
+          </a:p>
+          <a:p>
+            <a:r>
+              <a:rPr kumimoji="1" lang="en-US" altLang="zh-CN" dirty="0" err="1" smtClean="0"/>
+              <a:t>OverlayFS</a:t>
+            </a:r>
+            <a:r>
+              <a:rPr kumimoji="1" lang="zh-CN" altLang="en-US" dirty="0" smtClean="0"/>
+              <a:t>夭折</a:t>
+            </a:r>
+            <a:endParaRPr kumimoji="1" lang="en-US" altLang="zh-CN" dirty="0" smtClean="0"/>
+          </a:p>
+          <a:p>
+            <a:r>
+              <a:rPr kumimoji="1" lang="en-US" altLang="zh-CN" dirty="0" smtClean="0"/>
+              <a:t>Overlay2</a:t>
+            </a:r>
+            <a:r>
+              <a:rPr kumimoji="1" lang="zh-CN" altLang="en-US" dirty="0" smtClean="0"/>
+              <a:t>尚不成熟，</a:t>
+            </a:r>
+            <a:r>
+              <a:rPr kumimoji="1" lang="en-US" altLang="zh-CN" dirty="0" smtClean="0"/>
+              <a:t>4.x</a:t>
+            </a:r>
+            <a:r>
+              <a:rPr kumimoji="1" lang="zh-CN" altLang="en-US" dirty="0" smtClean="0"/>
+              <a:t>内核没有广泛使用</a:t>
+            </a:r>
+            <a:endParaRPr kumimoji="1" lang="en-US" altLang="zh-CN" dirty="0" smtClean="0"/>
+          </a:p>
+          <a:p>
+            <a:r>
+              <a:rPr kumimoji="1" lang="zh-CN" altLang="en-US" dirty="0" smtClean="0"/>
+              <a:t>挑选存储驱动很纠结，官方建议</a:t>
+            </a:r>
+            <a:r>
+              <a:rPr kumimoji="1" lang="zh-CN" altLang="en-US" dirty="0" smtClean="0">
+                <a:hlinkClick r:id="rId2"/>
+              </a:rPr>
+              <a:t>查表</a:t>
+            </a:r>
+            <a:endParaRPr kumimoji="1" lang="en-US" altLang="zh-CN" dirty="0" smtClean="0"/>
+          </a:p>
+          <a:p>
+            <a:endParaRPr kumimoji="1" lang="en-US" altLang="zh-CN" dirty="0" smtClean="0"/>
+          </a:p>
+          <a:p>
             <a:endParaRPr kumimoji="1" lang="zh-CN" altLang="en-US" dirty="0"/>
-          </a:p>
-        </p:txBody>
-      </p:sp>
-      <p:sp>
-        <p:nvSpPr>
-          <p:cNvPr id="3" name="文本占位符 2"/>
-          <p:cNvSpPr>
-            <a:spLocks noGrp="1"/>
-          </p:cNvSpPr>
-          <p:nvPr>
-            <p:ph type="body" idx="1"/>
-          </p:nvPr>
-        </p:nvSpPr>
-        <p:spPr/>
-        <p:txBody>
-          <a:bodyPr/>
-          <a:lstStyle/>
-          <a:p>
-            <a:endParaRPr kumimoji="1" lang="zh-CN" altLang="en-US"/>
           </a:p>
         </p:txBody>
       </p:sp>
     </p:spTree>
     <p:extLst>
       <p:ext uri="{BB962C8B-B14F-4D97-AF65-F5344CB8AC3E}">
-        <p14:creationId xmlns:p14="http://schemas.microsoft.com/office/powerpoint/2010/main" val="1566573868"/>
+        <p14:creationId xmlns:p14="http://schemas.microsoft.com/office/powerpoint/2010/main" val="641855112"/>
       </p:ext>
     </p:extLst>
   </p:cSld>
@@ -5335,7 +5942,7 @@
           <a:p>
             <a:r>
               <a:rPr kumimoji="1" lang="zh-CN" altLang="en-US" dirty="0" smtClean="0"/>
-              <a:t>参考引用</a:t>
+              <a:t>反复改名</a:t>
             </a:r>
             <a:endParaRPr kumimoji="1" lang="zh-CN" altLang="en-US" dirty="0"/>
           </a:p>
@@ -5357,68 +5964,102 @@
           <a:lstStyle/>
           <a:p>
             <a:r>
+              <a:rPr kumimoji="1" lang="en-US" altLang="zh-CN" dirty="0" smtClean="0"/>
+              <a:t>2015</a:t>
+            </a:r>
+            <a:r>
+              <a:rPr kumimoji="1" lang="zh-CN" altLang="en-US" dirty="0" smtClean="0"/>
+              <a:t>年，</a:t>
+            </a:r>
+            <a:r>
               <a:rPr kumimoji="1" lang="en-US" altLang="zh-CN" dirty="0" err="1" smtClean="0"/>
-              <a:t>GitBook</a:t>
+              <a:t>docker.io</a:t>
+            </a:r>
+            <a:r>
+              <a:rPr kumimoji="1" lang="en-US" altLang="zh-CN" dirty="0" smtClean="0"/>
+              <a:t> </a:t>
             </a:r>
             <a:r>
               <a:rPr kumimoji="1" lang="zh-CN" altLang="en-US" dirty="0" smtClean="0"/>
-              <a:t>：</a:t>
-            </a:r>
-            <a:r>
-              <a:rPr lang="en-US" altLang="zh-CN" dirty="0">
-                <a:hlinkClick r:id="rId2"/>
-              </a:rPr>
-              <a:t>Docker —— </a:t>
-            </a:r>
-            <a:r>
-              <a:rPr lang="zh-CN" altLang="en-US" dirty="0">
-                <a:hlinkClick r:id="rId2"/>
-              </a:rPr>
-              <a:t>从入门到</a:t>
-            </a:r>
-            <a:r>
-              <a:rPr lang="zh-CN" altLang="en-US" dirty="0" smtClean="0">
-                <a:hlinkClick r:id="rId2"/>
-              </a:rPr>
-              <a:t>实践</a:t>
-            </a:r>
-            <a:r>
-              <a:rPr lang="zh-CN" altLang="en-US" dirty="0" smtClean="0"/>
-              <a:t> （中文）</a:t>
-            </a:r>
-            <a:endParaRPr lang="en-US" altLang="zh-CN" dirty="0" smtClean="0"/>
-          </a:p>
-          <a:p>
-            <a:r>
-              <a:rPr lang="en-US" altLang="zh-CN" dirty="0" smtClean="0">
-                <a:hlinkClick r:id="rId3"/>
-              </a:rPr>
-              <a:t>Docker in Production: A History of Failure</a:t>
-            </a:r>
-            <a:endParaRPr lang="en-US" altLang="zh-CN" dirty="0" smtClean="0"/>
-          </a:p>
-          <a:p>
-            <a:endParaRPr lang="zh-CN" altLang="en-US" dirty="0"/>
+              <a:t>改名</a:t>
+            </a:r>
+            <a:r>
+              <a:rPr kumimoji="1" lang="en-US" altLang="zh-CN" dirty="0" smtClean="0"/>
+              <a:t> </a:t>
+            </a:r>
+            <a:r>
+              <a:rPr kumimoji="1" lang="en-US" altLang="zh-CN" dirty="0" err="1" smtClean="0"/>
+              <a:t>docker</a:t>
+            </a:r>
+            <a:r>
+              <a:rPr kumimoji="1" lang="en-US" altLang="zh-CN" dirty="0" smtClean="0"/>
+              <a:t>-engine,</a:t>
+            </a:r>
+            <a:r>
+              <a:rPr kumimoji="1" lang="zh-CN" altLang="en-US" dirty="0" smtClean="0"/>
+              <a:t>从</a:t>
+            </a:r>
+            <a:r>
+              <a:rPr kumimoji="1" lang="en-US" altLang="zh-CN" dirty="0" err="1" smtClean="0"/>
+              <a:t>Debian</a:t>
+            </a:r>
+            <a:r>
+              <a:rPr kumimoji="1" lang="zh-CN" altLang="en-US" dirty="0" smtClean="0"/>
+              <a:t>官方源中移除（然后自己搭了一套）</a:t>
+            </a:r>
+            <a:endParaRPr kumimoji="1" lang="en-US" altLang="zh-CN" dirty="0" smtClean="0"/>
+          </a:p>
+          <a:p>
+            <a:r>
+              <a:rPr kumimoji="1" lang="en-US" altLang="zh-CN" dirty="0" smtClean="0"/>
+              <a:t>2017</a:t>
+            </a:r>
+            <a:r>
+              <a:rPr kumimoji="1" lang="zh-CN" altLang="en-US" dirty="0" smtClean="0"/>
+              <a:t>年</a:t>
+            </a:r>
+            <a:r>
+              <a:rPr kumimoji="1" lang="en-US" altLang="zh-CN" dirty="0" smtClean="0"/>
+              <a:t>2</a:t>
+            </a:r>
+            <a:r>
+              <a:rPr kumimoji="1" lang="zh-CN" altLang="en-US" dirty="0" smtClean="0"/>
+              <a:t>月，</a:t>
+            </a:r>
+            <a:r>
+              <a:rPr kumimoji="1" lang="en-US" altLang="zh-CN" dirty="0" err="1" smtClean="0"/>
+              <a:t>docker</a:t>
+            </a:r>
+            <a:r>
+              <a:rPr kumimoji="1" lang="en-US" altLang="zh-CN" dirty="0" smtClean="0"/>
+              <a:t>-engine</a:t>
+            </a:r>
+            <a:r>
+              <a:rPr kumimoji="1" lang="zh-CN" altLang="en-US" dirty="0" smtClean="0"/>
+              <a:t>改名</a:t>
+            </a:r>
+            <a:r>
+              <a:rPr kumimoji="1" lang="en-US" altLang="zh-CN" dirty="0" err="1" smtClean="0"/>
+              <a:t>docker-ce</a:t>
+            </a:r>
+            <a:r>
+              <a:rPr kumimoji="1" lang="zh-CN" altLang="en-US" dirty="0" smtClean="0"/>
+              <a:t>，目前还处于两个名字都可以用的状态</a:t>
+            </a:r>
+            <a:endParaRPr kumimoji="1" lang="zh-CN" altLang="en-US" dirty="0"/>
           </a:p>
         </p:txBody>
       </p:sp>
     </p:spTree>
     <p:extLst>
       <p:ext uri="{BB962C8B-B14F-4D97-AF65-F5344CB8AC3E}">
-        <p14:creationId xmlns:p14="http://schemas.microsoft.com/office/powerpoint/2010/main" val="1341569638"/>
+        <p14:creationId xmlns:p14="http://schemas.microsoft.com/office/powerpoint/2010/main" val="60597055"/>
       </p:ext>
     </p:extLst>
   </p:cSld>
   <p:clrMapOvr>
     <a:masterClrMapping/>
   </p:clrMapOvr>
-  <p:timing>
-    <p:tnLst>
-      <p:par>
-        <p:cTn id="1" dur="indefinite" restart="never" nodeType="tmRoot"/>
-      </p:par>
-    </p:tnLst>
-  </p:timing>
 </p:sld>
 </file>
 
@@ -5490,11 +6131,7 @@
           <a:p>
             <a:r>
               <a:rPr kumimoji="1" lang="zh-CN" altLang="en-US" dirty="0" smtClean="0"/>
-              <a:t>演示：</a:t>
-            </a:r>
-            <a:r>
-              <a:rPr kumimoji="1" lang="zh-CN" altLang="en-US" dirty="0" smtClean="0"/>
-              <a:t>在</a:t>
+              <a:t>演示：在</a:t>
             </a:r>
             <a:r>
               <a:rPr kumimoji="1" lang="en-US" altLang="zh-CN" dirty="0" smtClean="0"/>
@@ -5547,6 +6184,2048 @@
     <p:extLst>
       <p:ext uri="{BB962C8B-B14F-4D97-AF65-F5344CB8AC3E}">
         <p14:creationId xmlns:p14="http://schemas.microsoft.com/office/powerpoint/2010/main" val="1777833112"/>
+      </p:ext>
+    </p:extLst>
+  </p:cSld>
+  <p:clrMapOvr>
+    <a:masterClrMapping/>
+  </p:clrMapOvr>
+  <p:timing>
+    <p:tnLst>
+      <p:par>
+        <p:cTn id="1" dur="indefinite" restart="never" nodeType="tmRoot"/>
+      </p:par>
+    </p:tnLst>
+  </p:timing>
+</p:sld>
+</file>
+
+<file path=ppt/slides/slide20.xml><?xml version="1.0" encoding="utf-8"?>
+<p:sld xmlns:a="http://schemas.openxmlformats.org/drawingml/2006/main" xmlns:r="http://schemas.openxmlformats.org/officeDocument/2006/relationships" xmlns:p="http://schemas.openxmlformats.org/presentationml/2006/main">
+  <p:cSld>
+    <p:spTree>
+      <p:nvGrpSpPr>
+        <p:cNvPr id="1" name=""/>
+        <p:cNvGrpSpPr/>
+        <p:nvPr/>
+      </p:nvGrpSpPr>
+      <p:grpSpPr>
+        <a:xfrm>
+          <a:off x="0" y="0"/>
+          <a:ext cx="0" cy="0"/>
+          <a:chOff x="0" y="0"/>
+          <a:chExt cx="0" cy="0"/>
+        </a:xfrm>
+      </p:grpSpPr>
+      <p:sp>
+        <p:nvSpPr>
+          <p:cNvPr id="2" name="标题 1"/>
+          <p:cNvSpPr>
+            <a:spLocks noGrp="1"/>
+          </p:cNvSpPr>
+          <p:nvPr>
+            <p:ph type="title"/>
+          </p:nvPr>
+        </p:nvSpPr>
+        <p:spPr/>
+        <p:txBody>
+          <a:bodyPr/>
+          <a:lstStyle/>
+          <a:p>
+            <a:r>
+              <a:rPr kumimoji="1" lang="en-US" altLang="zh-CN" dirty="0" smtClean="0"/>
+              <a:t>Release</a:t>
+            </a:r>
+            <a:r>
+              <a:rPr kumimoji="1" lang="zh-CN" altLang="en-US" dirty="0" smtClean="0"/>
+              <a:t> </a:t>
+            </a:r>
+            <a:r>
+              <a:rPr kumimoji="1" lang="en-US" altLang="zh-CN" dirty="0" smtClean="0"/>
+              <a:t>Cycle</a:t>
+            </a:r>
+            <a:endParaRPr kumimoji="1" lang="zh-CN" altLang="en-US" dirty="0"/>
+          </a:p>
+        </p:txBody>
+      </p:sp>
+      <p:sp>
+        <p:nvSpPr>
+          <p:cNvPr id="3" name="内容占位符 2"/>
+          <p:cNvSpPr>
+            <a:spLocks noGrp="1"/>
+          </p:cNvSpPr>
+          <p:nvPr>
+            <p:ph idx="1"/>
+          </p:nvPr>
+        </p:nvSpPr>
+        <p:spPr/>
+        <p:txBody>
+          <a:bodyPr/>
+          <a:lstStyle/>
+          <a:p>
+            <a:r>
+              <a:rPr kumimoji="1" lang="zh-CN" altLang="en-US" dirty="0" smtClean="0"/>
+              <a:t>早期</a:t>
+            </a:r>
+            <a:r>
+              <a:rPr kumimoji="1" lang="en-US" altLang="zh-CN" dirty="0" smtClean="0"/>
+              <a:t>Docker</a:t>
+            </a:r>
+            <a:r>
+              <a:rPr kumimoji="1" lang="zh-CN" altLang="en-US" dirty="0" smtClean="0"/>
+              <a:t>迭代迅速，没有</a:t>
+            </a:r>
+            <a:r>
+              <a:rPr kumimoji="1" lang="en-US" altLang="zh-CN" dirty="0" smtClean="0"/>
+              <a:t>LTS</a:t>
+            </a:r>
+            <a:r>
+              <a:rPr kumimoji="1" lang="zh-CN" altLang="en-US" dirty="0" smtClean="0"/>
+              <a:t>，单个版本的生命周期很短</a:t>
+            </a:r>
+            <a:endParaRPr kumimoji="1" lang="en-US" altLang="zh-CN" dirty="0" smtClean="0"/>
+          </a:p>
+          <a:p>
+            <a:r>
+              <a:rPr kumimoji="1" lang="en-US" altLang="zh-CN" dirty="0"/>
+              <a:t>2017</a:t>
+            </a:r>
+            <a:r>
+              <a:rPr kumimoji="1" lang="zh-CN" altLang="en-US" dirty="0"/>
+              <a:t>年</a:t>
+            </a:r>
+            <a:r>
+              <a:rPr kumimoji="1" lang="en-US" altLang="zh-CN" dirty="0"/>
+              <a:t>2</a:t>
+            </a:r>
+            <a:r>
+              <a:rPr kumimoji="1" lang="zh-CN" altLang="en-US" dirty="0"/>
+              <a:t>月，</a:t>
+            </a:r>
+            <a:r>
+              <a:rPr kumimoji="1" lang="en-US" altLang="zh-CN" dirty="0"/>
+              <a:t>Docker</a:t>
+            </a:r>
+            <a:r>
+              <a:rPr kumimoji="1" lang="zh-CN" altLang="en-US" dirty="0"/>
+              <a:t>发布了企业版（</a:t>
+            </a:r>
+            <a:r>
+              <a:rPr kumimoji="1" lang="en-US" altLang="zh-CN" dirty="0">
+                <a:hlinkClick r:id="rId2"/>
+              </a:rPr>
+              <a:t>ANNOUNCING DOCKER ENTERPRISE EDITION</a:t>
+            </a:r>
+            <a:r>
+              <a:rPr kumimoji="1" lang="zh-CN" altLang="en-US" dirty="0" smtClean="0"/>
+              <a:t>）</a:t>
+            </a:r>
+            <a:r>
+              <a:rPr kumimoji="1" lang="zh-CN" altLang="en-US" b="1" dirty="0" smtClean="0"/>
+              <a:t>可能</a:t>
+            </a:r>
+            <a:r>
+              <a:rPr kumimoji="1" lang="zh-CN" altLang="en-US" dirty="0" smtClean="0"/>
+              <a:t>会改变</a:t>
+            </a:r>
+            <a:r>
+              <a:rPr kumimoji="1" lang="en-US" altLang="zh-CN" dirty="0" smtClean="0"/>
+              <a:t>Release</a:t>
+            </a:r>
+            <a:r>
+              <a:rPr kumimoji="1" lang="zh-CN" altLang="en-US" dirty="0" smtClean="0"/>
+              <a:t> </a:t>
+            </a:r>
+            <a:r>
+              <a:rPr kumimoji="1" lang="en-US" altLang="zh-CN" dirty="0" smtClean="0"/>
+              <a:t>Cycle</a:t>
+            </a:r>
+            <a:r>
+              <a:rPr kumimoji="1" lang="zh-CN" altLang="en-US" dirty="0" smtClean="0"/>
+              <a:t>混乱的问题</a:t>
+            </a:r>
+            <a:endParaRPr kumimoji="1" lang="zh-CN" altLang="en-US" dirty="0"/>
+          </a:p>
+        </p:txBody>
+      </p:sp>
+    </p:spTree>
+    <p:extLst>
+      <p:ext uri="{BB962C8B-B14F-4D97-AF65-F5344CB8AC3E}">
+        <p14:creationId xmlns:p14="http://schemas.microsoft.com/office/powerpoint/2010/main" val="1341296058"/>
+      </p:ext>
+    </p:extLst>
+  </p:cSld>
+  <p:clrMapOvr>
+    <a:masterClrMapping/>
+  </p:clrMapOvr>
+</p:sld>
+</file>
+
+<file path=ppt/slides/slide21.xml><?xml version="1.0" encoding="utf-8"?>
+<p:sld xmlns:a="http://schemas.openxmlformats.org/drawingml/2006/main" xmlns:r="http://schemas.openxmlformats.org/officeDocument/2006/relationships" xmlns:p="http://schemas.openxmlformats.org/presentationml/2006/main">
+  <p:cSld>
+    <p:spTree>
+      <p:nvGrpSpPr>
+        <p:cNvPr id="1" name=""/>
+        <p:cNvGrpSpPr/>
+        <p:nvPr/>
+      </p:nvGrpSpPr>
+      <p:grpSpPr>
+        <a:xfrm>
+          <a:off x="0" y="0"/>
+          <a:ext cx="0" cy="0"/>
+          <a:chOff x="0" y="0"/>
+          <a:chExt cx="0" cy="0"/>
+        </a:xfrm>
+      </p:grpSpPr>
+      <p:sp>
+        <p:nvSpPr>
+          <p:cNvPr id="2" name="标题 1"/>
+          <p:cNvSpPr>
+            <a:spLocks noGrp="1"/>
+          </p:cNvSpPr>
+          <p:nvPr>
+            <p:ph type="title"/>
+          </p:nvPr>
+        </p:nvSpPr>
+        <p:spPr/>
+        <p:txBody>
+          <a:bodyPr/>
+          <a:lstStyle/>
+          <a:p>
+            <a:r>
+              <a:rPr kumimoji="1" lang="zh-CN" altLang="en-US" dirty="0" smtClean="0"/>
+              <a:t>不稳定</a:t>
+            </a:r>
+            <a:endParaRPr kumimoji="1" lang="zh-CN" altLang="en-US" dirty="0"/>
+          </a:p>
+        </p:txBody>
+      </p:sp>
+      <p:sp>
+        <p:nvSpPr>
+          <p:cNvPr id="3" name="内容占位符 2"/>
+          <p:cNvSpPr>
+            <a:spLocks noGrp="1"/>
+          </p:cNvSpPr>
+          <p:nvPr>
+            <p:ph idx="1"/>
+          </p:nvPr>
+        </p:nvSpPr>
+        <p:spPr/>
+        <p:txBody>
+          <a:bodyPr/>
+          <a:lstStyle/>
+          <a:p>
+            <a:r>
+              <a:rPr kumimoji="1" lang="en-US" altLang="zh-CN" dirty="0" smtClean="0"/>
+              <a:t>Container</a:t>
+            </a:r>
+            <a:r>
+              <a:rPr kumimoji="1" lang="zh-CN" altLang="en-US" dirty="0" smtClean="0"/>
+              <a:t>会挂</a:t>
+            </a:r>
+            <a:endParaRPr kumimoji="1" lang="en-US" altLang="zh-CN" dirty="0" smtClean="0"/>
+          </a:p>
+          <a:p>
+            <a:r>
+              <a:rPr kumimoji="1" lang="en-US" altLang="zh-CN" dirty="0" smtClean="0"/>
+              <a:t>Container</a:t>
+            </a:r>
+            <a:r>
+              <a:rPr kumimoji="1" lang="zh-CN" altLang="en-US" dirty="0" smtClean="0"/>
+              <a:t>挂掉可能会损失数据</a:t>
+            </a:r>
+            <a:endParaRPr kumimoji="1" lang="en-US" altLang="zh-CN" dirty="0" smtClean="0"/>
+          </a:p>
+          <a:p>
+            <a:r>
+              <a:rPr kumimoji="1" lang="en-US" altLang="zh-CN" dirty="0" smtClean="0"/>
+              <a:t>Container</a:t>
+            </a:r>
+            <a:r>
+              <a:rPr kumimoji="1" lang="zh-CN" altLang="en-US" dirty="0" smtClean="0"/>
+              <a:t>挂掉可能会把</a:t>
+            </a:r>
+            <a:r>
+              <a:rPr kumimoji="1" lang="en-US" altLang="zh-CN" dirty="0" smtClean="0"/>
+              <a:t>Host</a:t>
+            </a:r>
+            <a:r>
+              <a:rPr kumimoji="1" lang="zh-CN" altLang="en-US" dirty="0" smtClean="0"/>
+              <a:t>系统带挂</a:t>
+            </a:r>
+            <a:endParaRPr kumimoji="1" lang="zh-CN" altLang="en-US" dirty="0"/>
+          </a:p>
+        </p:txBody>
+      </p:sp>
+    </p:spTree>
+    <p:extLst>
+      <p:ext uri="{BB962C8B-B14F-4D97-AF65-F5344CB8AC3E}">
+        <p14:creationId xmlns:p14="http://schemas.microsoft.com/office/powerpoint/2010/main" val="82265908"/>
+      </p:ext>
+    </p:extLst>
+  </p:cSld>
+  <p:clrMapOvr>
+    <a:masterClrMapping/>
+  </p:clrMapOvr>
+  <p:timing>
+    <p:tnLst>
+      <p:par>
+        <p:cTn id="1" dur="indefinite" restart="never" nodeType="tmRoot"/>
+      </p:par>
+    </p:tnLst>
+  </p:timing>
+</p:sld>
+</file>
+
+<file path=ppt/slides/slide22.xml><?xml version="1.0" encoding="utf-8"?>
+<p:sld xmlns:a="http://schemas.openxmlformats.org/drawingml/2006/main" xmlns:r="http://schemas.openxmlformats.org/officeDocument/2006/relationships" xmlns:p="http://schemas.openxmlformats.org/presentationml/2006/main">
+  <p:cSld>
+    <p:spTree>
+      <p:nvGrpSpPr>
+        <p:cNvPr id="1" name=""/>
+        <p:cNvGrpSpPr/>
+        <p:nvPr/>
+      </p:nvGrpSpPr>
+      <p:grpSpPr>
+        <a:xfrm>
+          <a:off x="0" y="0"/>
+          <a:ext cx="0" cy="0"/>
+          <a:chOff x="0" y="0"/>
+          <a:chExt cx="0" cy="0"/>
+        </a:xfrm>
+      </p:grpSpPr>
+      <p:sp>
+        <p:nvSpPr>
+          <p:cNvPr id="2" name="标题 1"/>
+          <p:cNvSpPr>
+            <a:spLocks noGrp="1"/>
+          </p:cNvSpPr>
+          <p:nvPr>
+            <p:ph type="title"/>
+          </p:nvPr>
+        </p:nvSpPr>
+        <p:spPr/>
+        <p:txBody>
+          <a:bodyPr/>
+          <a:lstStyle/>
+          <a:p>
+            <a:r>
+              <a:rPr kumimoji="1" lang="zh-CN" altLang="en-US" dirty="0" smtClean="0"/>
+              <a:t>在生产环境使用</a:t>
+            </a:r>
+            <a:r>
+              <a:rPr kumimoji="1" lang="en-US" altLang="zh-CN" dirty="0" smtClean="0"/>
+              <a:t>Docker</a:t>
+            </a:r>
+            <a:endParaRPr kumimoji="1" lang="zh-CN" altLang="en-US" dirty="0"/>
+          </a:p>
+        </p:txBody>
+      </p:sp>
+      <p:sp>
+        <p:nvSpPr>
+          <p:cNvPr id="3" name="文本占位符 2"/>
+          <p:cNvSpPr>
+            <a:spLocks noGrp="1"/>
+          </p:cNvSpPr>
+          <p:nvPr>
+            <p:ph type="body" idx="1"/>
+          </p:nvPr>
+        </p:nvSpPr>
+        <p:spPr/>
+        <p:txBody>
+          <a:bodyPr/>
+          <a:lstStyle/>
+          <a:p>
+            <a:endParaRPr kumimoji="1" lang="zh-CN" altLang="en-US"/>
+          </a:p>
+        </p:txBody>
+      </p:sp>
+    </p:spTree>
+    <p:extLst>
+      <p:ext uri="{BB962C8B-B14F-4D97-AF65-F5344CB8AC3E}">
+        <p14:creationId xmlns:p14="http://schemas.microsoft.com/office/powerpoint/2010/main" val="1566573868"/>
+      </p:ext>
+    </p:extLst>
+  </p:cSld>
+  <p:clrMapOvr>
+    <a:masterClrMapping/>
+  </p:clrMapOvr>
+  <p:timing>
+    <p:tnLst>
+      <p:par>
+        <p:cTn id="1" dur="indefinite" restart="never" nodeType="tmRoot"/>
+      </p:par>
+    </p:tnLst>
+  </p:timing>
+</p:sld>
+</file>
+
+<file path=ppt/slides/slide23.xml><?xml version="1.0" encoding="utf-8"?>
+<p:sld xmlns:a="http://schemas.openxmlformats.org/drawingml/2006/main" xmlns:r="http://schemas.openxmlformats.org/officeDocument/2006/relationships" xmlns:p="http://schemas.openxmlformats.org/presentationml/2006/main">
+  <p:cSld>
+    <p:spTree>
+      <p:nvGrpSpPr>
+        <p:cNvPr id="1" name=""/>
+        <p:cNvGrpSpPr/>
+        <p:nvPr/>
+      </p:nvGrpSpPr>
+      <p:grpSpPr>
+        <a:xfrm>
+          <a:off x="0" y="0"/>
+          <a:ext cx="0" cy="0"/>
+          <a:chOff x="0" y="0"/>
+          <a:chExt cx="0" cy="0"/>
+        </a:xfrm>
+      </p:grpSpPr>
+      <p:sp>
+        <p:nvSpPr>
+          <p:cNvPr id="2" name="标题 1"/>
+          <p:cNvSpPr>
+            <a:spLocks noGrp="1"/>
+          </p:cNvSpPr>
+          <p:nvPr>
+            <p:ph type="title"/>
+          </p:nvPr>
+        </p:nvSpPr>
+        <p:spPr/>
+        <p:txBody>
+          <a:bodyPr/>
+          <a:lstStyle/>
+          <a:p>
+            <a:r>
+              <a:rPr kumimoji="1" lang="zh-CN" altLang="en-US" dirty="0" smtClean="0"/>
+              <a:t>禁忌</a:t>
+            </a:r>
+            <a:endParaRPr kumimoji="1" lang="zh-CN" altLang="en-US" dirty="0"/>
+          </a:p>
+        </p:txBody>
+      </p:sp>
+      <p:sp>
+        <p:nvSpPr>
+          <p:cNvPr id="3" name="内容占位符 2"/>
+          <p:cNvSpPr>
+            <a:spLocks noGrp="1"/>
+          </p:cNvSpPr>
+          <p:nvPr>
+            <p:ph idx="1"/>
+          </p:nvPr>
+        </p:nvSpPr>
+        <p:spPr/>
+        <p:txBody>
+          <a:bodyPr/>
+          <a:lstStyle/>
+          <a:p>
+            <a:r>
+              <a:rPr kumimoji="1" lang="zh-CN" altLang="en-US" dirty="0" smtClean="0"/>
+              <a:t>在</a:t>
+            </a:r>
+            <a:r>
+              <a:rPr kumimoji="1" lang="en-US" altLang="zh-CN" dirty="0" smtClean="0"/>
+              <a:t>Docker</a:t>
+            </a:r>
+            <a:r>
+              <a:rPr kumimoji="1" lang="zh-CN" altLang="en-US" dirty="0" smtClean="0"/>
+              <a:t>中存储数据，包括使用数据卷</a:t>
+            </a:r>
+            <a:endParaRPr kumimoji="1" lang="en-US" altLang="zh-CN" dirty="0" smtClean="0"/>
+          </a:p>
+          <a:p>
+            <a:r>
+              <a:rPr kumimoji="1" lang="zh-CN" altLang="en-US" dirty="0" smtClean="0"/>
+              <a:t>在</a:t>
+            </a:r>
+            <a:r>
+              <a:rPr kumimoji="1" lang="en-US" altLang="zh-CN" dirty="0" smtClean="0"/>
+              <a:t>Docker</a:t>
+            </a:r>
+            <a:r>
+              <a:rPr kumimoji="1" lang="zh-CN" altLang="en-US" dirty="0" smtClean="0"/>
+              <a:t>中运行需要保证稳定性的应用（如金融应用）</a:t>
+            </a:r>
+            <a:endParaRPr kumimoji="1" lang="en-US" altLang="zh-CN" dirty="0" smtClean="0"/>
+          </a:p>
+          <a:p>
+            <a:r>
+              <a:rPr kumimoji="1" lang="zh-CN" altLang="en-US" dirty="0" smtClean="0"/>
+              <a:t>在</a:t>
+            </a:r>
+            <a:r>
+              <a:rPr kumimoji="1" lang="en-US" altLang="zh-CN" dirty="0" smtClean="0"/>
+              <a:t>Docker</a:t>
+            </a:r>
+            <a:r>
+              <a:rPr kumimoji="1" lang="zh-CN" altLang="en-US" dirty="0" smtClean="0"/>
+              <a:t>中运行无法</a:t>
+            </a:r>
+            <a:r>
+              <a:rPr kumimoji="1" lang="en-US" altLang="zh-CN" dirty="0" smtClean="0"/>
+              <a:t>Scaling</a:t>
+            </a:r>
+            <a:r>
+              <a:rPr kumimoji="1" lang="zh-CN" altLang="en-US" dirty="0" smtClean="0"/>
+              <a:t>的应用</a:t>
+            </a:r>
+            <a:endParaRPr kumimoji="1" lang="en-US" altLang="zh-CN" dirty="0" smtClean="0"/>
+          </a:p>
+          <a:p>
+            <a:endParaRPr kumimoji="1" lang="zh-CN" altLang="en-US" dirty="0"/>
+          </a:p>
+        </p:txBody>
+      </p:sp>
+    </p:spTree>
+    <p:extLst>
+      <p:ext uri="{BB962C8B-B14F-4D97-AF65-F5344CB8AC3E}">
+        <p14:creationId xmlns:p14="http://schemas.microsoft.com/office/powerpoint/2010/main" val="859706331"/>
+      </p:ext>
+    </p:extLst>
+  </p:cSld>
+  <p:clrMapOvr>
+    <a:masterClrMapping/>
+  </p:clrMapOvr>
+  <p:timing>
+    <p:tnLst>
+      <p:par>
+        <p:cTn id="1" dur="indefinite" restart="never" nodeType="tmRoot"/>
+      </p:par>
+    </p:tnLst>
+  </p:timing>
+</p:sld>
+</file>
+
+<file path=ppt/slides/slide24.xml><?xml version="1.0" encoding="utf-8"?>
+<p:sld xmlns:a="http://schemas.openxmlformats.org/drawingml/2006/main" xmlns:r="http://schemas.openxmlformats.org/officeDocument/2006/relationships" xmlns:p="http://schemas.openxmlformats.org/presentationml/2006/main">
+  <p:cSld>
+    <p:spTree>
+      <p:nvGrpSpPr>
+        <p:cNvPr id="1" name=""/>
+        <p:cNvGrpSpPr/>
+        <p:nvPr/>
+      </p:nvGrpSpPr>
+      <p:grpSpPr>
+        <a:xfrm>
+          <a:off x="0" y="0"/>
+          <a:ext cx="0" cy="0"/>
+          <a:chOff x="0" y="0"/>
+          <a:chExt cx="0" cy="0"/>
+        </a:xfrm>
+      </p:grpSpPr>
+      <p:sp>
+        <p:nvSpPr>
+          <p:cNvPr id="2" name="标题 1"/>
+          <p:cNvSpPr>
+            <a:spLocks noGrp="1"/>
+          </p:cNvSpPr>
+          <p:nvPr>
+            <p:ph type="title"/>
+          </p:nvPr>
+        </p:nvSpPr>
+        <p:spPr/>
+        <p:txBody>
+          <a:bodyPr/>
+          <a:lstStyle/>
+          <a:p>
+            <a:r>
+              <a:rPr kumimoji="1" lang="zh-CN" altLang="en-US" dirty="0" smtClean="0"/>
+              <a:t>适合使用</a:t>
+            </a:r>
+            <a:r>
+              <a:rPr kumimoji="1" lang="en-US" altLang="zh-CN" dirty="0" smtClean="0"/>
+              <a:t>Docker</a:t>
+            </a:r>
+            <a:r>
+              <a:rPr kumimoji="1" lang="zh-CN" altLang="en-US" dirty="0" smtClean="0"/>
+              <a:t>的场景</a:t>
+            </a:r>
+            <a:endParaRPr kumimoji="1" lang="zh-CN" altLang="en-US" dirty="0"/>
+          </a:p>
+        </p:txBody>
+      </p:sp>
+      <p:sp>
+        <p:nvSpPr>
+          <p:cNvPr id="4" name="罐形 3"/>
+          <p:cNvSpPr/>
+          <p:nvPr/>
+        </p:nvSpPr>
+        <p:spPr>
+          <a:xfrm>
+            <a:off x="838200" y="3013366"/>
+            <a:ext cx="1007076" cy="1210962"/>
+          </a:xfrm>
+          <a:prstGeom prst="can">
+            <a:avLst/>
+          </a:prstGeom>
+        </p:spPr>
+        <p:style>
+          <a:lnRef idx="3">
+            <a:schemeClr val="lt1"/>
+          </a:lnRef>
+          <a:fillRef idx="1">
+            <a:schemeClr val="accent6"/>
+          </a:fillRef>
+          <a:effectRef idx="1">
+            <a:schemeClr val="accent6"/>
+          </a:effectRef>
+          <a:fontRef idx="minor">
+            <a:schemeClr val="lt1"/>
+          </a:fontRef>
+        </p:style>
+        <p:txBody>
+          <a:bodyPr rtlCol="0" anchor="ctr"/>
+          <a:lstStyle/>
+          <a:p>
+            <a:pPr algn="ctr"/>
+            <a:r>
+              <a:rPr kumimoji="1" lang="en-US" altLang="zh-CN" smtClean="0"/>
+              <a:t>Data Service</a:t>
+            </a:r>
+            <a:endParaRPr kumimoji="1" lang="zh-CN" altLang="en-US" dirty="0"/>
+          </a:p>
+        </p:txBody>
+      </p:sp>
+      <p:sp>
+        <p:nvSpPr>
+          <p:cNvPr id="7" name="笑脸 6"/>
+          <p:cNvSpPr/>
+          <p:nvPr/>
+        </p:nvSpPr>
+        <p:spPr>
+          <a:xfrm>
+            <a:off x="10101649" y="3335230"/>
+            <a:ext cx="469557" cy="469557"/>
+          </a:xfrm>
+          <a:prstGeom prst="smileyFace">
+            <a:avLst/>
+          </a:prstGeom>
+        </p:spPr>
+        <p:style>
+          <a:lnRef idx="2">
+            <a:schemeClr val="accent4">
+              <a:shade val="50000"/>
+            </a:schemeClr>
+          </a:lnRef>
+          <a:fillRef idx="1">
+            <a:schemeClr val="accent4"/>
+          </a:fillRef>
+          <a:effectRef idx="0">
+            <a:schemeClr val="accent4"/>
+          </a:effectRef>
+          <a:fontRef idx="minor">
+            <a:schemeClr val="lt1"/>
+          </a:fontRef>
+        </p:style>
+        <p:txBody>
+          <a:bodyPr rtlCol="0" anchor="ctr"/>
+          <a:lstStyle/>
+          <a:p>
+            <a:pPr algn="ctr"/>
+            <a:endParaRPr kumimoji="1" lang="zh-CN" altLang="en-US"/>
+          </a:p>
+        </p:txBody>
+      </p:sp>
+      <p:cxnSp>
+        <p:nvCxnSpPr>
+          <p:cNvPr id="9" name="直线箭头连接符 8"/>
+          <p:cNvCxnSpPr>
+            <a:stCxn id="7" idx="2"/>
+            <a:endCxn id="6" idx="3"/>
+          </p:cNvCxnSpPr>
+          <p:nvPr/>
+        </p:nvCxnSpPr>
+        <p:spPr>
+          <a:xfrm flipH="1" flipV="1">
+            <a:off x="8390237" y="3570008"/>
+            <a:ext cx="1711412" cy="1"/>
+          </a:xfrm>
+          <a:prstGeom prst="straightConnector1">
+            <a:avLst/>
+          </a:prstGeom>
+          <a:ln>
+            <a:tailEnd type="triangle"/>
+          </a:ln>
+        </p:spPr>
+        <p:style>
+          <a:lnRef idx="1">
+            <a:schemeClr val="accent1"/>
+          </a:lnRef>
+          <a:fillRef idx="0">
+            <a:schemeClr val="accent1"/>
+          </a:fillRef>
+          <a:effectRef idx="0">
+            <a:schemeClr val="accent1"/>
+          </a:effectRef>
+          <a:fontRef idx="minor">
+            <a:schemeClr val="tx1"/>
+          </a:fontRef>
+        </p:style>
+      </p:cxnSp>
+      <p:sp>
+        <p:nvSpPr>
+          <p:cNvPr id="11" name="笑脸 10"/>
+          <p:cNvSpPr/>
+          <p:nvPr/>
+        </p:nvSpPr>
+        <p:spPr>
+          <a:xfrm>
+            <a:off x="10101648" y="2687595"/>
+            <a:ext cx="469557" cy="469557"/>
+          </a:xfrm>
+          <a:prstGeom prst="smileyFace">
+            <a:avLst/>
+          </a:prstGeom>
+        </p:spPr>
+        <p:style>
+          <a:lnRef idx="2">
+            <a:schemeClr val="accent4">
+              <a:shade val="50000"/>
+            </a:schemeClr>
+          </a:lnRef>
+          <a:fillRef idx="1">
+            <a:schemeClr val="accent4"/>
+          </a:fillRef>
+          <a:effectRef idx="0">
+            <a:schemeClr val="accent4"/>
+          </a:effectRef>
+          <a:fontRef idx="minor">
+            <a:schemeClr val="lt1"/>
+          </a:fontRef>
+        </p:style>
+        <p:txBody>
+          <a:bodyPr rtlCol="0" anchor="ctr"/>
+          <a:lstStyle/>
+          <a:p>
+            <a:pPr algn="ctr"/>
+            <a:endParaRPr kumimoji="1" lang="zh-CN" altLang="en-US"/>
+          </a:p>
+        </p:txBody>
+      </p:sp>
+      <p:sp>
+        <p:nvSpPr>
+          <p:cNvPr id="12" name="笑脸 11"/>
+          <p:cNvSpPr/>
+          <p:nvPr/>
+        </p:nvSpPr>
+        <p:spPr>
+          <a:xfrm>
+            <a:off x="10095469" y="2039959"/>
+            <a:ext cx="469557" cy="469557"/>
+          </a:xfrm>
+          <a:prstGeom prst="smileyFace">
+            <a:avLst/>
+          </a:prstGeom>
+        </p:spPr>
+        <p:style>
+          <a:lnRef idx="2">
+            <a:schemeClr val="accent4">
+              <a:shade val="50000"/>
+            </a:schemeClr>
+          </a:lnRef>
+          <a:fillRef idx="1">
+            <a:schemeClr val="accent4"/>
+          </a:fillRef>
+          <a:effectRef idx="0">
+            <a:schemeClr val="accent4"/>
+          </a:effectRef>
+          <a:fontRef idx="minor">
+            <a:schemeClr val="lt1"/>
+          </a:fontRef>
+        </p:style>
+        <p:txBody>
+          <a:bodyPr rtlCol="0" anchor="ctr"/>
+          <a:lstStyle/>
+          <a:p>
+            <a:pPr algn="ctr"/>
+            <a:endParaRPr kumimoji="1" lang="zh-CN" altLang="en-US"/>
+          </a:p>
+        </p:txBody>
+      </p:sp>
+      <p:sp>
+        <p:nvSpPr>
+          <p:cNvPr id="13" name="文本框 12"/>
+          <p:cNvSpPr txBox="1"/>
+          <p:nvPr/>
+        </p:nvSpPr>
+        <p:spPr>
+          <a:xfrm>
+            <a:off x="9967808" y="1624074"/>
+            <a:ext cx="724878" cy="369332"/>
+          </a:xfrm>
+          <a:prstGeom prst="rect">
+            <a:avLst/>
+          </a:prstGeom>
+          <a:noFill/>
+        </p:spPr>
+        <p:txBody>
+          <a:bodyPr wrap="none" rtlCol="0">
+            <a:spAutoFit/>
+          </a:bodyPr>
+          <a:lstStyle/>
+          <a:p>
+            <a:r>
+              <a:rPr kumimoji="1" lang="en-US" altLang="zh-CN" dirty="0" smtClean="0"/>
+              <a:t>Users</a:t>
+            </a:r>
+            <a:endParaRPr kumimoji="1" lang="zh-CN" altLang="en-US" dirty="0"/>
+          </a:p>
+        </p:txBody>
+      </p:sp>
+      <p:cxnSp>
+        <p:nvCxnSpPr>
+          <p:cNvPr id="14" name="直线箭头连接符 13"/>
+          <p:cNvCxnSpPr>
+            <a:stCxn id="12" idx="2"/>
+            <a:endCxn id="6" idx="3"/>
+          </p:cNvCxnSpPr>
+          <p:nvPr/>
+        </p:nvCxnSpPr>
+        <p:spPr>
+          <a:xfrm flipH="1">
+            <a:off x="8390237" y="2274738"/>
+            <a:ext cx="1705232" cy="1295270"/>
+          </a:xfrm>
+          <a:prstGeom prst="straightConnector1">
+            <a:avLst/>
+          </a:prstGeom>
+          <a:ln>
+            <a:tailEnd type="triangle"/>
+          </a:ln>
+        </p:spPr>
+        <p:style>
+          <a:lnRef idx="1">
+            <a:schemeClr val="accent1"/>
+          </a:lnRef>
+          <a:fillRef idx="0">
+            <a:schemeClr val="accent1"/>
+          </a:fillRef>
+          <a:effectRef idx="0">
+            <a:schemeClr val="accent1"/>
+          </a:effectRef>
+          <a:fontRef idx="minor">
+            <a:schemeClr val="tx1"/>
+          </a:fontRef>
+        </p:style>
+      </p:cxnSp>
+      <p:cxnSp>
+        <p:nvCxnSpPr>
+          <p:cNvPr id="15" name="直线箭头连接符 14"/>
+          <p:cNvCxnSpPr>
+            <a:stCxn id="11" idx="2"/>
+            <a:endCxn id="6" idx="3"/>
+          </p:cNvCxnSpPr>
+          <p:nvPr/>
+        </p:nvCxnSpPr>
+        <p:spPr>
+          <a:xfrm flipH="1">
+            <a:off x="8390237" y="2922374"/>
+            <a:ext cx="1711411" cy="647634"/>
+          </a:xfrm>
+          <a:prstGeom prst="straightConnector1">
+            <a:avLst/>
+          </a:prstGeom>
+          <a:ln>
+            <a:tailEnd type="triangle"/>
+          </a:ln>
+        </p:spPr>
+        <p:style>
+          <a:lnRef idx="1">
+            <a:schemeClr val="accent1"/>
+          </a:lnRef>
+          <a:fillRef idx="0">
+            <a:schemeClr val="accent1"/>
+          </a:fillRef>
+          <a:effectRef idx="0">
+            <a:schemeClr val="accent1"/>
+          </a:effectRef>
+          <a:fontRef idx="minor">
+            <a:schemeClr val="tx1"/>
+          </a:fontRef>
+        </p:style>
+      </p:cxnSp>
+      <p:grpSp>
+        <p:nvGrpSpPr>
+          <p:cNvPr id="51" name="组 50"/>
+          <p:cNvGrpSpPr/>
+          <p:nvPr/>
+        </p:nvGrpSpPr>
+        <p:grpSpPr>
+          <a:xfrm>
+            <a:off x="2743198" y="1901846"/>
+            <a:ext cx="5647039" cy="3336324"/>
+            <a:chOff x="2304534" y="1606379"/>
+            <a:chExt cx="5665574" cy="3336324"/>
+          </a:xfrm>
+        </p:grpSpPr>
+        <p:sp>
+          <p:nvSpPr>
+            <p:cNvPr id="6" name="矩形 5"/>
+            <p:cNvSpPr/>
+            <p:nvPr/>
+          </p:nvSpPr>
+          <p:spPr>
+            <a:xfrm>
+              <a:off x="2304534" y="1606379"/>
+              <a:ext cx="5665574" cy="3336324"/>
+            </a:xfrm>
+            <a:prstGeom prst="rect">
+              <a:avLst/>
+            </a:prstGeom>
+          </p:spPr>
+          <p:style>
+            <a:lnRef idx="2">
+              <a:schemeClr val="accent3"/>
+            </a:lnRef>
+            <a:fillRef idx="1">
+              <a:schemeClr val="lt1"/>
+            </a:fillRef>
+            <a:effectRef idx="0">
+              <a:schemeClr val="accent3"/>
+            </a:effectRef>
+            <a:fontRef idx="minor">
+              <a:schemeClr val="dk1"/>
+            </a:fontRef>
+          </p:style>
+          <p:txBody>
+            <a:bodyPr rtlCol="0" anchor="t"/>
+            <a:lstStyle/>
+            <a:p>
+              <a:r>
+                <a:rPr kumimoji="1" lang="en-US" altLang="zh-CN" dirty="0" smtClean="0"/>
+                <a:t>Scalable Service Group</a:t>
+              </a:r>
+              <a:endParaRPr kumimoji="1" lang="zh-CN" altLang="en-US" dirty="0"/>
+            </a:p>
+          </p:txBody>
+        </p:sp>
+        <p:grpSp>
+          <p:nvGrpSpPr>
+            <p:cNvPr id="45" name="组 44"/>
+            <p:cNvGrpSpPr/>
+            <p:nvPr/>
+          </p:nvGrpSpPr>
+          <p:grpSpPr>
+            <a:xfrm>
+              <a:off x="2462030" y="2250025"/>
+              <a:ext cx="2489888" cy="2365225"/>
+              <a:chOff x="2947085" y="2509516"/>
+              <a:chExt cx="2489888" cy="2365225"/>
+            </a:xfrm>
+          </p:grpSpPr>
+          <p:sp>
+            <p:nvSpPr>
+              <p:cNvPr id="23" name="矩形 22"/>
+              <p:cNvSpPr/>
+              <p:nvPr/>
+            </p:nvSpPr>
+            <p:spPr>
+              <a:xfrm>
+                <a:off x="2947085" y="2509516"/>
+                <a:ext cx="2489888" cy="2365225"/>
+              </a:xfrm>
+              <a:prstGeom prst="rect">
+                <a:avLst/>
+              </a:prstGeom>
+            </p:spPr>
+            <p:style>
+              <a:lnRef idx="1">
+                <a:schemeClr val="accent5"/>
+              </a:lnRef>
+              <a:fillRef idx="2">
+                <a:schemeClr val="accent5"/>
+              </a:fillRef>
+              <a:effectRef idx="1">
+                <a:schemeClr val="accent5"/>
+              </a:effectRef>
+              <a:fontRef idx="minor">
+                <a:schemeClr val="dk1"/>
+              </a:fontRef>
+            </p:style>
+            <p:txBody>
+              <a:bodyPr rtlCol="0" anchor="t"/>
+              <a:lstStyle/>
+              <a:p>
+                <a:r>
+                  <a:rPr kumimoji="1" lang="en-US" altLang="zh-CN" smtClean="0"/>
+                  <a:t>Instance</a:t>
+                </a:r>
+                <a:endParaRPr kumimoji="1" lang="zh-CN" altLang="en-US" dirty="0"/>
+              </a:p>
+            </p:txBody>
+          </p:sp>
+          <p:sp>
+            <p:nvSpPr>
+              <p:cNvPr id="24" name="圆角矩形 23"/>
+              <p:cNvSpPr/>
+              <p:nvPr/>
+            </p:nvSpPr>
+            <p:spPr>
+              <a:xfrm>
+                <a:off x="3016052" y="3854720"/>
+                <a:ext cx="1151236" cy="462284"/>
+              </a:xfrm>
+              <a:prstGeom prst="roundRect">
+                <a:avLst/>
+              </a:prstGeom>
+            </p:spPr>
+            <p:style>
+              <a:lnRef idx="2">
+                <a:schemeClr val="accent1">
+                  <a:shade val="50000"/>
+                </a:schemeClr>
+              </a:lnRef>
+              <a:fillRef idx="1">
+                <a:schemeClr val="accent1"/>
+              </a:fillRef>
+              <a:effectRef idx="0">
+                <a:schemeClr val="accent1"/>
+              </a:effectRef>
+              <a:fontRef idx="minor">
+                <a:schemeClr val="lt1"/>
+              </a:fontRef>
+            </p:style>
+            <p:txBody>
+              <a:bodyPr rtlCol="0" anchor="ctr"/>
+              <a:lstStyle/>
+              <a:p>
+                <a:pPr algn="ctr"/>
+                <a:r>
+                  <a:rPr kumimoji="1" lang="en-US" altLang="zh-CN" dirty="0" smtClean="0"/>
+                  <a:t>Service B</a:t>
+                </a:r>
+                <a:endParaRPr kumimoji="1" lang="zh-CN" altLang="en-US" dirty="0"/>
+              </a:p>
+            </p:txBody>
+          </p:sp>
+          <p:sp>
+            <p:nvSpPr>
+              <p:cNvPr id="27" name="圆角矩形 26"/>
+              <p:cNvSpPr/>
+              <p:nvPr/>
+            </p:nvSpPr>
+            <p:spPr>
+              <a:xfrm>
+                <a:off x="3016052" y="4357711"/>
+                <a:ext cx="1151236" cy="462284"/>
+              </a:xfrm>
+              <a:prstGeom prst="roundRect">
+                <a:avLst/>
+              </a:prstGeom>
+            </p:spPr>
+            <p:style>
+              <a:lnRef idx="2">
+                <a:schemeClr val="accent1">
+                  <a:shade val="50000"/>
+                </a:schemeClr>
+              </a:lnRef>
+              <a:fillRef idx="1">
+                <a:schemeClr val="accent1"/>
+              </a:fillRef>
+              <a:effectRef idx="0">
+                <a:schemeClr val="accent1"/>
+              </a:effectRef>
+              <a:fontRef idx="minor">
+                <a:schemeClr val="lt1"/>
+              </a:fontRef>
+            </p:style>
+            <p:txBody>
+              <a:bodyPr rtlCol="0" anchor="ctr"/>
+              <a:lstStyle/>
+              <a:p>
+                <a:pPr algn="ctr"/>
+                <a:r>
+                  <a:rPr kumimoji="1" lang="en-US" altLang="zh-CN" dirty="0" smtClean="0"/>
+                  <a:t>Service C</a:t>
+                </a:r>
+                <a:endParaRPr kumimoji="1" lang="zh-CN" altLang="en-US" dirty="0"/>
+              </a:p>
+            </p:txBody>
+          </p:sp>
+          <p:sp>
+            <p:nvSpPr>
+              <p:cNvPr id="28" name="圆角矩形 27"/>
+              <p:cNvSpPr/>
+              <p:nvPr/>
+            </p:nvSpPr>
+            <p:spPr>
+              <a:xfrm>
+                <a:off x="3016052" y="3351729"/>
+                <a:ext cx="1151236" cy="462284"/>
+              </a:xfrm>
+              <a:prstGeom prst="roundRect">
+                <a:avLst/>
+              </a:prstGeom>
+            </p:spPr>
+            <p:style>
+              <a:lnRef idx="2">
+                <a:schemeClr val="accent1">
+                  <a:shade val="50000"/>
+                </a:schemeClr>
+              </a:lnRef>
+              <a:fillRef idx="1">
+                <a:schemeClr val="accent1"/>
+              </a:fillRef>
+              <a:effectRef idx="0">
+                <a:schemeClr val="accent1"/>
+              </a:effectRef>
+              <a:fontRef idx="minor">
+                <a:schemeClr val="lt1"/>
+              </a:fontRef>
+            </p:style>
+            <p:txBody>
+              <a:bodyPr rtlCol="0" anchor="ctr"/>
+              <a:lstStyle/>
+              <a:p>
+                <a:pPr algn="ctr"/>
+                <a:r>
+                  <a:rPr kumimoji="1" lang="en-US" altLang="zh-CN" dirty="0" smtClean="0"/>
+                  <a:t>Service A</a:t>
+                </a:r>
+                <a:endParaRPr kumimoji="1" lang="zh-CN" altLang="en-US" dirty="0"/>
+              </a:p>
+            </p:txBody>
+          </p:sp>
+          <p:sp>
+            <p:nvSpPr>
+              <p:cNvPr id="29" name="圆角矩形 28"/>
+              <p:cNvSpPr/>
+              <p:nvPr/>
+            </p:nvSpPr>
+            <p:spPr>
+              <a:xfrm>
+                <a:off x="3016052" y="2848738"/>
+                <a:ext cx="1151236" cy="462284"/>
+              </a:xfrm>
+              <a:prstGeom prst="roundRect">
+                <a:avLst/>
+              </a:prstGeom>
+            </p:spPr>
+            <p:style>
+              <a:lnRef idx="2">
+                <a:schemeClr val="accent1">
+                  <a:shade val="50000"/>
+                </a:schemeClr>
+              </a:lnRef>
+              <a:fillRef idx="1">
+                <a:schemeClr val="accent1"/>
+              </a:fillRef>
+              <a:effectRef idx="0">
+                <a:schemeClr val="accent1"/>
+              </a:effectRef>
+              <a:fontRef idx="minor">
+                <a:schemeClr val="lt1"/>
+              </a:fontRef>
+            </p:style>
+            <p:txBody>
+              <a:bodyPr rtlCol="0" anchor="ctr"/>
+              <a:lstStyle/>
+              <a:p>
+                <a:pPr algn="ctr"/>
+                <a:r>
+                  <a:rPr kumimoji="1" lang="en-US" altLang="zh-CN" dirty="0" smtClean="0"/>
+                  <a:t>Service A</a:t>
+                </a:r>
+                <a:endParaRPr kumimoji="1" lang="zh-CN" altLang="en-US" dirty="0"/>
+              </a:p>
+            </p:txBody>
+          </p:sp>
+          <p:sp>
+            <p:nvSpPr>
+              <p:cNvPr id="30" name="圆角矩形 29"/>
+              <p:cNvSpPr/>
+              <p:nvPr/>
+            </p:nvSpPr>
+            <p:spPr>
+              <a:xfrm>
+                <a:off x="4236255" y="3854720"/>
+                <a:ext cx="1151236" cy="462284"/>
+              </a:xfrm>
+              <a:prstGeom prst="roundRect">
+                <a:avLst/>
+              </a:prstGeom>
+            </p:spPr>
+            <p:style>
+              <a:lnRef idx="2">
+                <a:schemeClr val="accent1">
+                  <a:shade val="50000"/>
+                </a:schemeClr>
+              </a:lnRef>
+              <a:fillRef idx="1">
+                <a:schemeClr val="accent1"/>
+              </a:fillRef>
+              <a:effectRef idx="0">
+                <a:schemeClr val="accent1"/>
+              </a:effectRef>
+              <a:fontRef idx="minor">
+                <a:schemeClr val="lt1"/>
+              </a:fontRef>
+            </p:style>
+            <p:txBody>
+              <a:bodyPr rtlCol="0" anchor="ctr"/>
+              <a:lstStyle/>
+              <a:p>
+                <a:pPr algn="ctr"/>
+                <a:r>
+                  <a:rPr kumimoji="1" lang="en-US" altLang="zh-CN" dirty="0" smtClean="0"/>
+                  <a:t>Service B</a:t>
+                </a:r>
+                <a:endParaRPr kumimoji="1" lang="zh-CN" altLang="en-US" dirty="0"/>
+              </a:p>
+            </p:txBody>
+          </p:sp>
+          <p:sp>
+            <p:nvSpPr>
+              <p:cNvPr id="32" name="圆角矩形 31"/>
+              <p:cNvSpPr/>
+              <p:nvPr/>
+            </p:nvSpPr>
+            <p:spPr>
+              <a:xfrm>
+                <a:off x="4236255" y="3351729"/>
+                <a:ext cx="1151236" cy="462284"/>
+              </a:xfrm>
+              <a:prstGeom prst="roundRect">
+                <a:avLst/>
+              </a:prstGeom>
+            </p:spPr>
+            <p:style>
+              <a:lnRef idx="2">
+                <a:schemeClr val="accent1">
+                  <a:shade val="50000"/>
+                </a:schemeClr>
+              </a:lnRef>
+              <a:fillRef idx="1">
+                <a:schemeClr val="accent1"/>
+              </a:fillRef>
+              <a:effectRef idx="0">
+                <a:schemeClr val="accent1"/>
+              </a:effectRef>
+              <a:fontRef idx="minor">
+                <a:schemeClr val="lt1"/>
+              </a:fontRef>
+            </p:style>
+            <p:txBody>
+              <a:bodyPr rtlCol="0" anchor="ctr"/>
+              <a:lstStyle/>
+              <a:p>
+                <a:pPr algn="ctr"/>
+                <a:r>
+                  <a:rPr kumimoji="1" lang="en-US" altLang="zh-CN" dirty="0" smtClean="0"/>
+                  <a:t>Service A</a:t>
+                </a:r>
+                <a:endParaRPr kumimoji="1" lang="zh-CN" altLang="en-US" dirty="0"/>
+              </a:p>
+            </p:txBody>
+          </p:sp>
+          <p:sp>
+            <p:nvSpPr>
+              <p:cNvPr id="33" name="圆角矩形 32"/>
+              <p:cNvSpPr/>
+              <p:nvPr/>
+            </p:nvSpPr>
+            <p:spPr>
+              <a:xfrm>
+                <a:off x="4236255" y="2848738"/>
+                <a:ext cx="1151236" cy="462284"/>
+              </a:xfrm>
+              <a:prstGeom prst="roundRect">
+                <a:avLst/>
+              </a:prstGeom>
+            </p:spPr>
+            <p:style>
+              <a:lnRef idx="2">
+                <a:schemeClr val="accent1">
+                  <a:shade val="50000"/>
+                </a:schemeClr>
+              </a:lnRef>
+              <a:fillRef idx="1">
+                <a:schemeClr val="accent1"/>
+              </a:fillRef>
+              <a:effectRef idx="0">
+                <a:schemeClr val="accent1"/>
+              </a:effectRef>
+              <a:fontRef idx="minor">
+                <a:schemeClr val="lt1"/>
+              </a:fontRef>
+            </p:style>
+            <p:txBody>
+              <a:bodyPr rtlCol="0" anchor="ctr"/>
+              <a:lstStyle/>
+              <a:p>
+                <a:pPr algn="ctr"/>
+                <a:r>
+                  <a:rPr kumimoji="1" lang="en-US" altLang="zh-CN" dirty="0" smtClean="0"/>
+                  <a:t>Service A</a:t>
+                </a:r>
+                <a:endParaRPr kumimoji="1" lang="zh-CN" altLang="en-US" dirty="0"/>
+              </a:p>
+            </p:txBody>
+          </p:sp>
+        </p:grpSp>
+        <p:grpSp>
+          <p:nvGrpSpPr>
+            <p:cNvPr id="47" name="组 46"/>
+            <p:cNvGrpSpPr/>
+            <p:nvPr/>
+          </p:nvGrpSpPr>
+          <p:grpSpPr>
+            <a:xfrm>
+              <a:off x="5109414" y="2250025"/>
+              <a:ext cx="2489888" cy="1848195"/>
+              <a:chOff x="5572896" y="2250025"/>
+              <a:chExt cx="2489888" cy="1848195"/>
+            </a:xfrm>
+          </p:grpSpPr>
+          <p:sp>
+            <p:nvSpPr>
+              <p:cNvPr id="34" name="矩形 33"/>
+              <p:cNvSpPr/>
+              <p:nvPr/>
+            </p:nvSpPr>
+            <p:spPr>
+              <a:xfrm>
+                <a:off x="5572896" y="2250025"/>
+                <a:ext cx="2489888" cy="1848195"/>
+              </a:xfrm>
+              <a:prstGeom prst="rect">
+                <a:avLst/>
+              </a:prstGeom>
+            </p:spPr>
+            <p:style>
+              <a:lnRef idx="1">
+                <a:schemeClr val="accent5"/>
+              </a:lnRef>
+              <a:fillRef idx="2">
+                <a:schemeClr val="accent5"/>
+              </a:fillRef>
+              <a:effectRef idx="1">
+                <a:schemeClr val="accent5"/>
+              </a:effectRef>
+              <a:fontRef idx="minor">
+                <a:schemeClr val="dk1"/>
+              </a:fontRef>
+            </p:style>
+            <p:txBody>
+              <a:bodyPr rtlCol="0" anchor="t"/>
+              <a:lstStyle/>
+              <a:p>
+                <a:r>
+                  <a:rPr kumimoji="1" lang="en-US" altLang="zh-CN" smtClean="0"/>
+                  <a:t>Instance</a:t>
+                </a:r>
+                <a:endParaRPr kumimoji="1" lang="zh-CN" altLang="en-US" dirty="0"/>
+              </a:p>
+            </p:txBody>
+          </p:sp>
+          <p:sp>
+            <p:nvSpPr>
+              <p:cNvPr id="35" name="圆角矩形 34"/>
+              <p:cNvSpPr/>
+              <p:nvPr/>
+            </p:nvSpPr>
+            <p:spPr>
+              <a:xfrm>
+                <a:off x="5641863" y="3595229"/>
+                <a:ext cx="1151236" cy="462284"/>
+              </a:xfrm>
+              <a:prstGeom prst="roundRect">
+                <a:avLst/>
+              </a:prstGeom>
+            </p:spPr>
+            <p:style>
+              <a:lnRef idx="2">
+                <a:schemeClr val="accent1">
+                  <a:shade val="50000"/>
+                </a:schemeClr>
+              </a:lnRef>
+              <a:fillRef idx="1">
+                <a:schemeClr val="accent1"/>
+              </a:fillRef>
+              <a:effectRef idx="0">
+                <a:schemeClr val="accent1"/>
+              </a:effectRef>
+              <a:fontRef idx="minor">
+                <a:schemeClr val="lt1"/>
+              </a:fontRef>
+            </p:style>
+            <p:txBody>
+              <a:bodyPr rtlCol="0" anchor="ctr"/>
+              <a:lstStyle/>
+              <a:p>
+                <a:pPr algn="ctr"/>
+                <a:r>
+                  <a:rPr kumimoji="1" lang="en-US" altLang="zh-CN" dirty="0" smtClean="0"/>
+                  <a:t>Service E</a:t>
+                </a:r>
+                <a:endParaRPr kumimoji="1" lang="zh-CN" altLang="en-US" dirty="0"/>
+              </a:p>
+            </p:txBody>
+          </p:sp>
+          <p:sp>
+            <p:nvSpPr>
+              <p:cNvPr id="37" name="圆角矩形 36"/>
+              <p:cNvSpPr/>
+              <p:nvPr/>
+            </p:nvSpPr>
+            <p:spPr>
+              <a:xfrm>
+                <a:off x="5641863" y="3092238"/>
+                <a:ext cx="1151236" cy="462284"/>
+              </a:xfrm>
+              <a:prstGeom prst="roundRect">
+                <a:avLst/>
+              </a:prstGeom>
+            </p:spPr>
+            <p:style>
+              <a:lnRef idx="2">
+                <a:schemeClr val="accent1">
+                  <a:shade val="50000"/>
+                </a:schemeClr>
+              </a:lnRef>
+              <a:fillRef idx="1">
+                <a:schemeClr val="accent1"/>
+              </a:fillRef>
+              <a:effectRef idx="0">
+                <a:schemeClr val="accent1"/>
+              </a:effectRef>
+              <a:fontRef idx="minor">
+                <a:schemeClr val="lt1"/>
+              </a:fontRef>
+            </p:style>
+            <p:txBody>
+              <a:bodyPr rtlCol="0" anchor="ctr"/>
+              <a:lstStyle/>
+              <a:p>
+                <a:pPr algn="ctr"/>
+                <a:r>
+                  <a:rPr kumimoji="1" lang="en-US" altLang="zh-CN" dirty="0" smtClean="0"/>
+                  <a:t>Service C</a:t>
+                </a:r>
+                <a:endParaRPr kumimoji="1" lang="zh-CN" altLang="en-US" dirty="0"/>
+              </a:p>
+            </p:txBody>
+          </p:sp>
+          <p:sp>
+            <p:nvSpPr>
+              <p:cNvPr id="38" name="圆角矩形 37"/>
+              <p:cNvSpPr/>
+              <p:nvPr/>
+            </p:nvSpPr>
+            <p:spPr>
+              <a:xfrm>
+                <a:off x="5641863" y="2589247"/>
+                <a:ext cx="1151236" cy="462284"/>
+              </a:xfrm>
+              <a:prstGeom prst="roundRect">
+                <a:avLst/>
+              </a:prstGeom>
+            </p:spPr>
+            <p:style>
+              <a:lnRef idx="2">
+                <a:schemeClr val="accent1">
+                  <a:shade val="50000"/>
+                </a:schemeClr>
+              </a:lnRef>
+              <a:fillRef idx="1">
+                <a:schemeClr val="accent1"/>
+              </a:fillRef>
+              <a:effectRef idx="0">
+                <a:schemeClr val="accent1"/>
+              </a:effectRef>
+              <a:fontRef idx="minor">
+                <a:schemeClr val="lt1"/>
+              </a:fontRef>
+            </p:style>
+            <p:txBody>
+              <a:bodyPr rtlCol="0" anchor="ctr"/>
+              <a:lstStyle/>
+              <a:p>
+                <a:pPr algn="ctr"/>
+                <a:r>
+                  <a:rPr kumimoji="1" lang="en-US" altLang="zh-CN" dirty="0" smtClean="0"/>
+                  <a:t>Service A</a:t>
+                </a:r>
+                <a:endParaRPr kumimoji="1" lang="zh-CN" altLang="en-US" dirty="0"/>
+              </a:p>
+            </p:txBody>
+          </p:sp>
+          <p:sp>
+            <p:nvSpPr>
+              <p:cNvPr id="39" name="圆角矩形 38"/>
+              <p:cNvSpPr/>
+              <p:nvPr/>
+            </p:nvSpPr>
+            <p:spPr>
+              <a:xfrm>
+                <a:off x="6862066" y="3595229"/>
+                <a:ext cx="1151236" cy="462284"/>
+              </a:xfrm>
+              <a:prstGeom prst="roundRect">
+                <a:avLst/>
+              </a:prstGeom>
+            </p:spPr>
+            <p:style>
+              <a:lnRef idx="2">
+                <a:schemeClr val="accent1">
+                  <a:shade val="50000"/>
+                </a:schemeClr>
+              </a:lnRef>
+              <a:fillRef idx="1">
+                <a:schemeClr val="accent1"/>
+              </a:fillRef>
+              <a:effectRef idx="0">
+                <a:schemeClr val="accent1"/>
+              </a:effectRef>
+              <a:fontRef idx="minor">
+                <a:schemeClr val="lt1"/>
+              </a:fontRef>
+            </p:style>
+            <p:txBody>
+              <a:bodyPr rtlCol="0" anchor="ctr"/>
+              <a:lstStyle/>
+              <a:p>
+                <a:pPr algn="ctr"/>
+                <a:r>
+                  <a:rPr kumimoji="1" lang="en-US" altLang="zh-CN" dirty="0" smtClean="0"/>
+                  <a:t>Service E</a:t>
+                </a:r>
+                <a:endParaRPr kumimoji="1" lang="zh-CN" altLang="en-US" dirty="0"/>
+              </a:p>
+            </p:txBody>
+          </p:sp>
+          <p:sp>
+            <p:nvSpPr>
+              <p:cNvPr id="40" name="圆角矩形 39"/>
+              <p:cNvSpPr/>
+              <p:nvPr/>
+            </p:nvSpPr>
+            <p:spPr>
+              <a:xfrm>
+                <a:off x="6862066" y="3092238"/>
+                <a:ext cx="1151236" cy="462284"/>
+              </a:xfrm>
+              <a:prstGeom prst="roundRect">
+                <a:avLst/>
+              </a:prstGeom>
+            </p:spPr>
+            <p:style>
+              <a:lnRef idx="2">
+                <a:schemeClr val="accent1">
+                  <a:shade val="50000"/>
+                </a:schemeClr>
+              </a:lnRef>
+              <a:fillRef idx="1">
+                <a:schemeClr val="accent1"/>
+              </a:fillRef>
+              <a:effectRef idx="0">
+                <a:schemeClr val="accent1"/>
+              </a:effectRef>
+              <a:fontRef idx="minor">
+                <a:schemeClr val="lt1"/>
+              </a:fontRef>
+            </p:style>
+            <p:txBody>
+              <a:bodyPr rtlCol="0" anchor="ctr"/>
+              <a:lstStyle/>
+              <a:p>
+                <a:pPr algn="ctr"/>
+                <a:r>
+                  <a:rPr kumimoji="1" lang="en-US" altLang="zh-CN" dirty="0" smtClean="0"/>
+                  <a:t>Service D</a:t>
+                </a:r>
+                <a:endParaRPr kumimoji="1" lang="zh-CN" altLang="en-US" dirty="0"/>
+              </a:p>
+            </p:txBody>
+          </p:sp>
+          <p:sp>
+            <p:nvSpPr>
+              <p:cNvPr id="41" name="圆角矩形 40"/>
+              <p:cNvSpPr/>
+              <p:nvPr/>
+            </p:nvSpPr>
+            <p:spPr>
+              <a:xfrm>
+                <a:off x="6862066" y="2589247"/>
+                <a:ext cx="1151236" cy="462284"/>
+              </a:xfrm>
+              <a:prstGeom prst="roundRect">
+                <a:avLst/>
+              </a:prstGeom>
+            </p:spPr>
+            <p:style>
+              <a:lnRef idx="2">
+                <a:schemeClr val="accent1">
+                  <a:shade val="50000"/>
+                </a:schemeClr>
+              </a:lnRef>
+              <a:fillRef idx="1">
+                <a:schemeClr val="accent1"/>
+              </a:fillRef>
+              <a:effectRef idx="0">
+                <a:schemeClr val="accent1"/>
+              </a:effectRef>
+              <a:fontRef idx="minor">
+                <a:schemeClr val="lt1"/>
+              </a:fontRef>
+            </p:style>
+            <p:txBody>
+              <a:bodyPr rtlCol="0" anchor="ctr"/>
+              <a:lstStyle/>
+              <a:p>
+                <a:pPr algn="ctr"/>
+                <a:r>
+                  <a:rPr kumimoji="1" lang="en-US" altLang="zh-CN" dirty="0" smtClean="0"/>
+                  <a:t>Service B</a:t>
+                </a:r>
+                <a:endParaRPr kumimoji="1" lang="zh-CN" altLang="en-US" dirty="0"/>
+              </a:p>
+            </p:txBody>
+          </p:sp>
+        </p:grpSp>
+      </p:grpSp>
+      <p:sp>
+        <p:nvSpPr>
+          <p:cNvPr id="52" name="右箭头 51"/>
+          <p:cNvSpPr/>
+          <p:nvPr/>
+        </p:nvSpPr>
+        <p:spPr>
+          <a:xfrm rot="10800000">
+            <a:off x="1991497" y="3503276"/>
+            <a:ext cx="605481" cy="231142"/>
+          </a:xfrm>
+          <a:prstGeom prst="rightArrow">
+            <a:avLst/>
+          </a:prstGeom>
+        </p:spPr>
+        <p:style>
+          <a:lnRef idx="3">
+            <a:schemeClr val="lt1"/>
+          </a:lnRef>
+          <a:fillRef idx="1">
+            <a:schemeClr val="accent6"/>
+          </a:fillRef>
+          <a:effectRef idx="1">
+            <a:schemeClr val="accent6"/>
+          </a:effectRef>
+          <a:fontRef idx="minor">
+            <a:schemeClr val="lt1"/>
+          </a:fontRef>
+        </p:style>
+        <p:txBody>
+          <a:bodyPr rtlCol="0" anchor="ctr"/>
+          <a:lstStyle/>
+          <a:p>
+            <a:pPr algn="ctr"/>
+            <a:endParaRPr kumimoji="1" lang="zh-CN" altLang="en-US"/>
+          </a:p>
+        </p:txBody>
+      </p:sp>
+      <p:sp>
+        <p:nvSpPr>
+          <p:cNvPr id="53" name="圆角矩形 52"/>
+          <p:cNvSpPr/>
+          <p:nvPr/>
+        </p:nvSpPr>
+        <p:spPr>
+          <a:xfrm>
+            <a:off x="3243647" y="5577392"/>
+            <a:ext cx="1147470" cy="462284"/>
+          </a:xfrm>
+          <a:prstGeom prst="roundRect">
+            <a:avLst/>
+          </a:prstGeom>
+        </p:spPr>
+        <p:style>
+          <a:lnRef idx="2">
+            <a:schemeClr val="accent1">
+              <a:shade val="50000"/>
+            </a:schemeClr>
+          </a:lnRef>
+          <a:fillRef idx="1">
+            <a:schemeClr val="accent1"/>
+          </a:fillRef>
+          <a:effectRef idx="0">
+            <a:schemeClr val="accent1"/>
+          </a:effectRef>
+          <a:fontRef idx="minor">
+            <a:schemeClr val="lt1"/>
+          </a:fontRef>
+        </p:style>
+        <p:txBody>
+          <a:bodyPr rtlCol="0" anchor="ctr"/>
+          <a:lstStyle/>
+          <a:p>
+            <a:pPr algn="ctr"/>
+            <a:r>
+              <a:rPr kumimoji="1" lang="en-US" altLang="zh-CN" dirty="0" smtClean="0"/>
+              <a:t>Service X</a:t>
+            </a:r>
+            <a:endParaRPr kumimoji="1" lang="zh-CN" altLang="en-US" dirty="0"/>
+          </a:p>
+        </p:txBody>
+      </p:sp>
+      <p:sp>
+        <p:nvSpPr>
+          <p:cNvPr id="55" name="文本框 54"/>
+          <p:cNvSpPr txBox="1"/>
+          <p:nvPr/>
+        </p:nvSpPr>
+        <p:spPr>
+          <a:xfrm>
+            <a:off x="4641499" y="5623868"/>
+            <a:ext cx="3283271" cy="369332"/>
+          </a:xfrm>
+          <a:prstGeom prst="rect">
+            <a:avLst/>
+          </a:prstGeom>
+          <a:noFill/>
+        </p:spPr>
+        <p:txBody>
+          <a:bodyPr wrap="none" rtlCol="0">
+            <a:spAutoFit/>
+          </a:bodyPr>
+          <a:lstStyle/>
+          <a:p>
+            <a:r>
+              <a:rPr kumimoji="1" lang="en-US" altLang="zh-CN" dirty="0" smtClean="0"/>
+              <a:t>Stateless </a:t>
+            </a:r>
+            <a:r>
+              <a:rPr kumimoji="1" lang="en-US" altLang="zh-CN" smtClean="0"/>
+              <a:t>service built in Docker</a:t>
+            </a:r>
+            <a:endParaRPr kumimoji="1" lang="zh-CN" altLang="en-US" dirty="0"/>
+          </a:p>
+        </p:txBody>
+      </p:sp>
+      <p:sp>
+        <p:nvSpPr>
+          <p:cNvPr id="56" name="圆角矩形 55"/>
+          <p:cNvSpPr/>
+          <p:nvPr/>
+        </p:nvSpPr>
+        <p:spPr>
+          <a:xfrm>
+            <a:off x="2972010" y="2884714"/>
+            <a:ext cx="1147470" cy="462284"/>
+          </a:xfrm>
+          <a:prstGeom prst="roundRect">
+            <a:avLst/>
+          </a:prstGeom>
+        </p:spPr>
+        <p:style>
+          <a:lnRef idx="2">
+            <a:schemeClr val="dk1">
+              <a:shade val="50000"/>
+            </a:schemeClr>
+          </a:lnRef>
+          <a:fillRef idx="1">
+            <a:schemeClr val="dk1"/>
+          </a:fillRef>
+          <a:effectRef idx="0">
+            <a:schemeClr val="dk1"/>
+          </a:effectRef>
+          <a:fontRef idx="minor">
+            <a:schemeClr val="lt1"/>
+          </a:fontRef>
+        </p:style>
+        <p:txBody>
+          <a:bodyPr rtlCol="0" anchor="ctr"/>
+          <a:lstStyle/>
+          <a:p>
+            <a:pPr algn="ctr"/>
+            <a:r>
+              <a:rPr kumimoji="1" lang="en-US" altLang="zh-CN" dirty="0" smtClean="0"/>
+              <a:t>Service A</a:t>
+            </a:r>
+            <a:endParaRPr kumimoji="1" lang="zh-CN" altLang="en-US" dirty="0"/>
+          </a:p>
+        </p:txBody>
+      </p:sp>
+      <p:sp>
+        <p:nvSpPr>
+          <p:cNvPr id="57" name="矩形 56"/>
+          <p:cNvSpPr/>
+          <p:nvPr/>
+        </p:nvSpPr>
+        <p:spPr>
+          <a:xfrm>
+            <a:off x="2900179" y="2545491"/>
+            <a:ext cx="2481742" cy="2365225"/>
+          </a:xfrm>
+          <a:prstGeom prst="rect">
+            <a:avLst/>
+          </a:prstGeom>
+        </p:spPr>
+        <p:style>
+          <a:lnRef idx="2">
+            <a:schemeClr val="dk1">
+              <a:shade val="50000"/>
+            </a:schemeClr>
+          </a:lnRef>
+          <a:fillRef idx="1">
+            <a:schemeClr val="dk1"/>
+          </a:fillRef>
+          <a:effectRef idx="0">
+            <a:schemeClr val="dk1"/>
+          </a:effectRef>
+          <a:fontRef idx="minor">
+            <a:schemeClr val="lt1"/>
+          </a:fontRef>
+        </p:style>
+        <p:txBody>
+          <a:bodyPr rtlCol="0" anchor="t"/>
+          <a:lstStyle/>
+          <a:p>
+            <a:r>
+              <a:rPr kumimoji="1" lang="en-US" altLang="zh-CN" smtClean="0"/>
+              <a:t>Instance</a:t>
+            </a:r>
+            <a:endParaRPr kumimoji="1" lang="zh-CN" altLang="en-US" dirty="0"/>
+          </a:p>
+        </p:txBody>
+      </p:sp>
+    </p:spTree>
+    <p:extLst>
+      <p:ext uri="{BB962C8B-B14F-4D97-AF65-F5344CB8AC3E}">
+        <p14:creationId xmlns:p14="http://schemas.microsoft.com/office/powerpoint/2010/main" val="1365284615"/>
+      </p:ext>
+    </p:extLst>
+  </p:cSld>
+  <p:clrMapOvr>
+    <a:masterClrMapping/>
+  </p:clrMapOvr>
+  <p:timing>
+    <p:tnLst>
+      <p:par>
+        <p:cTn id="1" dur="indefinite" restart="never" nodeType="tmRoot">
+          <p:childTnLst>
+            <p:seq concurrent="1" nextAc="seek">
+              <p:cTn id="2" dur="indefinite" nodeType="mainSeq">
+                <p:childTnLst>
+                  <p:par>
+                    <p:cTn id="3" fill="hold">
+                      <p:stCondLst>
+                        <p:cond delay="indefinite"/>
+                      </p:stCondLst>
+                      <p:childTnLst>
+                        <p:par>
+                          <p:cTn id="4" fill="hold">
+                            <p:stCondLst>
+                              <p:cond delay="0"/>
+                            </p:stCondLst>
+                            <p:childTnLst>
+                              <p:par>
+                                <p:cTn id="5" presetID="1" presetClass="entr" presetSubtype="0" fill="hold" grpId="0" nodeType="clickEffect">
+                                  <p:stCondLst>
+                                    <p:cond delay="0"/>
+                                  </p:stCondLst>
+                                  <p:childTnLst>
+                                    <p:set>
+                                      <p:cBhvr>
+                                        <p:cTn id="6" dur="1" fill="hold">
+                                          <p:stCondLst>
+                                            <p:cond delay="0"/>
+                                          </p:stCondLst>
+                                        </p:cTn>
+                                        <p:tgtEl>
+                                          <p:spTgt spid="56"/>
+                                        </p:tgtEl>
+                                        <p:attrNameLst>
+                                          <p:attrName>style.visibility</p:attrName>
+                                        </p:attrNameLst>
+                                      </p:cBhvr>
+                                      <p:to>
+                                        <p:strVal val="visible"/>
+                                      </p:to>
+                                    </p:set>
+                                  </p:childTnLst>
+                                </p:cTn>
+                              </p:par>
+                            </p:childTnLst>
+                          </p:cTn>
+                        </p:par>
+                      </p:childTnLst>
+                    </p:cTn>
+                  </p:par>
+                  <p:par>
+                    <p:cTn id="7" fill="hold">
+                      <p:stCondLst>
+                        <p:cond delay="indefinite"/>
+                      </p:stCondLst>
+                      <p:childTnLst>
+                        <p:par>
+                          <p:cTn id="8" fill="hold">
+                            <p:stCondLst>
+                              <p:cond delay="0"/>
+                            </p:stCondLst>
+                            <p:childTnLst>
+                              <p:par>
+                                <p:cTn id="9" presetID="1" presetClass="entr" presetSubtype="0" fill="hold" grpId="0" nodeType="clickEffect">
+                                  <p:stCondLst>
+                                    <p:cond delay="0"/>
+                                  </p:stCondLst>
+                                  <p:childTnLst>
+                                    <p:set>
+                                      <p:cBhvr>
+                                        <p:cTn id="10" dur="1" fill="hold">
+                                          <p:stCondLst>
+                                            <p:cond delay="0"/>
+                                          </p:stCondLst>
+                                        </p:cTn>
+                                        <p:tgtEl>
+                                          <p:spTgt spid="57"/>
+                                        </p:tgtEl>
+                                        <p:attrNameLst>
+                                          <p:attrName>style.visibility</p:attrName>
+                                        </p:attrNameLst>
+                                      </p:cBhvr>
+                                      <p:to>
+                                        <p:strVal val="visible"/>
+                                      </p:to>
+                                    </p:set>
+                                  </p:childTnLst>
+                                </p:cTn>
+                              </p:par>
+                            </p:childTnLst>
+                          </p:cTn>
+                        </p:par>
+                      </p:childTnLst>
+                    </p:cTn>
+                  </p:par>
+                </p:childTnLst>
+              </p:cTn>
+              <p:prevCondLst>
+                <p:cond evt="onPrev" delay="0">
+                  <p:tgtEl>
+                    <p:sldTgt/>
+                  </p:tgtEl>
+                </p:cond>
+              </p:prevCondLst>
+              <p:nextCondLst>
+                <p:cond evt="onNext" delay="0">
+                  <p:tgtEl>
+                    <p:sldTgt/>
+                  </p:tgtEl>
+                </p:cond>
+              </p:nextCondLst>
+            </p:seq>
+          </p:childTnLst>
+        </p:cTn>
+      </p:par>
+    </p:tnLst>
+    <p:bldLst>
+      <p:bldP spid="56" grpId="0" animBg="1"/>
+      <p:bldP spid="57" grpId="0" animBg="1"/>
+    </p:bldLst>
+  </p:timing>
+</p:sld>
+</file>
+
+<file path=ppt/slides/slide25.xml><?xml version="1.0" encoding="utf-8"?>
+<p:sld xmlns:a="http://schemas.openxmlformats.org/drawingml/2006/main" xmlns:r="http://schemas.openxmlformats.org/officeDocument/2006/relationships" xmlns:p="http://schemas.openxmlformats.org/presentationml/2006/main">
+  <p:cSld>
+    <p:spTree>
+      <p:nvGrpSpPr>
+        <p:cNvPr id="1" name=""/>
+        <p:cNvGrpSpPr/>
+        <p:nvPr/>
+      </p:nvGrpSpPr>
+      <p:grpSpPr>
+        <a:xfrm>
+          <a:off x="0" y="0"/>
+          <a:ext cx="0" cy="0"/>
+          <a:chOff x="0" y="0"/>
+          <a:chExt cx="0" cy="0"/>
+        </a:xfrm>
+      </p:grpSpPr>
+      <p:sp>
+        <p:nvSpPr>
+          <p:cNvPr id="2" name="标题 1"/>
+          <p:cNvSpPr>
+            <a:spLocks noGrp="1"/>
+          </p:cNvSpPr>
+          <p:nvPr>
+            <p:ph type="title"/>
+          </p:nvPr>
+        </p:nvSpPr>
+        <p:spPr/>
+        <p:txBody>
+          <a:bodyPr/>
+          <a:lstStyle/>
+          <a:p>
+            <a:r>
+              <a:rPr kumimoji="1" lang="zh-CN" altLang="en-US" dirty="0" smtClean="0"/>
+              <a:t>参考引用</a:t>
+            </a:r>
+            <a:endParaRPr kumimoji="1" lang="zh-CN" altLang="en-US" dirty="0"/>
+          </a:p>
+        </p:txBody>
+      </p:sp>
+      <p:sp>
+        <p:nvSpPr>
+          <p:cNvPr id="3" name="内容占位符 2"/>
+          <p:cNvSpPr>
+            <a:spLocks noGrp="1"/>
+          </p:cNvSpPr>
+          <p:nvPr>
+            <p:ph idx="1"/>
+          </p:nvPr>
+        </p:nvSpPr>
+        <p:spPr/>
+        <p:txBody>
+          <a:bodyPr/>
+          <a:lstStyle/>
+          <a:p>
+            <a:r>
+              <a:rPr kumimoji="1" lang="en-US" altLang="zh-CN" dirty="0" err="1" smtClean="0"/>
+              <a:t>GitBook</a:t>
+            </a:r>
+            <a:r>
+              <a:rPr kumimoji="1" lang="zh-CN" altLang="en-US" dirty="0" smtClean="0"/>
+              <a:t>：</a:t>
+            </a:r>
+            <a:r>
+              <a:rPr lang="en-US" altLang="zh-CN" dirty="0">
+                <a:hlinkClick r:id="rId2"/>
+              </a:rPr>
+              <a:t>Docker —— </a:t>
+            </a:r>
+            <a:r>
+              <a:rPr lang="zh-CN" altLang="en-US" dirty="0">
+                <a:hlinkClick r:id="rId2"/>
+              </a:rPr>
+              <a:t>从入门到</a:t>
+            </a:r>
+            <a:r>
+              <a:rPr lang="zh-CN" altLang="en-US" dirty="0" smtClean="0">
+                <a:hlinkClick r:id="rId2"/>
+              </a:rPr>
+              <a:t>实践</a:t>
+            </a:r>
+            <a:r>
+              <a:rPr lang="zh-CN" altLang="en-US" dirty="0" smtClean="0"/>
+              <a:t> （中文）</a:t>
+            </a:r>
+            <a:endParaRPr lang="en-US" altLang="zh-CN" dirty="0" smtClean="0"/>
+          </a:p>
+          <a:p>
+            <a:r>
+              <a:rPr lang="en-US" altLang="zh-CN" dirty="0" smtClean="0">
+                <a:hlinkClick r:id="rId3"/>
+              </a:rPr>
+              <a:t>Docker in Production: A History of Failure</a:t>
+            </a:r>
+            <a:endParaRPr lang="en-US" altLang="zh-CN" dirty="0" smtClean="0"/>
+          </a:p>
+          <a:p>
+            <a:endParaRPr lang="zh-CN" altLang="en-US" dirty="0"/>
+          </a:p>
+        </p:txBody>
+      </p:sp>
+    </p:spTree>
+    <p:extLst>
+      <p:ext uri="{BB962C8B-B14F-4D97-AF65-F5344CB8AC3E}">
+        <p14:creationId xmlns:p14="http://schemas.microsoft.com/office/powerpoint/2010/main" val="1341569638"/>
       </p:ext>
     </p:extLst>
   </p:cSld>
@@ -7230,24 +9909,28 @@
               <a:rPr kumimoji="1" lang="zh-CN" altLang="en-US" dirty="0" smtClean="0"/>
               <a:t>使用虚拟机</a:t>
             </a:r>
-            <a:endParaRPr kumimoji="1" lang="en-US" altLang="zh-CN" dirty="0" smtClean="0"/>
-          </a:p>
-          <a:p>
-            <a:pPr lvl="1"/>
-            <a:r>
-              <a:rPr kumimoji="1" lang="zh-CN" altLang="en-US" dirty="0" smtClean="0"/>
+            <a:endParaRPr kumimoji="1" lang="en-US" altLang="zh-CN" dirty="0"/>
+          </a:p>
+          <a:p>
+            <a:pPr marL="685800" lvl="2">
+              <a:spcBef>
+                <a:spcPts val="1000"/>
+              </a:spcBef>
+            </a:pPr>
+            <a:r>
+              <a:rPr kumimoji="1" lang="zh-CN" altLang="en-US" dirty="0"/>
               <a:t>在非</a:t>
             </a:r>
             <a:r>
-              <a:rPr kumimoji="1" lang="en-US" altLang="zh-CN" dirty="0" smtClean="0"/>
+              <a:rPr kumimoji="1" lang="en-US" altLang="zh-CN" dirty="0"/>
               <a:t>Linux</a:t>
             </a:r>
             <a:r>
-              <a:rPr kumimoji="1" lang="zh-CN" altLang="en-US" dirty="0" smtClean="0"/>
+              <a:rPr kumimoji="1" lang="zh-CN" altLang="en-US" dirty="0"/>
               <a:t>平台上，使用虚拟机安装</a:t>
             </a:r>
             <a:r>
-              <a:rPr kumimoji="1" lang="en-US" altLang="zh-CN" dirty="0" smtClean="0"/>
+              <a:rPr kumimoji="1" lang="en-US" altLang="zh-CN" dirty="0"/>
               <a:t>Docker</a:t>
             </a:r>
           </a:p>
@@ -7261,14 +9944,18 @@
           <a:p>
             <a:pPr lvl="1"/>
             <a:r>
-              <a:rPr kumimoji="1" lang="en-US" altLang="zh-CN" dirty="0" smtClean="0"/>
+              <a:rPr kumimoji="1" lang="en-US" altLang="zh-CN" sz="2000" dirty="0"/>
               <a:t>Docker</a:t>
             </a:r>
             <a:r>
-              <a:rPr kumimoji="1" lang="zh-CN" altLang="en-US" dirty="0" smtClean="0"/>
-              <a:t>公司的策略比较激进，通常对新内核的支持更</a:t>
-            </a:r>
-            <a:endParaRPr kumimoji="1" lang="en-US" altLang="zh-CN" dirty="0" smtClean="0"/>
+              <a:rPr kumimoji="1" lang="zh-CN" altLang="en-US" sz="2000" dirty="0"/>
+              <a:t>公司的策略比较激进，通常对新内核的支持</a:t>
+            </a:r>
+            <a:r>
+              <a:rPr kumimoji="1" lang="zh-CN" altLang="en-US" sz="2000" dirty="0" smtClean="0"/>
+              <a:t>更好</a:t>
+            </a:r>
+            <a:endParaRPr kumimoji="1" lang="en-US" altLang="zh-CN" sz="2000" dirty="0"/>
           </a:p>
         </p:txBody>
       </p:sp>

--- a/Docker Intro.pptx
+++ b/Docker Intro.pptx
@@ -5,10 +5,10 @@
     <p:sldMasterId id="2147483648" r:id="rId1"/>
   </p:sldMasterIdLst>
   <p:notesMasterIdLst>
-    <p:notesMasterId r:id="rId27"/>
+    <p:notesMasterId r:id="rId31"/>
   </p:notesMasterIdLst>
   <p:handoutMasterIdLst>
-    <p:handoutMasterId r:id="rId28"/>
+    <p:handoutMasterId r:id="rId32"/>
   </p:handoutMasterIdLst>
   <p:sldIdLst>
     <p:sldId id="256" r:id="rId2"/>
@@ -26,16 +26,20 @@
     <p:sldId id="275" r:id="rId14"/>
     <p:sldId id="277" r:id="rId15"/>
     <p:sldId id="276" r:id="rId16"/>
-    <p:sldId id="269" r:id="rId17"/>
-    <p:sldId id="278" r:id="rId18"/>
-    <p:sldId id="270" r:id="rId19"/>
-    <p:sldId id="279" r:id="rId20"/>
-    <p:sldId id="281" r:id="rId21"/>
-    <p:sldId id="280" r:id="rId22"/>
-    <p:sldId id="268" r:id="rId23"/>
-    <p:sldId id="282" r:id="rId24"/>
-    <p:sldId id="283" r:id="rId25"/>
-    <p:sldId id="258" r:id="rId26"/>
+    <p:sldId id="285" r:id="rId17"/>
+    <p:sldId id="284" r:id="rId18"/>
+    <p:sldId id="287" r:id="rId19"/>
+    <p:sldId id="286" r:id="rId20"/>
+    <p:sldId id="269" r:id="rId21"/>
+    <p:sldId id="278" r:id="rId22"/>
+    <p:sldId id="270" r:id="rId23"/>
+    <p:sldId id="279" r:id="rId24"/>
+    <p:sldId id="281" r:id="rId25"/>
+    <p:sldId id="280" r:id="rId26"/>
+    <p:sldId id="268" r:id="rId27"/>
+    <p:sldId id="282" r:id="rId28"/>
+    <p:sldId id="283" r:id="rId29"/>
+    <p:sldId id="258" r:id="rId30"/>
   </p:sldIdLst>
   <p:sldSz cx="12192000" cy="6858000"/>
   <p:notesSz cx="6858000" cy="9144000"/>
@@ -5349,6 +5353,13 @@
   <p:clrMapOvr>
     <a:masterClrMapping/>
   </p:clrMapOvr>
+  <p:timing>
+    <p:tnLst>
+      <p:par>
+        <p:cTn id="1" dur="indefinite" restart="never" nodeType="tmRoot"/>
+      </p:par>
+    </p:tnLst>
+  </p:timing>
 </p:sld>
 </file>
 
@@ -5559,7 +5570,7 @@
           <a:p>
             <a:r>
               <a:rPr kumimoji="1" lang="zh-CN" altLang="en-US" dirty="0" smtClean="0"/>
-              <a:t>黑历史</a:t>
+              <a:t>使用</a:t>
             </a:r>
             <a:endParaRPr kumimoji="1" lang="zh-CN" altLang="en-US" dirty="0"/>
           </a:p>
@@ -5587,7 +5598,7 @@
     </p:spTree>
     <p:extLst>
       <p:ext uri="{BB962C8B-B14F-4D97-AF65-F5344CB8AC3E}">
-        <p14:creationId xmlns:p14="http://schemas.microsoft.com/office/powerpoint/2010/main" val="834681882"/>
+        <p14:creationId xmlns:p14="http://schemas.microsoft.com/office/powerpoint/2010/main" val="1758840933"/>
       </p:ext>
     </p:extLst>
   </p:cSld>
@@ -5623,7 +5634,7 @@
       </p:grpSpPr>
       <p:sp>
         <p:nvSpPr>
-          <p:cNvPr id="4" name="标题 3"/>
+          <p:cNvPr id="2" name="标题 1"/>
           <p:cNvSpPr>
             <a:spLocks noGrp="1"/>
           </p:cNvSpPr>
@@ -5638,7 +5649,7 @@
           <a:p>
             <a:r>
               <a:rPr kumimoji="1" lang="zh-CN" altLang="en-US" dirty="0" smtClean="0"/>
-              <a:t>内核支持</a:t>
+              <a:t>直接运行</a:t>
             </a:r>
             <a:endParaRPr kumimoji="1" lang="zh-CN" altLang="en-US" dirty="0"/>
           </a:p>
@@ -5646,7 +5657,7 @@
       </p:sp>
       <p:sp>
         <p:nvSpPr>
-          <p:cNvPr id="5" name="内容占位符 4"/>
+          <p:cNvPr id="3" name="内容占位符 2"/>
           <p:cNvSpPr>
             <a:spLocks noGrp="1"/>
           </p:cNvSpPr>
@@ -5660,87 +5671,81 @@
           <a:lstStyle/>
           <a:p>
             <a:r>
-              <a:rPr kumimoji="1" lang="zh-CN" altLang="en-US" dirty="0" smtClean="0"/>
-              <a:t>最低需要</a:t>
+              <a:rPr kumimoji="1" lang="en-US" altLang="zh-CN" dirty="0" err="1" smtClean="0"/>
+              <a:t>docker</a:t>
             </a:r>
             <a:r>
               <a:rPr kumimoji="1" lang="en-US" altLang="zh-CN" dirty="0" smtClean="0"/>
-              <a:t>3.10</a:t>
-            </a:r>
-            <a:r>
-              <a:rPr kumimoji="1" lang="zh-CN" altLang="en-US" dirty="0" smtClean="0"/>
-              <a:t>，所以</a:t>
+              <a:t> run </a:t>
+            </a:r>
+            <a:r>
+              <a:rPr kumimoji="1" lang="mr-IN" altLang="zh-CN" dirty="0" smtClean="0"/>
+              <a:t>–</a:t>
             </a:r>
             <a:r>
               <a:rPr kumimoji="1" lang="en-US" altLang="zh-CN" dirty="0" smtClean="0"/>
-              <a:t>RHEL</a:t>
-            </a:r>
-            <a:r>
-              <a:rPr kumimoji="1" lang="zh-CN" altLang="en-US" dirty="0" smtClean="0"/>
-              <a:t>需要</a:t>
+              <a:t>it &lt;image&gt; &lt;</a:t>
+            </a:r>
+            <a:r>
+              <a:rPr kumimoji="1" lang="en-US" altLang="zh-CN" dirty="0" err="1" smtClean="0"/>
+              <a:t>cmd</a:t>
             </a:r>
             <a:r>
               <a:rPr kumimoji="1" lang="en-US" altLang="zh-CN" dirty="0" smtClean="0"/>
-              <a:t>7</a:t>
-            </a:r>
-            <a:r>
-              <a:rPr kumimoji="1" lang="zh-CN" altLang="en-US" dirty="0" smtClean="0"/>
-              <a:t>以上</a:t>
+              <a:t>&gt;</a:t>
             </a:r>
             <a:endParaRPr kumimoji="1" lang="en-US" altLang="zh-CN" dirty="0"/>
           </a:p>
           <a:p>
             <a:r>
               <a:rPr kumimoji="1" lang="zh-CN" altLang="en-US" dirty="0" smtClean="0"/>
-              <a:t>但是</a:t>
-            </a:r>
-            <a:r>
-              <a:rPr kumimoji="1" lang="en-US" altLang="zh-CN" dirty="0" smtClean="0"/>
-              <a:t>RHEL</a:t>
-            </a:r>
-            <a:r>
-              <a:rPr kumimoji="1" lang="zh-CN" altLang="en-US" dirty="0" smtClean="0"/>
-              <a:t>系列做了</a:t>
-            </a:r>
-            <a:r>
-              <a:rPr kumimoji="1" lang="en-US" altLang="zh-CN" dirty="0" smtClean="0"/>
-              <a:t>backport</a:t>
-            </a:r>
-            <a:r>
-              <a:rPr kumimoji="1" lang="zh-CN" altLang="en-US" dirty="0" smtClean="0"/>
-              <a:t>，</a:t>
-            </a:r>
-            <a:r>
-              <a:rPr kumimoji="1" lang="en-US" altLang="zh-CN" dirty="0" smtClean="0"/>
-              <a:t>RHEL6</a:t>
-            </a:r>
-            <a:r>
-              <a:rPr kumimoji="1" lang="zh-CN" altLang="en-US" dirty="0" smtClean="0"/>
-              <a:t>也可以使用</a:t>
+              <a:t>把</a:t>
             </a:r>
             <a:r>
               <a:rPr kumimoji="1" lang="en-US" altLang="zh-CN" dirty="0" smtClean="0"/>
               <a:t>Docker</a:t>
             </a:r>
-          </a:p>
-          <a:p>
+            <a:r>
+              <a:rPr kumimoji="1" lang="zh-CN" altLang="en-US" dirty="0" smtClean="0"/>
+              <a:t>当虚拟</a:t>
+            </a:r>
+            <a:r>
+              <a:rPr kumimoji="1" lang="zh-CN" altLang="en-US" dirty="0" smtClean="0"/>
+              <a:t>机用</a:t>
+            </a:r>
             <a:endParaRPr kumimoji="1" lang="en-US" altLang="zh-CN" dirty="0" smtClean="0"/>
           </a:p>
           <a:p>
-            <a:endParaRPr kumimoji="1" lang="zh-CN" altLang="en-US" dirty="0"/>
+            <a:r>
+              <a:rPr kumimoji="1" lang="en-US" altLang="zh-CN" dirty="0" smtClean="0">
+                <a:hlinkClick r:id="rId2"/>
+              </a:rPr>
+              <a:t>demo</a:t>
+            </a:r>
+            <a:endParaRPr kumimoji="1" lang="en-US" altLang="zh-CN" dirty="0" smtClean="0"/>
+          </a:p>
+          <a:p>
+            <a:endParaRPr kumimoji="1" lang="en-US" altLang="zh-CN" dirty="0" smtClean="0"/>
           </a:p>
         </p:txBody>
       </p:sp>
     </p:spTree>
     <p:extLst>
       <p:ext uri="{BB962C8B-B14F-4D97-AF65-F5344CB8AC3E}">
-        <p14:creationId xmlns:p14="http://schemas.microsoft.com/office/powerpoint/2010/main" val="927064857"/>
+        <p14:creationId xmlns:p14="http://schemas.microsoft.com/office/powerpoint/2010/main" val="104367555"/>
       </p:ext>
     </p:extLst>
   </p:cSld>
   <p:clrMapOvr>
     <a:masterClrMapping/>
   </p:clrMapOvr>
+  <p:timing>
+    <p:tnLst>
+      <p:par>
+        <p:cTn id="1" dur="indefinite" restart="never" nodeType="tmRoot"/>
+      </p:par>
+    </p:tnLst>
+  </p:timing>
 </p:sld>
 </file>
 
@@ -5777,113 +5782,59 @@
           <a:lstStyle/>
           <a:p>
             <a:r>
+              <a:rPr kumimoji="1" lang="zh-CN" altLang="en-US" dirty="0" smtClean="0"/>
+              <a:t>创建镜像</a:t>
+            </a:r>
+            <a:endParaRPr kumimoji="1" lang="zh-CN" altLang="en-US" dirty="0"/>
+          </a:p>
+        </p:txBody>
+      </p:sp>
+      <p:sp>
+        <p:nvSpPr>
+          <p:cNvPr id="3" name="内容占位符 2"/>
+          <p:cNvSpPr>
+            <a:spLocks noGrp="1"/>
+          </p:cNvSpPr>
+          <p:nvPr>
+            <p:ph idx="1"/>
+          </p:nvPr>
+        </p:nvSpPr>
+        <p:spPr/>
+        <p:txBody>
+          <a:bodyPr/>
+          <a:lstStyle/>
+          <a:p>
+            <a:r>
+              <a:rPr kumimoji="1" lang="zh-CN" altLang="en-US" dirty="0" smtClean="0"/>
+              <a:t>写</a:t>
+            </a:r>
+            <a:r>
+              <a:rPr kumimoji="1" lang="en-US" altLang="zh-CN" dirty="0" err="1" smtClean="0"/>
+              <a:t>Dockerfile</a:t>
+            </a:r>
+            <a:endParaRPr kumimoji="1" lang="en-US" altLang="zh-CN" dirty="0" smtClean="0"/>
+          </a:p>
+          <a:p>
+            <a:r>
+              <a:rPr kumimoji="1" lang="en-US" altLang="zh-CN" dirty="0" err="1" smtClean="0"/>
+              <a:t>docker</a:t>
+            </a:r>
+            <a:r>
               <a:rPr kumimoji="1" lang="en-US" altLang="zh-CN" dirty="0" smtClean="0"/>
-              <a:t>Storage Driver</a:t>
-            </a:r>
-            <a:endParaRPr kumimoji="1" lang="zh-CN" altLang="en-US" dirty="0"/>
-          </a:p>
-        </p:txBody>
-      </p:sp>
-      <p:sp>
-        <p:nvSpPr>
-          <p:cNvPr id="3" name="内容占位符 2"/>
-          <p:cNvSpPr>
-            <a:spLocks noGrp="1"/>
-          </p:cNvSpPr>
-          <p:nvPr>
-            <p:ph idx="1"/>
-          </p:nvPr>
-        </p:nvSpPr>
-        <p:spPr/>
-        <p:txBody>
-          <a:bodyPr/>
-          <a:lstStyle/>
-          <a:p>
+              <a:t> build -t &lt;name&gt;[:&lt;tag&gt;] &lt;path</a:t>
+            </a:r>
             <a:r>
               <a:rPr kumimoji="1" lang="en-US" altLang="zh-CN" dirty="0" smtClean="0"/>
-              <a:t>AUFS</a:t>
-            </a:r>
-            <a:r>
-              <a:rPr kumimoji="1" lang="zh-CN" altLang="en-US" dirty="0" smtClean="0"/>
-              <a:t>不稳定，在</a:t>
-            </a:r>
-            <a:r>
-              <a:rPr kumimoji="1" lang="en-US" altLang="zh-CN" dirty="0" smtClean="0"/>
-              <a:t>3.x</a:t>
-            </a:r>
-            <a:r>
-              <a:rPr kumimoji="1" lang="zh-CN" altLang="en-US" dirty="0" smtClean="0"/>
-              <a:t>内核中经常挂掉，且每个版本症状都不太一样。而</a:t>
-            </a:r>
-            <a:r>
-              <a:rPr kumimoji="1" lang="en-US" altLang="zh-CN" dirty="0" smtClean="0"/>
-              <a:t>4.x</a:t>
-            </a:r>
-            <a:r>
-              <a:rPr kumimoji="1" lang="zh-CN" altLang="en-US" dirty="0" smtClean="0"/>
-              <a:t>内核</a:t>
-            </a:r>
-            <a:r>
-              <a:rPr kumimoji="1" lang="zh-CN" altLang="en-US" dirty="0" smtClean="0"/>
-              <a:t>不再支持</a:t>
-            </a:r>
-            <a:r>
-              <a:rPr kumimoji="1" lang="en-US" altLang="zh-CN" dirty="0" smtClean="0"/>
-              <a:t>AUFS</a:t>
-            </a:r>
-            <a:r>
-              <a:rPr kumimoji="1" lang="zh-CN" altLang="en-US" dirty="0" smtClean="0"/>
-              <a:t>（大写的尴尬</a:t>
-            </a:r>
-            <a:endParaRPr kumimoji="1" lang="en-US" altLang="zh-CN" dirty="0" smtClean="0"/>
-          </a:p>
-          <a:p>
-            <a:r>
-              <a:rPr kumimoji="1" lang="en-US" altLang="zh-CN" dirty="0" err="1" smtClean="0"/>
-              <a:t>OverlayFS</a:t>
-            </a:r>
-            <a:r>
-              <a:rPr kumimoji="1" lang="zh-CN" altLang="en-US" dirty="0" smtClean="0"/>
-              <a:t>夭折</a:t>
-            </a:r>
-            <a:endParaRPr kumimoji="1" lang="en-US" altLang="zh-CN" dirty="0" smtClean="0"/>
-          </a:p>
-          <a:p>
-            <a:r>
-              <a:rPr kumimoji="1" lang="en-US" altLang="zh-CN" dirty="0" smtClean="0"/>
-              <a:t>Overlay2</a:t>
-            </a:r>
-            <a:r>
-              <a:rPr kumimoji="1" lang="zh-CN" altLang="en-US" dirty="0" smtClean="0"/>
-              <a:t>尚不成熟，</a:t>
-            </a:r>
-            <a:r>
-              <a:rPr kumimoji="1" lang="en-US" altLang="zh-CN" dirty="0" smtClean="0"/>
-              <a:t>4.x</a:t>
-            </a:r>
-            <a:r>
-              <a:rPr kumimoji="1" lang="zh-CN" altLang="en-US" dirty="0" smtClean="0"/>
-              <a:t>内核没有广泛使用</a:t>
-            </a:r>
-            <a:endParaRPr kumimoji="1" lang="en-US" altLang="zh-CN" dirty="0" smtClean="0"/>
-          </a:p>
-          <a:p>
-            <a:r>
-              <a:rPr kumimoji="1" lang="zh-CN" altLang="en-US" dirty="0" smtClean="0"/>
-              <a:t>挑选存储驱动很纠结，官方建议</a:t>
-            </a:r>
-            <a:r>
-              <a:rPr kumimoji="1" lang="zh-CN" altLang="en-US" dirty="0" smtClean="0">
+              <a:t>&gt;</a:t>
+            </a:r>
+          </a:p>
+          <a:p>
+            <a:r>
+              <a:rPr kumimoji="1" lang="en-US" altLang="zh-CN" dirty="0" smtClean="0">
                 <a:hlinkClick r:id="rId2"/>
               </a:rPr>
-              <a:t>查表</a:t>
-            </a:r>
-            <a:endParaRPr kumimoji="1" lang="en-US" altLang="zh-CN" dirty="0" smtClean="0"/>
-          </a:p>
-          <a:p>
-            <a:endParaRPr kumimoji="1" lang="en-US" altLang="zh-CN" dirty="0" smtClean="0"/>
-          </a:p>
-          <a:p>
+              <a:t>demo</a:t>
+            </a:r>
             <a:endParaRPr kumimoji="1" lang="zh-CN" altLang="en-US" dirty="0"/>
           </a:p>
         </p:txBody>
@@ -5891,7 +5842,7 @@
     </p:spTree>
     <p:extLst>
       <p:ext uri="{BB962C8B-B14F-4D97-AF65-F5344CB8AC3E}">
-        <p14:creationId xmlns:p14="http://schemas.microsoft.com/office/powerpoint/2010/main" val="641855112"/>
+        <p14:creationId xmlns:p14="http://schemas.microsoft.com/office/powerpoint/2010/main" val="27220752"/>
       </p:ext>
     </p:extLst>
   </p:cSld>
@@ -5942,7 +5893,19 @@
           <a:p>
             <a:r>
               <a:rPr kumimoji="1" lang="zh-CN" altLang="en-US" dirty="0" smtClean="0"/>
-              <a:t>反复改名</a:t>
+              <a:t>使用</a:t>
+            </a:r>
+            <a:r>
+              <a:rPr kumimoji="1" lang="en-US" altLang="zh-CN" dirty="0" smtClean="0"/>
+              <a:t>Docker</a:t>
+            </a:r>
+            <a:r>
+              <a:rPr kumimoji="1" lang="zh-CN" altLang="en-US" dirty="0" smtClean="0"/>
+              <a:t> </a:t>
+            </a:r>
+            <a:r>
+              <a:rPr kumimoji="1" lang="en-US" altLang="zh-CN" dirty="0" smtClean="0"/>
+              <a:t>Compose</a:t>
             </a:r>
             <a:endParaRPr kumimoji="1" lang="zh-CN" altLang="en-US" dirty="0"/>
           </a:p>
@@ -5964,87 +5927,53 @@
           <a:lstStyle/>
           <a:p>
             <a:r>
-              <a:rPr kumimoji="1" lang="en-US" altLang="zh-CN" dirty="0" smtClean="0"/>
-              <a:t>2015</a:t>
-            </a:r>
-            <a:r>
-              <a:rPr kumimoji="1" lang="zh-CN" altLang="en-US" dirty="0" smtClean="0"/>
-              <a:t>年，</a:t>
-            </a:r>
-            <a:r>
-              <a:rPr kumimoji="1" lang="en-US" altLang="zh-CN" dirty="0" err="1" smtClean="0"/>
-              <a:t>docker.io</a:t>
-            </a:r>
-            <a:r>
-              <a:rPr kumimoji="1" lang="en-US" altLang="zh-CN" dirty="0" smtClean="0"/>
-              <a:t> </a:t>
-            </a:r>
-            <a:r>
-              <a:rPr kumimoji="1" lang="zh-CN" altLang="en-US" dirty="0" smtClean="0"/>
-              <a:t>改名</a:t>
-            </a:r>
-            <a:r>
-              <a:rPr kumimoji="1" lang="en-US" altLang="zh-CN" dirty="0" smtClean="0"/>
-              <a:t> </a:t>
+              <a:rPr kumimoji="1" lang="zh-CN" altLang="en-US" dirty="0" smtClean="0"/>
+              <a:t>一键管理</a:t>
+            </a:r>
+            <a:r>
+              <a:rPr kumimoji="1" lang="zh-CN" altLang="en-US" dirty="0" smtClean="0"/>
+              <a:t>多个</a:t>
             </a:r>
             <a:r>
               <a:rPr kumimoji="1" lang="en-US" altLang="zh-CN" dirty="0" err="1" smtClean="0"/>
               <a:t>docker</a:t>
             </a:r>
             <a:r>
+              <a:rPr kumimoji="1" lang="zh-CN" altLang="en-US" dirty="0" smtClean="0"/>
+              <a:t>容器</a:t>
+            </a:r>
+            <a:endParaRPr kumimoji="1" lang="en-US" altLang="zh-CN" dirty="0" smtClean="0"/>
+          </a:p>
+          <a:p>
+            <a:r>
+              <a:rPr kumimoji="1" lang="en-US" altLang="zh-CN" dirty="0" smtClean="0">
+                <a:hlinkClick r:id="rId2"/>
+              </a:rPr>
+              <a:t>demo</a:t>
+            </a:r>
+            <a:r>
+              <a:rPr kumimoji="1" lang="zh-CN" altLang="en-US" dirty="0" smtClean="0">
+                <a:hlinkClick r:id="rId2"/>
+              </a:rPr>
+              <a:t> </a:t>
+            </a:r>
+            <a:r>
+              <a:rPr kumimoji="1" lang="en-US" altLang="zh-CN" dirty="0" smtClean="0">
+                <a:hlinkClick r:id="rId2"/>
+              </a:rPr>
+              <a:t>0</a:t>
+            </a:r>
+            <a:r>
               <a:rPr kumimoji="1" lang="en-US" altLang="zh-CN" dirty="0" smtClean="0"/>
-              <a:t>-engine,</a:t>
-            </a:r>
-            <a:r>
-              <a:rPr kumimoji="1" lang="zh-CN" altLang="en-US" dirty="0" smtClean="0"/>
-              <a:t>从</a:t>
-            </a:r>
-            <a:r>
-              <a:rPr kumimoji="1" lang="en-US" altLang="zh-CN" dirty="0" err="1" smtClean="0"/>
-              <a:t>Debian</a:t>
-            </a:r>
-            <a:r>
-              <a:rPr kumimoji="1" lang="zh-CN" altLang="en-US" dirty="0" smtClean="0"/>
-              <a:t>官方源中移除（然后自己搭了一套）</a:t>
-            </a:r>
-            <a:endParaRPr kumimoji="1" lang="en-US" altLang="zh-CN" dirty="0" smtClean="0"/>
-          </a:p>
-          <a:p>
-            <a:r>
-              <a:rPr kumimoji="1" lang="en-US" altLang="zh-CN" dirty="0" smtClean="0"/>
-              <a:t>2017</a:t>
-            </a:r>
-            <a:r>
-              <a:rPr kumimoji="1" lang="zh-CN" altLang="en-US" dirty="0" smtClean="0"/>
-              <a:t>年</a:t>
-            </a:r>
-            <a:r>
-              <a:rPr kumimoji="1" lang="en-US" altLang="zh-CN" dirty="0" smtClean="0"/>
-              <a:t>2</a:t>
-            </a:r>
-            <a:r>
-              <a:rPr kumimoji="1" lang="zh-CN" altLang="en-US" dirty="0" smtClean="0"/>
-              <a:t>月，</a:t>
-            </a:r>
-            <a:r>
-              <a:rPr kumimoji="1" lang="en-US" altLang="zh-CN" dirty="0" err="1" smtClean="0"/>
-              <a:t>docker</a:t>
-            </a:r>
-            <a:r>
-              <a:rPr kumimoji="1" lang="en-US" altLang="zh-CN" dirty="0" smtClean="0"/>
-              <a:t>-engine</a:t>
-            </a:r>
-            <a:r>
-              <a:rPr kumimoji="1" lang="zh-CN" altLang="en-US" dirty="0" smtClean="0"/>
-              <a:t>改名</a:t>
-            </a:r>
-            <a:r>
-              <a:rPr kumimoji="1" lang="en-US" altLang="zh-CN" dirty="0" err="1" smtClean="0"/>
-              <a:t>docker-ce</a:t>
-            </a:r>
-            <a:r>
-              <a:rPr kumimoji="1" lang="zh-CN" altLang="en-US" dirty="0" smtClean="0"/>
-              <a:t>，目前还处于两个名字都可以用的状态</a:t>
+              <a:t> (official)</a:t>
+            </a:r>
+          </a:p>
+          <a:p>
+            <a:r>
+              <a:rPr kumimoji="1" lang="en-US" altLang="zh-CN" dirty="0" smtClean="0">
+                <a:hlinkClick r:id="rId3"/>
+              </a:rPr>
+              <a:t>demo 1</a:t>
             </a:r>
             <a:endParaRPr kumimoji="1" lang="zh-CN" altLang="en-US" dirty="0"/>
           </a:p>
@@ -6053,13 +5982,20 @@
     </p:spTree>
     <p:extLst>
       <p:ext uri="{BB962C8B-B14F-4D97-AF65-F5344CB8AC3E}">
-        <p14:creationId xmlns:p14="http://schemas.microsoft.com/office/powerpoint/2010/main" val="60597055"/>
+        <p14:creationId xmlns:p14="http://schemas.microsoft.com/office/powerpoint/2010/main" val="736616729"/>
       </p:ext>
     </p:extLst>
   </p:cSld>
   <p:clrMapOvr>
     <a:masterClrMapping/>
   </p:clrMapOvr>
+  <p:timing>
+    <p:tnLst>
+      <p:par>
+        <p:cTn id="1" dur="indefinite" restart="never" nodeType="tmRoot"/>
+      </p:par>
+    </p:tnLst>
+  </p:timing>
 </p:sld>
 </file>
 
@@ -6233,16 +6169,8 @@
           <a:lstStyle/>
           <a:p>
             <a:r>
-              <a:rPr kumimoji="1" lang="en-US" altLang="zh-CN" dirty="0" smtClean="0"/>
-              <a:t>Release</a:t>
-            </a:r>
-            <a:r>
-              <a:rPr kumimoji="1" lang="zh-CN" altLang="en-US" dirty="0" smtClean="0"/>
-              <a:t> </a:t>
-            </a:r>
-            <a:r>
-              <a:rPr kumimoji="1" lang="en-US" altLang="zh-CN" dirty="0" smtClean="0"/>
-              <a:t>Cycle</a:t>
+              <a:rPr kumimoji="1" lang="zh-CN" altLang="en-US" dirty="0" smtClean="0"/>
+              <a:t>黑历史</a:t>
             </a:r>
             <a:endParaRPr kumimoji="1" lang="zh-CN" altLang="en-US" dirty="0"/>
           </a:p>
@@ -6250,12 +6178,12 @@
       </p:sp>
       <p:sp>
         <p:nvSpPr>
-          <p:cNvPr id="3" name="内容占位符 2"/>
-          <p:cNvSpPr>
-            <a:spLocks noGrp="1"/>
-          </p:cNvSpPr>
-          <p:nvPr>
-            <p:ph idx="1"/>
+          <p:cNvPr id="3" name="文本占位符 2"/>
+          <p:cNvSpPr>
+            <a:spLocks noGrp="1"/>
+          </p:cNvSpPr>
+          <p:nvPr>
+            <p:ph type="body" idx="1"/>
           </p:nvPr>
         </p:nvSpPr>
         <p:spPr/>
@@ -6263,101 +6191,27 @@
           <a:bodyPr/>
           <a:lstStyle/>
           <a:p>
-            <a:r>
-              <a:rPr kumimoji="1" lang="zh-CN" altLang="en-US" dirty="0" smtClean="0"/>
-              <a:t>早期</a:t>
-            </a:r>
-            <a:r>
-              <a:rPr kumimoji="1" lang="en-US" altLang="zh-CN" dirty="0" smtClean="0"/>
-              <a:t>Docker</a:t>
-            </a:r>
-            <a:r>
-              <a:rPr kumimoji="1" lang="zh-CN" altLang="en-US" dirty="0" smtClean="0"/>
-              <a:t>迭代迅速，没有</a:t>
-            </a:r>
-            <a:r>
-              <a:rPr kumimoji="1" lang="en-US" altLang="zh-CN" dirty="0" smtClean="0"/>
-              <a:t>LTS</a:t>
-            </a:r>
-            <a:r>
-              <a:rPr kumimoji="1" lang="zh-CN" altLang="en-US" dirty="0" smtClean="0"/>
-              <a:t>，单个版本的生命周期很短</a:t>
-            </a:r>
-            <a:endParaRPr kumimoji="1" lang="en-US" altLang="zh-CN" dirty="0" smtClean="0"/>
-          </a:p>
-          <a:p>
-            <a:r>
-              <a:rPr kumimoji="1" lang="en-US" altLang="zh-CN" dirty="0"/>
-              <a:t>2017</a:t>
-            </a:r>
-            <a:r>
-              <a:rPr kumimoji="1" lang="zh-CN" altLang="en-US" dirty="0"/>
-              <a:t>年</a:t>
-            </a:r>
-            <a:r>
-              <a:rPr kumimoji="1" lang="en-US" altLang="zh-CN" dirty="0"/>
-              <a:t>2</a:t>
-            </a:r>
-            <a:r>
-              <a:rPr kumimoji="1" lang="zh-CN" altLang="en-US" dirty="0"/>
-              <a:t>月，</a:t>
-            </a:r>
-            <a:r>
-              <a:rPr kumimoji="1" lang="en-US" altLang="zh-CN" dirty="0"/>
-              <a:t>Docker</a:t>
-            </a:r>
-            <a:r>
-              <a:rPr kumimoji="1" lang="zh-CN" altLang="en-US" dirty="0"/>
-              <a:t>发布了企业版（</a:t>
-            </a:r>
-            <a:r>
-              <a:rPr kumimoji="1" lang="en-US" altLang="zh-CN" dirty="0">
-                <a:hlinkClick r:id="rId2"/>
-              </a:rPr>
-              <a:t>ANNOUNCING DOCKER ENTERPRISE EDITION</a:t>
-            </a:r>
-            <a:r>
-              <a:rPr kumimoji="1" lang="zh-CN" altLang="en-US" dirty="0" smtClean="0"/>
-              <a:t>）</a:t>
-            </a:r>
-            <a:r>
-              <a:rPr kumimoji="1" lang="zh-CN" altLang="en-US" b="1" dirty="0" smtClean="0"/>
-              <a:t>可能</a:t>
-            </a:r>
-            <a:r>
-              <a:rPr kumimoji="1" lang="zh-CN" altLang="en-US" dirty="0" smtClean="0"/>
-              <a:t>会改变</a:t>
-            </a:r>
-            <a:r>
-              <a:rPr kumimoji="1" lang="en-US" altLang="zh-CN" dirty="0" smtClean="0"/>
-              <a:t>Release</a:t>
-            </a:r>
-            <a:r>
-              <a:rPr kumimoji="1" lang="zh-CN" altLang="en-US" dirty="0" smtClean="0"/>
-              <a:t> </a:t>
-            </a:r>
-            <a:r>
-              <a:rPr kumimoji="1" lang="en-US" altLang="zh-CN" dirty="0" smtClean="0"/>
-              <a:t>Cycle</a:t>
-            </a:r>
-            <a:r>
-              <a:rPr kumimoji="1" lang="zh-CN" altLang="en-US" dirty="0" smtClean="0"/>
-              <a:t>混乱的问题</a:t>
-            </a:r>
-            <a:endParaRPr kumimoji="1" lang="zh-CN" altLang="en-US" dirty="0"/>
+            <a:endParaRPr kumimoji="1" lang="zh-CN" altLang="en-US"/>
           </a:p>
         </p:txBody>
       </p:sp>
     </p:spTree>
     <p:extLst>
       <p:ext uri="{BB962C8B-B14F-4D97-AF65-F5344CB8AC3E}">
-        <p14:creationId xmlns:p14="http://schemas.microsoft.com/office/powerpoint/2010/main" val="1341296058"/>
+        <p14:creationId xmlns:p14="http://schemas.microsoft.com/office/powerpoint/2010/main" val="834681882"/>
       </p:ext>
     </p:extLst>
   </p:cSld>
   <p:clrMapOvr>
     <a:masterClrMapping/>
   </p:clrMapOvr>
+  <p:timing>
+    <p:tnLst>
+      <p:par>
+        <p:cTn id="1" dur="indefinite" restart="never" nodeType="tmRoot"/>
+      </p:par>
+    </p:tnLst>
+  </p:timing>
 </p:sld>
 </file>
 
@@ -6380,7 +6234,7 @@
       </p:grpSpPr>
       <p:sp>
         <p:nvSpPr>
-          <p:cNvPr id="2" name="标题 1"/>
+          <p:cNvPr id="4" name="标题 3"/>
           <p:cNvSpPr>
             <a:spLocks noGrp="1"/>
           </p:cNvSpPr>
@@ -6395,7 +6249,7 @@
           <a:p>
             <a:r>
               <a:rPr kumimoji="1" lang="zh-CN" altLang="en-US" dirty="0" smtClean="0"/>
-              <a:t>不稳定</a:t>
+              <a:t>内核支持</a:t>
             </a:r>
             <a:endParaRPr kumimoji="1" lang="zh-CN" altLang="en-US" dirty="0"/>
           </a:p>
@@ -6403,7 +6257,7 @@
       </p:sp>
       <p:sp>
         <p:nvSpPr>
-          <p:cNvPr id="3" name="内容占位符 2"/>
+          <p:cNvPr id="5" name="内容占位符 4"/>
           <p:cNvSpPr>
             <a:spLocks noGrp="1"/>
           </p:cNvSpPr>
@@ -6417,43 +6271,73 @@
           <a:lstStyle/>
           <a:p>
             <a:r>
+              <a:rPr kumimoji="1" lang="zh-CN" altLang="en-US" dirty="0" smtClean="0"/>
+              <a:t>最低需要</a:t>
+            </a:r>
+            <a:r>
               <a:rPr kumimoji="1" lang="en-US" altLang="zh-CN" dirty="0" smtClean="0"/>
-              <a:t>Container</a:t>
-            </a:r>
-            <a:r>
-              <a:rPr kumimoji="1" lang="zh-CN" altLang="en-US" dirty="0" smtClean="0"/>
-              <a:t>会挂</a:t>
-            </a:r>
+              <a:t>3.10</a:t>
+            </a:r>
+            <a:r>
+              <a:rPr kumimoji="1" lang="zh-CN" altLang="en-US" dirty="0" smtClean="0"/>
+              <a:t>，所以</a:t>
+            </a:r>
+            <a:r>
+              <a:rPr kumimoji="1" lang="en-US" altLang="zh-CN" dirty="0" smtClean="0"/>
+              <a:t>RHEL</a:t>
+            </a:r>
+            <a:r>
+              <a:rPr kumimoji="1" lang="zh-CN" altLang="en-US" dirty="0" smtClean="0"/>
+              <a:t>需要</a:t>
+            </a:r>
+            <a:r>
+              <a:rPr kumimoji="1" lang="en-US" altLang="zh-CN" dirty="0" smtClean="0"/>
+              <a:t>7</a:t>
+            </a:r>
+            <a:r>
+              <a:rPr kumimoji="1" lang="zh-CN" altLang="en-US" dirty="0" smtClean="0"/>
+              <a:t>以上</a:t>
+            </a:r>
+            <a:endParaRPr kumimoji="1" lang="en-US" altLang="zh-CN" dirty="0"/>
+          </a:p>
+          <a:p>
+            <a:r>
+              <a:rPr kumimoji="1" lang="zh-CN" altLang="en-US" dirty="0" smtClean="0"/>
+              <a:t>但是</a:t>
+            </a:r>
+            <a:r>
+              <a:rPr kumimoji="1" lang="en-US" altLang="zh-CN" dirty="0" smtClean="0"/>
+              <a:t>RHEL</a:t>
+            </a:r>
+            <a:r>
+              <a:rPr kumimoji="1" lang="zh-CN" altLang="en-US" dirty="0" smtClean="0"/>
+              <a:t>系列做了</a:t>
+            </a:r>
+            <a:r>
+              <a:rPr kumimoji="1" lang="en-US" altLang="zh-CN" dirty="0" smtClean="0"/>
+              <a:t>backport</a:t>
+            </a:r>
+            <a:r>
+              <a:rPr kumimoji="1" lang="zh-CN" altLang="en-US" dirty="0" smtClean="0"/>
+              <a:t>，</a:t>
+            </a:r>
+            <a:r>
+              <a:rPr kumimoji="1" lang="en-US" altLang="zh-CN" dirty="0" smtClean="0"/>
+              <a:t>RHEL6</a:t>
+            </a:r>
+            <a:r>
+              <a:rPr kumimoji="1" lang="zh-CN" altLang="en-US" dirty="0" smtClean="0"/>
+              <a:t>也可以使用</a:t>
+            </a:r>
+            <a:r>
+              <a:rPr kumimoji="1" lang="en-US" altLang="zh-CN" dirty="0" smtClean="0"/>
+              <a:t>Docker</a:t>
+            </a:r>
+          </a:p>
+          <a:p>
             <a:endParaRPr kumimoji="1" lang="en-US" altLang="zh-CN" dirty="0" smtClean="0"/>
           </a:p>
           <a:p>
-            <a:r>
-              <a:rPr kumimoji="1" lang="en-US" altLang="zh-CN" dirty="0" smtClean="0"/>
-              <a:t>Container</a:t>
-            </a:r>
-            <a:r>
-              <a:rPr kumimoji="1" lang="zh-CN" altLang="en-US" dirty="0" smtClean="0"/>
-              <a:t>挂掉可能会损失数据</a:t>
-            </a:r>
-            <a:endParaRPr kumimoji="1" lang="en-US" altLang="zh-CN" dirty="0" smtClean="0"/>
-          </a:p>
-          <a:p>
-            <a:r>
-              <a:rPr kumimoji="1" lang="en-US" altLang="zh-CN" dirty="0" smtClean="0"/>
-              <a:t>Container</a:t>
-            </a:r>
-            <a:r>
-              <a:rPr kumimoji="1" lang="zh-CN" altLang="en-US" dirty="0" smtClean="0"/>
-              <a:t>挂掉可能会把</a:t>
-            </a:r>
-            <a:r>
-              <a:rPr kumimoji="1" lang="en-US" altLang="zh-CN" dirty="0" smtClean="0"/>
-              <a:t>Host</a:t>
-            </a:r>
-            <a:r>
-              <a:rPr kumimoji="1" lang="zh-CN" altLang="en-US" dirty="0" smtClean="0"/>
-              <a:t>系统带挂</a:t>
-            </a:r>
             <a:endParaRPr kumimoji="1" lang="zh-CN" altLang="en-US" dirty="0"/>
           </a:p>
         </p:txBody>
@@ -6461,7 +6345,7 @@
     </p:spTree>
     <p:extLst>
       <p:ext uri="{BB962C8B-B14F-4D97-AF65-F5344CB8AC3E}">
-        <p14:creationId xmlns:p14="http://schemas.microsoft.com/office/powerpoint/2010/main" val="82265908"/>
+        <p14:creationId xmlns:p14="http://schemas.microsoft.com/office/powerpoint/2010/main" val="927064857"/>
       </p:ext>
     </p:extLst>
   </p:cSld>
@@ -6511,12 +6395,8 @@
           <a:lstStyle/>
           <a:p>
             <a:r>
-              <a:rPr kumimoji="1" lang="zh-CN" altLang="en-US" dirty="0" smtClean="0"/>
-              <a:t>在生产环境使用</a:t>
-            </a:r>
-            <a:r>
               <a:rPr kumimoji="1" lang="en-US" altLang="zh-CN" dirty="0" smtClean="0"/>
-              <a:t>Docker</a:t>
+              <a:t>Storage Driver</a:t>
             </a:r>
             <a:endParaRPr kumimoji="1" lang="zh-CN" altLang="en-US" dirty="0"/>
           </a:p>
@@ -6524,12 +6404,12 @@
       </p:sp>
       <p:sp>
         <p:nvSpPr>
-          <p:cNvPr id="3" name="文本占位符 2"/>
-          <p:cNvSpPr>
-            <a:spLocks noGrp="1"/>
-          </p:cNvSpPr>
-          <p:nvPr>
-            <p:ph type="body" idx="1"/>
+          <p:cNvPr id="3" name="内容占位符 2"/>
+          <p:cNvSpPr>
+            <a:spLocks noGrp="1"/>
+          </p:cNvSpPr>
+          <p:nvPr>
+            <p:ph idx="1"/>
           </p:nvPr>
         </p:nvSpPr>
         <p:spPr/>
@@ -6537,14 +6417,95 @@
           <a:bodyPr/>
           <a:lstStyle/>
           <a:p>
-            <a:endParaRPr kumimoji="1" lang="zh-CN" altLang="en-US"/>
+            <a:r>
+              <a:rPr kumimoji="1" lang="en-US" altLang="zh-CN" dirty="0" smtClean="0"/>
+              <a:t>AUFS</a:t>
+            </a:r>
+            <a:r>
+              <a:rPr kumimoji="1" lang="zh-CN" altLang="en-US" dirty="0" smtClean="0"/>
+              <a:t>不稳定，在</a:t>
+            </a:r>
+            <a:r>
+              <a:rPr kumimoji="1" lang="en-US" altLang="zh-CN" dirty="0" smtClean="0"/>
+              <a:t>3.x</a:t>
+            </a:r>
+            <a:r>
+              <a:rPr kumimoji="1" lang="zh-CN" altLang="en-US" dirty="0" smtClean="0"/>
+              <a:t>内核中经常挂掉，且每个版本症状都不太一样。而</a:t>
+            </a:r>
+            <a:r>
+              <a:rPr kumimoji="1" lang="en-US" altLang="zh-CN" dirty="0" smtClean="0"/>
+              <a:t>4.x</a:t>
+            </a:r>
+            <a:r>
+              <a:rPr kumimoji="1" lang="zh-CN" altLang="en-US" dirty="0" smtClean="0"/>
+              <a:t>内核不再支持</a:t>
+            </a:r>
+            <a:r>
+              <a:rPr kumimoji="1" lang="en-US" altLang="zh-CN" dirty="0" smtClean="0"/>
+              <a:t>AUFS</a:t>
+            </a:r>
+            <a:r>
+              <a:rPr kumimoji="1" lang="zh-CN" altLang="en-US" dirty="0" smtClean="0"/>
+              <a:t>（大写的尴尬</a:t>
+            </a:r>
+            <a:endParaRPr kumimoji="1" lang="en-US" altLang="zh-CN" dirty="0" smtClean="0"/>
+          </a:p>
+          <a:p>
+            <a:r>
+              <a:rPr kumimoji="1" lang="en-US" altLang="zh-CN" dirty="0" err="1" smtClean="0"/>
+              <a:t>OverlayFS</a:t>
+            </a:r>
+            <a:r>
+              <a:rPr kumimoji="1" lang="zh-CN" altLang="en-US" dirty="0" smtClean="0"/>
+              <a:t>夭折</a:t>
+            </a:r>
+            <a:endParaRPr kumimoji="1" lang="en-US" altLang="zh-CN" dirty="0" smtClean="0"/>
+          </a:p>
+          <a:p>
+            <a:r>
+              <a:rPr kumimoji="1" lang="en-US" altLang="zh-CN" dirty="0" smtClean="0"/>
+              <a:t>Overlay2</a:t>
+            </a:r>
+            <a:r>
+              <a:rPr kumimoji="1" lang="zh-CN" altLang="en-US" dirty="0" smtClean="0"/>
+              <a:t>尚不成熟，</a:t>
+            </a:r>
+            <a:r>
+              <a:rPr kumimoji="1" lang="en-US" altLang="zh-CN" dirty="0" smtClean="0"/>
+              <a:t>4.x</a:t>
+            </a:r>
+            <a:r>
+              <a:rPr kumimoji="1" lang="zh-CN" altLang="en-US" dirty="0" smtClean="0"/>
+              <a:t>内核没有广泛使用</a:t>
+            </a:r>
+            <a:endParaRPr kumimoji="1" lang="en-US" altLang="zh-CN" dirty="0" smtClean="0"/>
+          </a:p>
+          <a:p>
+            <a:r>
+              <a:rPr kumimoji="1" lang="zh-CN" altLang="en-US" dirty="0" smtClean="0"/>
+              <a:t>挑选存储驱动很纠结，官方建议</a:t>
+            </a:r>
+            <a:r>
+              <a:rPr kumimoji="1" lang="zh-CN" altLang="en-US" dirty="0" smtClean="0">
+                <a:hlinkClick r:id="rId2"/>
+              </a:rPr>
+              <a:t>查表</a:t>
+            </a:r>
+            <a:endParaRPr kumimoji="1" lang="en-US" altLang="zh-CN" dirty="0" smtClean="0"/>
+          </a:p>
+          <a:p>
+            <a:endParaRPr kumimoji="1" lang="en-US" altLang="zh-CN" dirty="0" smtClean="0"/>
+          </a:p>
+          <a:p>
+            <a:endParaRPr kumimoji="1" lang="zh-CN" altLang="en-US" dirty="0"/>
           </a:p>
         </p:txBody>
       </p:sp>
     </p:spTree>
     <p:extLst>
       <p:ext uri="{BB962C8B-B14F-4D97-AF65-F5344CB8AC3E}">
-        <p14:creationId xmlns:p14="http://schemas.microsoft.com/office/powerpoint/2010/main" val="1566573868"/>
+        <p14:creationId xmlns:p14="http://schemas.microsoft.com/office/powerpoint/2010/main" val="641855112"/>
       </p:ext>
     </p:extLst>
   </p:cSld>
@@ -6595,7 +6556,7 @@
           <a:p>
             <a:r>
               <a:rPr kumimoji="1" lang="zh-CN" altLang="en-US" dirty="0" smtClean="0"/>
-              <a:t>禁忌</a:t>
+              <a:t>反复改名</a:t>
             </a:r>
             <a:endParaRPr kumimoji="1" lang="zh-CN" altLang="en-US" dirty="0"/>
           </a:p>
@@ -6617,8 +6578,171 @@
           <a:lstStyle/>
           <a:p>
             <a:r>
-              <a:rPr kumimoji="1" lang="zh-CN" altLang="en-US" dirty="0" smtClean="0"/>
-              <a:t>在</a:t>
+              <a:rPr kumimoji="1" lang="en-US" altLang="zh-CN" dirty="0" smtClean="0"/>
+              <a:t>2015</a:t>
+            </a:r>
+            <a:r>
+              <a:rPr kumimoji="1" lang="zh-CN" altLang="en-US" dirty="0" smtClean="0"/>
+              <a:t>年，</a:t>
+            </a:r>
+            <a:r>
+              <a:rPr kumimoji="1" lang="en-US" altLang="zh-CN" dirty="0" err="1" smtClean="0"/>
+              <a:t>docker.io</a:t>
+            </a:r>
+            <a:r>
+              <a:rPr kumimoji="1" lang="en-US" altLang="zh-CN" dirty="0" smtClean="0"/>
+              <a:t> </a:t>
+            </a:r>
+            <a:r>
+              <a:rPr kumimoji="1" lang="zh-CN" altLang="en-US" dirty="0" smtClean="0"/>
+              <a:t>改名</a:t>
+            </a:r>
+            <a:r>
+              <a:rPr kumimoji="1" lang="en-US" altLang="zh-CN" dirty="0" smtClean="0"/>
+              <a:t> </a:t>
+            </a:r>
+            <a:r>
+              <a:rPr kumimoji="1" lang="en-US" altLang="zh-CN" dirty="0" err="1" smtClean="0"/>
+              <a:t>docker</a:t>
+            </a:r>
+            <a:r>
+              <a:rPr kumimoji="1" lang="en-US" altLang="zh-CN" dirty="0" smtClean="0"/>
+              <a:t>-engine,</a:t>
+            </a:r>
+            <a:r>
+              <a:rPr kumimoji="1" lang="zh-CN" altLang="en-US" dirty="0" smtClean="0"/>
+              <a:t>从</a:t>
+            </a:r>
+            <a:r>
+              <a:rPr kumimoji="1" lang="en-US" altLang="zh-CN" dirty="0" err="1" smtClean="0"/>
+              <a:t>Debian</a:t>
+            </a:r>
+            <a:r>
+              <a:rPr kumimoji="1" lang="zh-CN" altLang="en-US" dirty="0" smtClean="0"/>
+              <a:t>官方源中移除（然后自己搭了一套）</a:t>
+            </a:r>
+            <a:endParaRPr kumimoji="1" lang="en-US" altLang="zh-CN" dirty="0" smtClean="0"/>
+          </a:p>
+          <a:p>
+            <a:r>
+              <a:rPr kumimoji="1" lang="en-US" altLang="zh-CN" dirty="0" smtClean="0"/>
+              <a:t>2017</a:t>
+            </a:r>
+            <a:r>
+              <a:rPr kumimoji="1" lang="zh-CN" altLang="en-US" dirty="0" smtClean="0"/>
+              <a:t>年</a:t>
+            </a:r>
+            <a:r>
+              <a:rPr kumimoji="1" lang="en-US" altLang="zh-CN" dirty="0" smtClean="0"/>
+              <a:t>2</a:t>
+            </a:r>
+            <a:r>
+              <a:rPr kumimoji="1" lang="zh-CN" altLang="en-US" dirty="0" smtClean="0"/>
+              <a:t>月，</a:t>
+            </a:r>
+            <a:r>
+              <a:rPr kumimoji="1" lang="en-US" altLang="zh-CN" dirty="0" err="1" smtClean="0"/>
+              <a:t>docker</a:t>
+            </a:r>
+            <a:r>
+              <a:rPr kumimoji="1" lang="en-US" altLang="zh-CN" dirty="0" smtClean="0"/>
+              <a:t>-engine</a:t>
+            </a:r>
+            <a:r>
+              <a:rPr kumimoji="1" lang="zh-CN" altLang="en-US" dirty="0" smtClean="0"/>
+              <a:t>改名</a:t>
+            </a:r>
+            <a:r>
+              <a:rPr kumimoji="1" lang="en-US" altLang="zh-CN" dirty="0" err="1" smtClean="0"/>
+              <a:t>docker-ce</a:t>
+            </a:r>
+            <a:r>
+              <a:rPr kumimoji="1" lang="zh-CN" altLang="en-US" dirty="0" smtClean="0"/>
+              <a:t>，目前还处于两个名字都可以用的状态</a:t>
+            </a:r>
+            <a:endParaRPr kumimoji="1" lang="zh-CN" altLang="en-US" dirty="0"/>
+          </a:p>
+        </p:txBody>
+      </p:sp>
+    </p:spTree>
+    <p:extLst>
+      <p:ext uri="{BB962C8B-B14F-4D97-AF65-F5344CB8AC3E}">
+        <p14:creationId xmlns:p14="http://schemas.microsoft.com/office/powerpoint/2010/main" val="60597055"/>
+      </p:ext>
+    </p:extLst>
+  </p:cSld>
+  <p:clrMapOvr>
+    <a:masterClrMapping/>
+  </p:clrMapOvr>
+</p:sld>
+</file>
+
+<file path=ppt/slides/slide24.xml><?xml version="1.0" encoding="utf-8"?>
+<p:sld xmlns:a="http://schemas.openxmlformats.org/drawingml/2006/main" xmlns:r="http://schemas.openxmlformats.org/officeDocument/2006/relationships" xmlns:p="http://schemas.openxmlformats.org/presentationml/2006/main">
+  <p:cSld>
+    <p:spTree>
+      <p:nvGrpSpPr>
+        <p:cNvPr id="1" name=""/>
+        <p:cNvGrpSpPr/>
+        <p:nvPr/>
+      </p:nvGrpSpPr>
+      <p:grpSpPr>
+        <a:xfrm>
+          <a:off x="0" y="0"/>
+          <a:ext cx="0" cy="0"/>
+          <a:chOff x="0" y="0"/>
+          <a:chExt cx="0" cy="0"/>
+        </a:xfrm>
+      </p:grpSpPr>
+      <p:sp>
+        <p:nvSpPr>
+          <p:cNvPr id="2" name="标题 1"/>
+          <p:cNvSpPr>
+            <a:spLocks noGrp="1"/>
+          </p:cNvSpPr>
+          <p:nvPr>
+            <p:ph type="title"/>
+          </p:nvPr>
+        </p:nvSpPr>
+        <p:spPr/>
+        <p:txBody>
+          <a:bodyPr/>
+          <a:lstStyle/>
+          <a:p>
+            <a:r>
+              <a:rPr kumimoji="1" lang="en-US" altLang="zh-CN" dirty="0" smtClean="0"/>
+              <a:t>Release</a:t>
+            </a:r>
+            <a:r>
+              <a:rPr kumimoji="1" lang="zh-CN" altLang="en-US" dirty="0" smtClean="0"/>
+              <a:t> </a:t>
+            </a:r>
+            <a:r>
+              <a:rPr kumimoji="1" lang="en-US" altLang="zh-CN" dirty="0" smtClean="0"/>
+              <a:t>Cycle</a:t>
+            </a:r>
+            <a:endParaRPr kumimoji="1" lang="zh-CN" altLang="en-US" dirty="0"/>
+          </a:p>
+        </p:txBody>
+      </p:sp>
+      <p:sp>
+        <p:nvSpPr>
+          <p:cNvPr id="3" name="内容占位符 2"/>
+          <p:cNvSpPr>
+            <a:spLocks noGrp="1"/>
+          </p:cNvSpPr>
+          <p:nvPr>
+            <p:ph idx="1"/>
+          </p:nvPr>
+        </p:nvSpPr>
+        <p:spPr/>
+        <p:txBody>
+          <a:bodyPr/>
+          <a:lstStyle/>
+          <a:p>
+            <a:r>
+              <a:rPr kumimoji="1" lang="zh-CN" altLang="en-US" dirty="0" smtClean="0"/>
+              <a:t>早期</a:t>
             </a:r>
             <a:r>
               <a:rPr kumimoji="1" lang="en-US" altLang="zh-CN" dirty="0" smtClean="0"/>
@@ -6626,19 +6750,372 @@
             </a:r>
             <a:r>
               <a:rPr kumimoji="1" lang="zh-CN" altLang="en-US" dirty="0" smtClean="0"/>
-              <a:t>中存储数据，包括使用数据卷</a:t>
+              <a:t>迭代迅速，没有</a:t>
+            </a:r>
+            <a:r>
+              <a:rPr kumimoji="1" lang="en-US" altLang="zh-CN" dirty="0" smtClean="0"/>
+              <a:t>LTS</a:t>
+            </a:r>
+            <a:r>
+              <a:rPr kumimoji="1" lang="zh-CN" altLang="en-US" dirty="0" smtClean="0"/>
+              <a:t>，单个版本的生命周期很短</a:t>
             </a:r>
             <a:endParaRPr kumimoji="1" lang="en-US" altLang="zh-CN" dirty="0" smtClean="0"/>
           </a:p>
           <a:p>
             <a:r>
-              <a:rPr kumimoji="1" lang="zh-CN" altLang="en-US" dirty="0" smtClean="0"/>
-              <a:t>在</a:t>
+              <a:rPr kumimoji="1" lang="en-US" altLang="zh-CN" dirty="0"/>
+              <a:t>2017</a:t>
+            </a:r>
+            <a:r>
+              <a:rPr kumimoji="1" lang="zh-CN" altLang="en-US" dirty="0"/>
+              <a:t>年</a:t>
+            </a:r>
+            <a:r>
+              <a:rPr kumimoji="1" lang="en-US" altLang="zh-CN" dirty="0"/>
+              <a:t>2</a:t>
+            </a:r>
+            <a:r>
+              <a:rPr kumimoji="1" lang="zh-CN" altLang="en-US" dirty="0"/>
+              <a:t>月，</a:t>
+            </a:r>
+            <a:r>
+              <a:rPr kumimoji="1" lang="en-US" altLang="zh-CN" dirty="0"/>
+              <a:t>Docker</a:t>
+            </a:r>
+            <a:r>
+              <a:rPr kumimoji="1" lang="zh-CN" altLang="en-US" dirty="0"/>
+              <a:t>发布了企业版（</a:t>
+            </a:r>
+            <a:r>
+              <a:rPr kumimoji="1" lang="en-US" altLang="zh-CN" dirty="0">
+                <a:hlinkClick r:id="rId2"/>
+              </a:rPr>
+              <a:t>ANNOUNCING DOCKER ENTERPRISE EDITION</a:t>
+            </a:r>
+            <a:r>
+              <a:rPr kumimoji="1" lang="zh-CN" altLang="en-US" dirty="0" smtClean="0"/>
+              <a:t>）</a:t>
+            </a:r>
+            <a:r>
+              <a:rPr kumimoji="1" lang="zh-CN" altLang="en-US" b="1" dirty="0" smtClean="0"/>
+              <a:t>可能</a:t>
+            </a:r>
+            <a:r>
+              <a:rPr kumimoji="1" lang="zh-CN" altLang="en-US" dirty="0" smtClean="0"/>
+              <a:t>会改变</a:t>
+            </a:r>
+            <a:r>
+              <a:rPr kumimoji="1" lang="en-US" altLang="zh-CN" dirty="0" smtClean="0"/>
+              <a:t>Release</a:t>
+            </a:r>
+            <a:r>
+              <a:rPr kumimoji="1" lang="zh-CN" altLang="en-US" dirty="0" smtClean="0"/>
+              <a:t> </a:t>
+            </a:r>
+            <a:r>
+              <a:rPr kumimoji="1" lang="en-US" altLang="zh-CN" dirty="0" smtClean="0"/>
+              <a:t>Cycle</a:t>
+            </a:r>
+            <a:r>
+              <a:rPr kumimoji="1" lang="zh-CN" altLang="en-US" dirty="0" smtClean="0"/>
+              <a:t>混乱的问题</a:t>
+            </a:r>
+            <a:endParaRPr kumimoji="1" lang="zh-CN" altLang="en-US" dirty="0"/>
+          </a:p>
+        </p:txBody>
+      </p:sp>
+    </p:spTree>
+    <p:extLst>
+      <p:ext uri="{BB962C8B-B14F-4D97-AF65-F5344CB8AC3E}">
+        <p14:creationId xmlns:p14="http://schemas.microsoft.com/office/powerpoint/2010/main" val="1341296058"/>
+      </p:ext>
+    </p:extLst>
+  </p:cSld>
+  <p:clrMapOvr>
+    <a:masterClrMapping/>
+  </p:clrMapOvr>
+</p:sld>
+</file>
+
+<file path=ppt/slides/slide25.xml><?xml version="1.0" encoding="utf-8"?>
+<p:sld xmlns:a="http://schemas.openxmlformats.org/drawingml/2006/main" xmlns:r="http://schemas.openxmlformats.org/officeDocument/2006/relationships" xmlns:p="http://schemas.openxmlformats.org/presentationml/2006/main">
+  <p:cSld>
+    <p:spTree>
+      <p:nvGrpSpPr>
+        <p:cNvPr id="1" name=""/>
+        <p:cNvGrpSpPr/>
+        <p:nvPr/>
+      </p:nvGrpSpPr>
+      <p:grpSpPr>
+        <a:xfrm>
+          <a:off x="0" y="0"/>
+          <a:ext cx="0" cy="0"/>
+          <a:chOff x="0" y="0"/>
+          <a:chExt cx="0" cy="0"/>
+        </a:xfrm>
+      </p:grpSpPr>
+      <p:sp>
+        <p:nvSpPr>
+          <p:cNvPr id="2" name="标题 1"/>
+          <p:cNvSpPr>
+            <a:spLocks noGrp="1"/>
+          </p:cNvSpPr>
+          <p:nvPr>
+            <p:ph type="title"/>
+          </p:nvPr>
+        </p:nvSpPr>
+        <p:spPr/>
+        <p:txBody>
+          <a:bodyPr/>
+          <a:lstStyle/>
+          <a:p>
+            <a:r>
+              <a:rPr kumimoji="1" lang="zh-CN" altLang="en-US" dirty="0" smtClean="0"/>
+              <a:t>不稳定</a:t>
+            </a:r>
+            <a:endParaRPr kumimoji="1" lang="zh-CN" altLang="en-US" dirty="0"/>
+          </a:p>
+        </p:txBody>
+      </p:sp>
+      <p:sp>
+        <p:nvSpPr>
+          <p:cNvPr id="3" name="内容占位符 2"/>
+          <p:cNvSpPr>
+            <a:spLocks noGrp="1"/>
+          </p:cNvSpPr>
+          <p:nvPr>
+            <p:ph idx="1"/>
+          </p:nvPr>
+        </p:nvSpPr>
+        <p:spPr/>
+        <p:txBody>
+          <a:bodyPr/>
+          <a:lstStyle/>
+          <a:p>
+            <a:r>
+              <a:rPr kumimoji="1" lang="en-US" altLang="zh-CN" dirty="0" smtClean="0"/>
+              <a:t>Container</a:t>
+            </a:r>
+            <a:r>
+              <a:rPr kumimoji="1" lang="zh-CN" altLang="en-US" dirty="0" smtClean="0"/>
+              <a:t>会挂</a:t>
+            </a:r>
+            <a:endParaRPr kumimoji="1" lang="en-US" altLang="zh-CN" dirty="0" smtClean="0"/>
+          </a:p>
+          <a:p>
+            <a:r>
+              <a:rPr kumimoji="1" lang="en-US" altLang="zh-CN" dirty="0" smtClean="0"/>
+              <a:t>Container</a:t>
+            </a:r>
+            <a:r>
+              <a:rPr kumimoji="1" lang="zh-CN" altLang="en-US" dirty="0" smtClean="0"/>
+              <a:t>挂掉可能会损失数据</a:t>
+            </a:r>
+            <a:endParaRPr kumimoji="1" lang="en-US" altLang="zh-CN" dirty="0" smtClean="0"/>
+          </a:p>
+          <a:p>
+            <a:r>
+              <a:rPr kumimoji="1" lang="en-US" altLang="zh-CN" dirty="0" smtClean="0"/>
+              <a:t>Container</a:t>
+            </a:r>
+            <a:r>
+              <a:rPr kumimoji="1" lang="zh-CN" altLang="en-US" dirty="0" smtClean="0"/>
+              <a:t>挂掉可能会把</a:t>
+            </a:r>
+            <a:r>
+              <a:rPr kumimoji="1" lang="en-US" altLang="zh-CN" dirty="0" smtClean="0"/>
+              <a:t>Host</a:t>
+            </a:r>
+            <a:r>
+              <a:rPr kumimoji="1" lang="zh-CN" altLang="en-US" dirty="0" smtClean="0"/>
+              <a:t>系统带挂</a:t>
+            </a:r>
+            <a:endParaRPr kumimoji="1" lang="zh-CN" altLang="en-US" dirty="0"/>
+          </a:p>
+        </p:txBody>
+      </p:sp>
+    </p:spTree>
+    <p:extLst>
+      <p:ext uri="{BB962C8B-B14F-4D97-AF65-F5344CB8AC3E}">
+        <p14:creationId xmlns:p14="http://schemas.microsoft.com/office/powerpoint/2010/main" val="82265908"/>
+      </p:ext>
+    </p:extLst>
+  </p:cSld>
+  <p:clrMapOvr>
+    <a:masterClrMapping/>
+  </p:clrMapOvr>
+  <p:timing>
+    <p:tnLst>
+      <p:par>
+        <p:cTn id="1" dur="indefinite" restart="never" nodeType="tmRoot"/>
+      </p:par>
+    </p:tnLst>
+  </p:timing>
+</p:sld>
+</file>
+
+<file path=ppt/slides/slide26.xml><?xml version="1.0" encoding="utf-8"?>
+<p:sld xmlns:a="http://schemas.openxmlformats.org/drawingml/2006/main" xmlns:r="http://schemas.openxmlformats.org/officeDocument/2006/relationships" xmlns:p="http://schemas.openxmlformats.org/presentationml/2006/main">
+  <p:cSld>
+    <p:spTree>
+      <p:nvGrpSpPr>
+        <p:cNvPr id="1" name=""/>
+        <p:cNvGrpSpPr/>
+        <p:nvPr/>
+      </p:nvGrpSpPr>
+      <p:grpSpPr>
+        <a:xfrm>
+          <a:off x="0" y="0"/>
+          <a:ext cx="0" cy="0"/>
+          <a:chOff x="0" y="0"/>
+          <a:chExt cx="0" cy="0"/>
+        </a:xfrm>
+      </p:grpSpPr>
+      <p:sp>
+        <p:nvSpPr>
+          <p:cNvPr id="2" name="标题 1"/>
+          <p:cNvSpPr>
+            <a:spLocks noGrp="1"/>
+          </p:cNvSpPr>
+          <p:nvPr>
+            <p:ph type="title"/>
+          </p:nvPr>
+        </p:nvSpPr>
+        <p:spPr/>
+        <p:txBody>
+          <a:bodyPr/>
+          <a:lstStyle/>
+          <a:p>
+            <a:r>
+              <a:rPr kumimoji="1" lang="zh-CN" altLang="en-US" dirty="0" smtClean="0"/>
+              <a:t>在生产环境使用</a:t>
             </a:r>
             <a:r>
               <a:rPr kumimoji="1" lang="en-US" altLang="zh-CN" dirty="0" smtClean="0"/>
               <a:t>Docker</a:t>
             </a:r>
+            <a:endParaRPr kumimoji="1" lang="zh-CN" altLang="en-US" dirty="0"/>
+          </a:p>
+        </p:txBody>
+      </p:sp>
+      <p:sp>
+        <p:nvSpPr>
+          <p:cNvPr id="3" name="文本占位符 2"/>
+          <p:cNvSpPr>
+            <a:spLocks noGrp="1"/>
+          </p:cNvSpPr>
+          <p:nvPr>
+            <p:ph type="body" idx="1"/>
+          </p:nvPr>
+        </p:nvSpPr>
+        <p:spPr/>
+        <p:txBody>
+          <a:bodyPr/>
+          <a:lstStyle/>
+          <a:p>
+            <a:endParaRPr kumimoji="1" lang="zh-CN" altLang="en-US"/>
+          </a:p>
+        </p:txBody>
+      </p:sp>
+    </p:spTree>
+    <p:extLst>
+      <p:ext uri="{BB962C8B-B14F-4D97-AF65-F5344CB8AC3E}">
+        <p14:creationId xmlns:p14="http://schemas.microsoft.com/office/powerpoint/2010/main" val="1566573868"/>
+      </p:ext>
+    </p:extLst>
+  </p:cSld>
+  <p:clrMapOvr>
+    <a:masterClrMapping/>
+  </p:clrMapOvr>
+  <p:timing>
+    <p:tnLst>
+      <p:par>
+        <p:cTn id="1" dur="indefinite" restart="never" nodeType="tmRoot"/>
+      </p:par>
+    </p:tnLst>
+  </p:timing>
+</p:sld>
+</file>
+
+<file path=ppt/slides/slide27.xml><?xml version="1.0" encoding="utf-8"?>
+<p:sld xmlns:a="http://schemas.openxmlformats.org/drawingml/2006/main" xmlns:r="http://schemas.openxmlformats.org/officeDocument/2006/relationships" xmlns:p="http://schemas.openxmlformats.org/presentationml/2006/main">
+  <p:cSld>
+    <p:spTree>
+      <p:nvGrpSpPr>
+        <p:cNvPr id="1" name=""/>
+        <p:cNvGrpSpPr/>
+        <p:nvPr/>
+      </p:nvGrpSpPr>
+      <p:grpSpPr>
+        <a:xfrm>
+          <a:off x="0" y="0"/>
+          <a:ext cx="0" cy="0"/>
+          <a:chOff x="0" y="0"/>
+          <a:chExt cx="0" cy="0"/>
+        </a:xfrm>
+      </p:grpSpPr>
+      <p:sp>
+        <p:nvSpPr>
+          <p:cNvPr id="2" name="标题 1"/>
+          <p:cNvSpPr>
+            <a:spLocks noGrp="1"/>
+          </p:cNvSpPr>
+          <p:nvPr>
+            <p:ph type="title"/>
+          </p:nvPr>
+        </p:nvSpPr>
+        <p:spPr/>
+        <p:txBody>
+          <a:bodyPr/>
+          <a:lstStyle/>
+          <a:p>
+            <a:r>
+              <a:rPr kumimoji="1" lang="zh-CN" altLang="en-US" dirty="0" smtClean="0"/>
+              <a:t>注意事项</a:t>
+            </a:r>
+            <a:endParaRPr kumimoji="1" lang="zh-CN" altLang="en-US" dirty="0"/>
+          </a:p>
+        </p:txBody>
+      </p:sp>
+      <p:sp>
+        <p:nvSpPr>
+          <p:cNvPr id="3" name="内容占位符 2"/>
+          <p:cNvSpPr>
+            <a:spLocks noGrp="1"/>
+          </p:cNvSpPr>
+          <p:nvPr>
+            <p:ph idx="1"/>
+          </p:nvPr>
+        </p:nvSpPr>
+        <p:spPr/>
+        <p:txBody>
+          <a:bodyPr/>
+          <a:lstStyle/>
+          <a:p>
+            <a:r>
+              <a:rPr kumimoji="1" lang="zh-CN" altLang="en-US" dirty="0" smtClean="0"/>
+              <a:t>避免在</a:t>
+            </a:r>
+            <a:r>
+              <a:rPr kumimoji="1" lang="en-US" altLang="zh-CN" dirty="0" smtClean="0"/>
+              <a:t>Docker</a:t>
+            </a:r>
+            <a:r>
+              <a:rPr kumimoji="1" lang="zh-CN" altLang="en-US" dirty="0" smtClean="0"/>
+              <a:t>中存储数据，包括使用数据卷</a:t>
+            </a:r>
+            <a:endParaRPr kumimoji="1" lang="en-US" altLang="zh-CN" dirty="0" smtClean="0"/>
+          </a:p>
+          <a:p>
+            <a:r>
+              <a:rPr kumimoji="1" lang="zh-CN" altLang="en-US" dirty="0" smtClean="0"/>
+              <a:t>避免在</a:t>
+            </a:r>
+            <a:r>
+              <a:rPr kumimoji="1" lang="en-US" altLang="zh-CN" dirty="0" smtClean="0"/>
+              <a:t>Docker</a:t>
+            </a:r>
             <a:r>
               <a:rPr kumimoji="1" lang="zh-CN" altLang="en-US" dirty="0" smtClean="0"/>
               <a:t>中运行需要保证稳定性的应用（如金融应用）</a:t>
@@ -6648,7 +7125,7 @@
           <a:p>
             <a:r>
               <a:rPr kumimoji="1" lang="zh-CN" altLang="en-US" dirty="0" smtClean="0"/>
-              <a:t>在</a:t>
+              <a:t>避免在</a:t>
             </a:r>
             <a:r>
               <a:rPr kumimoji="1" lang="en-US" altLang="zh-CN" dirty="0" smtClean="0"/>
@@ -6693,7 +7170,7 @@
 </p:sld>
 </file>
 
-<file path=ppt/slides/slide24.xml><?xml version="1.0" encoding="utf-8"?>
+<file path=ppt/slides/slide28.xml><?xml version="1.0" encoding="utf-8"?>
 <p:sld xmlns:a="http://schemas.openxmlformats.org/drawingml/2006/main" xmlns:r="http://schemas.openxmlformats.org/officeDocument/2006/relationships" xmlns:p="http://schemas.openxmlformats.org/presentationml/2006/main">
   <p:cSld>
     <p:spTree>
@@ -8121,7 +8598,7 @@
 </p:sld>
 </file>
 
-<file path=ppt/slides/slide25.xml><?xml version="1.0" encoding="utf-8"?>
+<file path=ppt/slides/slide29.xml><?xml version="1.0" encoding="utf-8"?>
 <p:sld xmlns:a="http://schemas.openxmlformats.org/drawingml/2006/main" xmlns:r="http://schemas.openxmlformats.org/officeDocument/2006/relationships" xmlns:p="http://schemas.openxmlformats.org/presentationml/2006/main">
   <p:cSld>
     <p:spTree>
@@ -9793,7 +10270,7 @@
           <a:p>
             <a:r>
               <a:rPr kumimoji="1" lang="zh-CN" altLang="en-US" dirty="0" smtClean="0"/>
-              <a:t>安装和使用</a:t>
+              <a:t>安装</a:t>
             </a:r>
             <a:endParaRPr kumimoji="1" lang="zh-CN" altLang="en-US" dirty="0"/>
           </a:p>
